--- a/Copyright Protection for All flow.pptx
+++ b/Copyright Protection for All flow.pptx
@@ -5,7 +5,10 @@
     <p:sldMasterId id="2147483648" r:id="rId1"/>
   </p:sldMasterIdLst>
   <p:sldIdLst>
-    <p:sldId id="256" r:id="rId2"/>
+    <p:sldId id="259" r:id="rId2"/>
+    <p:sldId id="256" r:id="rId3"/>
+    <p:sldId id="257" r:id="rId4"/>
+    <p:sldId id="258" r:id="rId5"/>
   </p:sldIdLst>
   <p:sldSz cx="12192000" cy="6858000"/>
   <p:notesSz cx="6858000" cy="9144000"/>
@@ -104,6 +107,20 @@
       </a:defRPr>
     </a:lvl9pPr>
   </p:defaultTextStyle>
+  <p:extLst>
+    <p:ext uri="{521415D9-36F7-43E2-AB2F-B90AF26B5E84}">
+      <p14:sectionLst xmlns:p14="http://schemas.microsoft.com/office/powerpoint/2010/main">
+        <p14:section name="Default Section" id="{32605C1A-4BF7-48B5-8729-79A157116291}">
+          <p14:sldIdLst>
+            <p14:sldId id="259"/>
+            <p14:sldId id="256"/>
+            <p14:sldId id="257"/>
+            <p14:sldId id="258"/>
+          </p14:sldIdLst>
+        </p14:section>
+      </p14:sectionLst>
+    </p:ext>
+  </p:extLst>
 </p:presentation>
 </file>
 
@@ -3321,6 +3338,204 @@
           <a:chExt cx="0" cy="0"/>
         </a:xfrm>
       </p:grpSpPr>
+      <p:pic>
+        <p:nvPicPr>
+          <p:cNvPr id="5" name="Content Placeholder 4">
+            <a:extLst>
+              <a:ext uri="{FF2B5EF4-FFF2-40B4-BE49-F238E27FC236}">
+                <a16:creationId xmlns:a16="http://schemas.microsoft.com/office/drawing/2014/main" id="{7E7AAB58-5F01-4EDA-90FD-8469E267F77F}"/>
+              </a:ext>
+            </a:extLst>
+          </p:cNvPr>
+          <p:cNvPicPr>
+            <a:picLocks noGrp="1" noChangeAspect="1"/>
+          </p:cNvPicPr>
+          <p:nvPr>
+            <p:ph idx="1"/>
+          </p:nvPr>
+        </p:nvPicPr>
+        <p:blipFill>
+          <a:blip r:embed="rId4">
+            <a:extLst>
+              <a:ext uri="{28A0092B-C50C-407E-A947-70E740481C1C}">
+                <a14:useLocalDpi xmlns:a14="http://schemas.microsoft.com/office/drawing/2010/main" val="0"/>
+              </a:ext>
+            </a:extLst>
+          </a:blip>
+          <a:stretch>
+            <a:fillRect/>
+          </a:stretch>
+        </p:blipFill>
+        <p:spPr>
+          <a:xfrm>
+            <a:off x="0" y="0"/>
+            <a:ext cx="12191999" cy="6858000"/>
+          </a:xfrm>
+        </p:spPr>
+      </p:pic>
+      <p:pic>
+        <p:nvPicPr>
+          <p:cNvPr id="10" name="Audio 9">
+            <a:hlinkClick r:id="" action="ppaction://media"/>
+            <a:extLst>
+              <a:ext uri="{FF2B5EF4-FFF2-40B4-BE49-F238E27FC236}">
+                <a16:creationId xmlns:a16="http://schemas.microsoft.com/office/drawing/2014/main" id="{6388A7F2-96E5-43BD-9524-AFD1605589CE}"/>
+              </a:ext>
+            </a:extLst>
+          </p:cNvPr>
+          <p:cNvPicPr>
+            <a:picLocks noChangeAspect="1"/>
+          </p:cNvPicPr>
+          <p:nvPr>
+            <a:audioFile r:link="rId2"/>
+            <p:extLst>
+              <p:ext uri="{DAA4B4D4-6D71-4841-9C94-3DE7FCFB9230}">
+                <p14:media xmlns:p14="http://schemas.microsoft.com/office/powerpoint/2010/main" r:embed="rId1"/>
+              </p:ext>
+            </p:extLst>
+          </p:nvPr>
+        </p:nvPicPr>
+        <p:blipFill>
+          <a:blip r:embed="rId5"/>
+          <a:stretch>
+            <a:fillRect/>
+          </a:stretch>
+        </p:blipFill>
+        <p:spPr>
+          <a:xfrm>
+            <a:off x="11633200" y="6299200"/>
+            <a:ext cx="406400" cy="406400"/>
+          </a:xfrm>
+          <a:prstGeom prst="rect">
+            <a:avLst/>
+          </a:prstGeom>
+        </p:spPr>
+      </p:pic>
+    </p:spTree>
+    <p:extLst>
+      <p:ext uri="{BB962C8B-B14F-4D97-AF65-F5344CB8AC3E}">
+        <p14:creationId xmlns:p14="http://schemas.microsoft.com/office/powerpoint/2010/main" val="649047814"/>
+      </p:ext>
+    </p:extLst>
+  </p:cSld>
+  <p:clrMapOvr>
+    <a:masterClrMapping/>
+  </p:clrMapOvr>
+  <mc:AlternateContent xmlns:mc="http://schemas.openxmlformats.org/markup-compatibility/2006">
+    <mc:Choice xmlns:p14="http://schemas.microsoft.com/office/powerpoint/2010/main" Requires="p14">
+      <p:transition spd="slow" p14:dur="2000" advTm="13915"/>
+    </mc:Choice>
+    <mc:Fallback>
+      <p:transition spd="slow" advTm="13915"/>
+    </mc:Fallback>
+  </mc:AlternateContent>
+  <p:timing>
+    <p:tnLst>
+      <p:par>
+        <p:cTn id="1" dur="indefinite" restart="never" nodeType="tmRoot">
+          <p:childTnLst>
+            <p:seq concurrent="1" nextAc="seek">
+              <p:cTn id="2" dur="indefinite" nodeType="mainSeq">
+                <p:childTnLst>
+                  <p:par>
+                    <p:cTn id="3" fill="hold">
+                      <p:stCondLst>
+                        <p:cond delay="indefinite"/>
+                        <p:cond evt="onBegin" delay="0">
+                          <p:tn val="2"/>
+                        </p:cond>
+                      </p:stCondLst>
+                      <p:childTnLst>
+                        <p:par>
+                          <p:cTn id="4" fill="hold">
+                            <p:stCondLst>
+                              <p:cond delay="0"/>
+                            </p:stCondLst>
+                            <p:childTnLst>
+                              <p:par>
+                                <p:cTn id="5" presetID="1" presetClass="mediacall" presetSubtype="0" fill="hold" nodeType="afterEffect">
+                                  <p:stCondLst>
+                                    <p:cond delay="0"/>
+                                  </p:stCondLst>
+                                  <p:childTnLst>
+                                    <p:cmd type="call" cmd="playFrom(0.0)">
+                                      <p:cBhvr>
+                                        <p:cTn id="6" dur="1" fill="hold"/>
+                                        <p:tgtEl>
+                                          <p:spTgt spid="10"/>
+                                        </p:tgtEl>
+                                      </p:cBhvr>
+                                    </p:cmd>
+                                  </p:childTnLst>
+                                </p:cTn>
+                              </p:par>
+                            </p:childTnLst>
+                          </p:cTn>
+                        </p:par>
+                      </p:childTnLst>
+                    </p:cTn>
+                  </p:par>
+                </p:childTnLst>
+              </p:cTn>
+              <p:prevCondLst>
+                <p:cond evt="onPrev" delay="0">
+                  <p:tgtEl>
+                    <p:sldTgt/>
+                  </p:tgtEl>
+                </p:cond>
+              </p:prevCondLst>
+              <p:nextCondLst>
+                <p:cond evt="onNext" delay="0">
+                  <p:tgtEl>
+                    <p:sldTgt/>
+                  </p:tgtEl>
+                </p:cond>
+              </p:nextCondLst>
+            </p:seq>
+            <p:audio isNarration="1">
+              <p:cMediaNode vol="80000" showWhenStopped="0">
+                <p:cTn id="7" fill="hold" display="0">
+                  <p:stCondLst>
+                    <p:cond delay="indefinite"/>
+                  </p:stCondLst>
+                  <p:endCondLst>
+                    <p:cond evt="onStopAudio" delay="0">
+                      <p:tgtEl>
+                        <p:sldTgt/>
+                      </p:tgtEl>
+                    </p:cond>
+                  </p:endCondLst>
+                </p:cTn>
+                <p:tgtEl>
+                  <p:spTgt spid="10"/>
+                </p:tgtEl>
+              </p:cMediaNode>
+            </p:audio>
+          </p:childTnLst>
+        </p:cTn>
+      </p:par>
+    </p:tnLst>
+  </p:timing>
+</p:sld>
+</file>
+
+<file path=ppt/slides/slide2.xml><?xml version="1.0" encoding="utf-8"?>
+<p:sld xmlns:a="http://schemas.openxmlformats.org/drawingml/2006/main" xmlns:r="http://schemas.openxmlformats.org/officeDocument/2006/relationships" xmlns:p="http://schemas.openxmlformats.org/presentationml/2006/main">
+  <p:cSld>
+    <p:spTree>
+      <p:nvGrpSpPr>
+        <p:cNvPr id="1" name=""/>
+        <p:cNvGrpSpPr/>
+        <p:nvPr/>
+      </p:nvGrpSpPr>
+      <p:grpSpPr>
+        <a:xfrm>
+          <a:off x="0" y="0"/>
+          <a:ext cx="0" cy="0"/>
+          <a:chOff x="0" y="0"/>
+          <a:chExt cx="0" cy="0"/>
+        </a:xfrm>
+      </p:grpSpPr>
       <p:sp>
         <p:nvSpPr>
           <p:cNvPr id="5" name="Rectangle 4">
@@ -3929,7 +4144,7 @@
           <a:p>
             <a:r>
               <a:rPr lang="en-US" dirty="0"/>
-              <a:t>Kelsey verifies Emanuel as a trusted individual and part of the </a:t>
+              <a:t>Kelsey verifies Emmanuel as a trusted individual and part of the </a:t>
             </a:r>
             <a:r>
               <a:rPr lang="en-US" dirty="0" err="1"/>
@@ -4115,7 +4330,7 @@
           <a:p>
             <a:r>
               <a:rPr lang="en-US" dirty="0"/>
-              <a:t>Emanuel creates a song and uploads the song to the RelateID network. Cryptographic evidence of the song is created. The song belongs exclusively to Emanuel and he may assign rights to it as he pleases.</a:t>
+              <a:t>Emmanuel creates a song and uploads the song to the RelateID network. Cryptographic evidence of the song is created. The song belongs exclusively to Emanuel and he may assign rights to it as he pleases.</a:t>
             </a:r>
           </a:p>
         </p:txBody>
@@ -4293,7 +4508,7 @@
           <a:p>
             <a:r>
               <a:rPr lang="en-US" dirty="0"/>
-              <a:t>Emanuel then creates a smart license for his song for future licensing</a:t>
+              <a:t>Emmanuel then creates a smart license for his song for future licensing</a:t>
             </a:r>
           </a:p>
         </p:txBody>
@@ -4455,8 +4670,8 @@
         </p:nvSpPr>
         <p:spPr>
           <a:xfrm>
-            <a:off x="7853363" y="6010543"/>
-            <a:ext cx="4148137" cy="923330"/>
+            <a:off x="6228199" y="6028724"/>
+            <a:ext cx="4545728" cy="923330"/>
           </a:xfrm>
           <a:prstGeom prst="rect">
             <a:avLst/>
@@ -4471,7 +4686,7 @@
           <a:p>
             <a:r>
               <a:rPr lang="en-US" dirty="0"/>
-              <a:t>Emanuel used his smart license to license the music to X. X violated the terms of the license leading to a dispute. </a:t>
+              <a:t>Emmanuel used his smart license to license the music to Agent. Agent violated the terms of the license leading to a dispute. </a:t>
             </a:r>
           </a:p>
         </p:txBody>
@@ -4520,7 +4735,95 @@
           </a:fontRef>
         </p:style>
       </p:cxnSp>
+      <p:cxnSp>
+        <p:nvCxnSpPr>
+          <p:cNvPr id="67" name="Straight Arrow Connector 66">
+            <a:extLst>
+              <a:ext uri="{FF2B5EF4-FFF2-40B4-BE49-F238E27FC236}">
+                <a16:creationId xmlns:a16="http://schemas.microsoft.com/office/drawing/2014/main" id="{F89FA07E-3908-4D95-BE39-9E451CA5C2D2}"/>
+              </a:ext>
+            </a:extLst>
+          </p:cNvPr>
+          <p:cNvCxnSpPr>
+            <a:cxnSpLocks/>
+          </p:cNvCxnSpPr>
+          <p:nvPr/>
+        </p:nvCxnSpPr>
+        <p:spPr>
+          <a:xfrm flipH="1">
+            <a:off x="10663238" y="6103855"/>
+            <a:ext cx="38101" cy="708502"/>
+          </a:xfrm>
+          <a:prstGeom prst="straightConnector1">
+            <a:avLst/>
+          </a:prstGeom>
+          <a:ln w="57150">
+            <a:solidFill>
+              <a:schemeClr val="accent4">
+                <a:lumMod val="60000"/>
+                <a:lumOff val="40000"/>
+              </a:schemeClr>
+            </a:solidFill>
+            <a:tailEnd type="triangle"/>
+          </a:ln>
+        </p:spPr>
+        <p:style>
+          <a:lnRef idx="1">
+            <a:schemeClr val="accent1"/>
+          </a:lnRef>
+          <a:fillRef idx="0">
+            <a:schemeClr val="accent1"/>
+          </a:fillRef>
+          <a:effectRef idx="0">
+            <a:schemeClr val="accent1"/>
+          </a:effectRef>
+          <a:fontRef idx="minor">
+            <a:schemeClr val="tx1"/>
+          </a:fontRef>
+        </p:style>
+      </p:cxnSp>
+      <p:pic>
+        <p:nvPicPr>
+          <p:cNvPr id="78" name="Audio 77">
+            <a:hlinkClick r:id="" action="ppaction://media"/>
+            <a:extLst>
+              <a:ext uri="{FF2B5EF4-FFF2-40B4-BE49-F238E27FC236}">
+                <a16:creationId xmlns:a16="http://schemas.microsoft.com/office/drawing/2014/main" id="{FCEDF44C-D3FB-41A7-BCB6-0F61238038E7}"/>
+              </a:ext>
+            </a:extLst>
+          </p:cNvPr>
+          <p:cNvPicPr>
+            <a:picLocks noChangeAspect="1"/>
+          </p:cNvPicPr>
+          <p:nvPr>
+            <a:audioFile r:link="rId3"/>
+            <p:extLst>
+              <p:ext uri="{DAA4B4D4-6D71-4841-9C94-3DE7FCFB9230}">
+                <p14:media xmlns:p14="http://schemas.microsoft.com/office/powerpoint/2010/main" r:embed="rId2"/>
+              </p:ext>
+            </p:extLst>
+          </p:nvPr>
+        </p:nvPicPr>
+        <p:blipFill>
+          <a:blip r:embed="rId5"/>
+          <a:stretch>
+            <a:fillRect/>
+          </a:stretch>
+        </p:blipFill>
+        <p:spPr>
+          <a:xfrm>
+            <a:off x="11633200" y="6299200"/>
+            <a:ext cx="406400" cy="406400"/>
+          </a:xfrm>
+          <a:prstGeom prst="rect">
+            <a:avLst/>
+          </a:prstGeom>
+        </p:spPr>
+      </p:pic>
     </p:spTree>
+    <p:custDataLst>
+      <p:tags r:id="rId1"/>
+    </p:custDataLst>
     <p:extLst>
       <p:ext uri="{BB962C8B-B14F-4D97-AF65-F5344CB8AC3E}">
         <p14:creationId xmlns:p14="http://schemas.microsoft.com/office/powerpoint/2010/main" val="397497179"/>
@@ -4530,6 +4833,14 @@
   <p:clrMapOvr>
     <a:masterClrMapping/>
   </p:clrMapOvr>
+  <mc:AlternateContent xmlns:mc="http://schemas.openxmlformats.org/markup-compatibility/2006">
+    <mc:Choice xmlns:p14="http://schemas.microsoft.com/office/powerpoint/2010/main" Requires="p14">
+      <p:transition spd="slow" p14:dur="2000" advTm="72874"/>
+    </mc:Choice>
+    <mc:Fallback>
+      <p:transition spd="slow" advTm="72874"/>
+    </mc:Fallback>
+  </mc:AlternateContent>
   <p:timing>
     <p:tnLst>
       <p:par>
@@ -4542,6 +4853,9 @@
                     <p:cTn id="3" fill="hold">
                       <p:stCondLst>
                         <p:cond delay="indefinite"/>
+                        <p:cond evt="onBegin" delay="0">
+                          <p:tn val="2"/>
+                        </p:cond>
                       </p:stCondLst>
                       <p:childTnLst>
                         <p:par>
@@ -4551,29 +4865,19 @@
                             </p:stCondLst>
                             <p:childTnLst>
                               <p:par>
-                                <p:cTn id="5" presetID="1" presetClass="entr" presetSubtype="0" fill="hold" grpId="0" nodeType="clickEffect">
+                                <p:cTn id="5" presetID="1" presetClass="mediacall" presetSubtype="0" fill="hold" nodeType="afterEffect">
                                   <p:stCondLst>
                                     <p:cond delay="0"/>
                                   </p:stCondLst>
                                   <p:childTnLst>
-                                    <p:set>
+                                    <p:cmd type="call" cmd="playFrom(0.0)">
                                       <p:cBhvr>
-                                        <p:cTn id="6" dur="1" fill="hold">
-                                          <p:stCondLst>
-                                            <p:cond delay="0"/>
-                                          </p:stCondLst>
-                                        </p:cTn>
+                                        <p:cTn id="6" dur="1" fill="hold"/>
                                         <p:tgtEl>
-                                          <p:spTgt spid="5"/>
+                                          <p:spTgt spid="78"/>
                                         </p:tgtEl>
-                                        <p:attrNameLst>
-                                          <p:attrName>style.visibility</p:attrName>
-                                        </p:attrNameLst>
                                       </p:cBhvr>
-                                      <p:to>
-                                        <p:strVal val="visible"/>
-                                      </p:to>
-                                    </p:set>
+                                    </p:cmd>
                                   </p:childTnLst>
                                 </p:cTn>
                               </p:par>
@@ -4609,7 +4913,2489 @@
                                           </p:stCondLst>
                                         </p:cTn>
                                         <p:tgtEl>
+                                          <p:spTgt spid="5"/>
+                                        </p:tgtEl>
+                                        <p:attrNameLst>
+                                          <p:attrName>style.visibility</p:attrName>
+                                        </p:attrNameLst>
+                                      </p:cBhvr>
+                                      <p:to>
+                                        <p:strVal val="visible"/>
+                                      </p:to>
+                                    </p:set>
+                                  </p:childTnLst>
+                                </p:cTn>
+                              </p:par>
+                              <p:par>
+                                <p:cTn id="11" presetID="1" presetClass="entr" presetSubtype="0" fill="hold" grpId="0" nodeType="withEffect">
+                                  <p:stCondLst>
+                                    <p:cond delay="0"/>
+                                  </p:stCondLst>
+                                  <p:childTnLst>
+                                    <p:set>
+                                      <p:cBhvr>
+                                        <p:cTn id="12" dur="1" fill="hold">
+                                          <p:stCondLst>
+                                            <p:cond delay="0"/>
+                                          </p:stCondLst>
+                                        </p:cTn>
+                                        <p:tgtEl>
                                           <p:spTgt spid="8"/>
+                                        </p:tgtEl>
+                                        <p:attrNameLst>
+                                          <p:attrName>style.visibility</p:attrName>
+                                        </p:attrNameLst>
+                                      </p:cBhvr>
+                                      <p:to>
+                                        <p:strVal val="visible"/>
+                                      </p:to>
+                                    </p:set>
+                                  </p:childTnLst>
+                                </p:cTn>
+                              </p:par>
+                              <p:par>
+                                <p:cTn id="13" presetID="1" presetClass="entr" presetSubtype="0" fill="hold" nodeType="withEffect">
+                                  <p:stCondLst>
+                                    <p:cond delay="0"/>
+                                  </p:stCondLst>
+                                  <p:childTnLst>
+                                    <p:set>
+                                      <p:cBhvr>
+                                        <p:cTn id="14" dur="1" fill="hold">
+                                          <p:stCondLst>
+                                            <p:cond delay="0"/>
+                                          </p:stCondLst>
+                                        </p:cTn>
+                                        <p:tgtEl>
+                                          <p:spTgt spid="7"/>
+                                        </p:tgtEl>
+                                        <p:attrNameLst>
+                                          <p:attrName>style.visibility</p:attrName>
+                                        </p:attrNameLst>
+                                      </p:cBhvr>
+                                      <p:to>
+                                        <p:strVal val="visible"/>
+                                      </p:to>
+                                    </p:set>
+                                  </p:childTnLst>
+                                </p:cTn>
+                              </p:par>
+                              <p:par>
+                                <p:cTn id="15" presetID="1" presetClass="entr" presetSubtype="0" fill="hold" nodeType="withEffect">
+                                  <p:stCondLst>
+                                    <p:cond delay="0"/>
+                                  </p:stCondLst>
+                                  <p:childTnLst>
+                                    <p:set>
+                                      <p:cBhvr>
+                                        <p:cTn id="16" dur="1" fill="hold">
+                                          <p:stCondLst>
+                                            <p:cond delay="0"/>
+                                          </p:stCondLst>
+                                        </p:cTn>
+                                        <p:tgtEl>
+                                          <p:spTgt spid="12"/>
+                                        </p:tgtEl>
+                                        <p:attrNameLst>
+                                          <p:attrName>style.visibility</p:attrName>
+                                        </p:attrNameLst>
+                                      </p:cBhvr>
+                                      <p:to>
+                                        <p:strVal val="visible"/>
+                                      </p:to>
+                                    </p:set>
+                                  </p:childTnLst>
+                                </p:cTn>
+                              </p:par>
+                              <p:par>
+                                <p:cTn id="17" presetID="1" presetClass="entr" presetSubtype="0" fill="hold" nodeType="withEffect">
+                                  <p:stCondLst>
+                                    <p:cond delay="0"/>
+                                  </p:stCondLst>
+                                  <p:childTnLst>
+                                    <p:set>
+                                      <p:cBhvr>
+                                        <p:cTn id="18" dur="1" fill="hold">
+                                          <p:stCondLst>
+                                            <p:cond delay="0"/>
+                                          </p:stCondLst>
+                                        </p:cTn>
+                                        <p:tgtEl>
+                                          <p:spTgt spid="13"/>
+                                        </p:tgtEl>
+                                        <p:attrNameLst>
+                                          <p:attrName>style.visibility</p:attrName>
+                                        </p:attrNameLst>
+                                      </p:cBhvr>
+                                      <p:to>
+                                        <p:strVal val="visible"/>
+                                      </p:to>
+                                    </p:set>
+                                  </p:childTnLst>
+                                </p:cTn>
+                              </p:par>
+                              <p:par>
+                                <p:cTn id="19" presetID="1" presetClass="entr" presetSubtype="0" fill="hold" grpId="0" nodeType="withEffect">
+                                  <p:stCondLst>
+                                    <p:cond delay="0"/>
+                                  </p:stCondLst>
+                                  <p:childTnLst>
+                                    <p:set>
+                                      <p:cBhvr>
+                                        <p:cTn id="20" dur="1" fill="hold">
+                                          <p:stCondLst>
+                                            <p:cond delay="0"/>
+                                          </p:stCondLst>
+                                        </p:cTn>
+                                        <p:tgtEl>
+                                          <p:spTgt spid="10"/>
+                                        </p:tgtEl>
+                                        <p:attrNameLst>
+                                          <p:attrName>style.visibility</p:attrName>
+                                        </p:attrNameLst>
+                                      </p:cBhvr>
+                                      <p:to>
+                                        <p:strVal val="visible"/>
+                                      </p:to>
+                                    </p:set>
+                                  </p:childTnLst>
+                                </p:cTn>
+                              </p:par>
+                            </p:childTnLst>
+                          </p:cTn>
+                        </p:par>
+                      </p:childTnLst>
+                    </p:cTn>
+                  </p:par>
+                  <p:par>
+                    <p:cTn id="21" fill="hold">
+                      <p:stCondLst>
+                        <p:cond delay="indefinite"/>
+                      </p:stCondLst>
+                      <p:childTnLst>
+                        <p:par>
+                          <p:cTn id="22" fill="hold">
+                            <p:stCondLst>
+                              <p:cond delay="0"/>
+                            </p:stCondLst>
+                            <p:childTnLst>
+                              <p:par>
+                                <p:cTn id="23" presetID="1" presetClass="exit" presetSubtype="0" fill="hold" nodeType="clickEffect">
+                                  <p:stCondLst>
+                                    <p:cond delay="0"/>
+                                  </p:stCondLst>
+                                  <p:childTnLst>
+                                    <p:set>
+                                      <p:cBhvr>
+                                        <p:cTn id="24" dur="1" fill="hold">
+                                          <p:stCondLst>
+                                            <p:cond delay="0"/>
+                                          </p:stCondLst>
+                                        </p:cTn>
+                                        <p:tgtEl>
+                                          <p:spTgt spid="12"/>
+                                        </p:tgtEl>
+                                        <p:attrNameLst>
+                                          <p:attrName>style.visibility</p:attrName>
+                                        </p:attrNameLst>
+                                      </p:cBhvr>
+                                      <p:to>
+                                        <p:strVal val="hidden"/>
+                                      </p:to>
+                                    </p:set>
+                                  </p:childTnLst>
+                                </p:cTn>
+                              </p:par>
+                              <p:par>
+                                <p:cTn id="25" presetID="1" presetClass="exit" presetSubtype="0" fill="hold" nodeType="withEffect">
+                                  <p:stCondLst>
+                                    <p:cond delay="0"/>
+                                  </p:stCondLst>
+                                  <p:childTnLst>
+                                    <p:set>
+                                      <p:cBhvr>
+                                        <p:cTn id="26" dur="1" fill="hold">
+                                          <p:stCondLst>
+                                            <p:cond delay="0"/>
+                                          </p:stCondLst>
+                                        </p:cTn>
+                                        <p:tgtEl>
+                                          <p:spTgt spid="13"/>
+                                        </p:tgtEl>
+                                        <p:attrNameLst>
+                                          <p:attrName>style.visibility</p:attrName>
+                                        </p:attrNameLst>
+                                      </p:cBhvr>
+                                      <p:to>
+                                        <p:strVal val="hidden"/>
+                                      </p:to>
+                                    </p:set>
+                                  </p:childTnLst>
+                                </p:cTn>
+                              </p:par>
+                              <p:par>
+                                <p:cTn id="27" presetID="1" presetClass="exit" presetSubtype="0" fill="hold" grpId="1" nodeType="withEffect">
+                                  <p:stCondLst>
+                                    <p:cond delay="0"/>
+                                  </p:stCondLst>
+                                  <p:childTnLst>
+                                    <p:set>
+                                      <p:cBhvr>
+                                        <p:cTn id="28" dur="1" fill="hold">
+                                          <p:stCondLst>
+                                            <p:cond delay="0"/>
+                                          </p:stCondLst>
+                                        </p:cTn>
+                                        <p:tgtEl>
+                                          <p:spTgt spid="10"/>
+                                        </p:tgtEl>
+                                        <p:attrNameLst>
+                                          <p:attrName>style.visibility</p:attrName>
+                                        </p:attrNameLst>
+                                      </p:cBhvr>
+                                      <p:to>
+                                        <p:strVal val="hidden"/>
+                                      </p:to>
+                                    </p:set>
+                                  </p:childTnLst>
+                                </p:cTn>
+                              </p:par>
+                            </p:childTnLst>
+                          </p:cTn>
+                        </p:par>
+                      </p:childTnLst>
+                    </p:cTn>
+                  </p:par>
+                  <p:par>
+                    <p:cTn id="29" fill="hold">
+                      <p:stCondLst>
+                        <p:cond delay="indefinite"/>
+                      </p:stCondLst>
+                      <p:childTnLst>
+                        <p:par>
+                          <p:cTn id="30" fill="hold">
+                            <p:stCondLst>
+                              <p:cond delay="0"/>
+                            </p:stCondLst>
+                            <p:childTnLst>
+                              <p:par>
+                                <p:cTn id="31" presetID="1" presetClass="entr" presetSubtype="0" fill="hold" nodeType="clickEffect">
+                                  <p:stCondLst>
+                                    <p:cond delay="0"/>
+                                  </p:stCondLst>
+                                  <p:childTnLst>
+                                    <p:set>
+                                      <p:cBhvr>
+                                        <p:cTn id="32" dur="1" fill="hold">
+                                          <p:stCondLst>
+                                            <p:cond delay="0"/>
+                                          </p:stCondLst>
+                                        </p:cTn>
+                                        <p:tgtEl>
+                                          <p:spTgt spid="30"/>
+                                        </p:tgtEl>
+                                        <p:attrNameLst>
+                                          <p:attrName>style.visibility</p:attrName>
+                                        </p:attrNameLst>
+                                      </p:cBhvr>
+                                      <p:to>
+                                        <p:strVal val="visible"/>
+                                      </p:to>
+                                    </p:set>
+                                  </p:childTnLst>
+                                </p:cTn>
+                              </p:par>
+                            </p:childTnLst>
+                          </p:cTn>
+                        </p:par>
+                      </p:childTnLst>
+                    </p:cTn>
+                  </p:par>
+                  <p:par>
+                    <p:cTn id="33" fill="hold">
+                      <p:stCondLst>
+                        <p:cond delay="indefinite"/>
+                      </p:stCondLst>
+                      <p:childTnLst>
+                        <p:par>
+                          <p:cTn id="34" fill="hold">
+                            <p:stCondLst>
+                              <p:cond delay="0"/>
+                            </p:stCondLst>
+                            <p:childTnLst>
+                              <p:par>
+                                <p:cTn id="35" presetID="1" presetClass="entr" presetSubtype="0" fill="hold" grpId="0" nodeType="clickEffect">
+                                  <p:stCondLst>
+                                    <p:cond delay="0"/>
+                                  </p:stCondLst>
+                                  <p:childTnLst>
+                                    <p:set>
+                                      <p:cBhvr>
+                                        <p:cTn id="36" dur="1" fill="hold">
+                                          <p:stCondLst>
+                                            <p:cond delay="0"/>
+                                          </p:stCondLst>
+                                        </p:cTn>
+                                        <p:tgtEl>
+                                          <p:spTgt spid="19"/>
+                                        </p:tgtEl>
+                                        <p:attrNameLst>
+                                          <p:attrName>style.visibility</p:attrName>
+                                        </p:attrNameLst>
+                                      </p:cBhvr>
+                                      <p:to>
+                                        <p:strVal val="visible"/>
+                                      </p:to>
+                                    </p:set>
+                                  </p:childTnLst>
+                                </p:cTn>
+                              </p:par>
+                            </p:childTnLst>
+                          </p:cTn>
+                        </p:par>
+                      </p:childTnLst>
+                    </p:cTn>
+                  </p:par>
+                  <p:par>
+                    <p:cTn id="37" fill="hold">
+                      <p:stCondLst>
+                        <p:cond delay="indefinite"/>
+                      </p:stCondLst>
+                      <p:childTnLst>
+                        <p:par>
+                          <p:cTn id="38" fill="hold">
+                            <p:stCondLst>
+                              <p:cond delay="0"/>
+                            </p:stCondLst>
+                            <p:childTnLst>
+                              <p:par>
+                                <p:cTn id="39" presetID="1" presetClass="entr" presetSubtype="0" fill="hold" grpId="0" nodeType="clickEffect">
+                                  <p:stCondLst>
+                                    <p:cond delay="0"/>
+                                  </p:stCondLst>
+                                  <p:childTnLst>
+                                    <p:set>
+                                      <p:cBhvr>
+                                        <p:cTn id="40" dur="1" fill="hold">
+                                          <p:stCondLst>
+                                            <p:cond delay="0"/>
+                                          </p:stCondLst>
+                                        </p:cTn>
+                                        <p:tgtEl>
+                                          <p:spTgt spid="33"/>
+                                        </p:tgtEl>
+                                        <p:attrNameLst>
+                                          <p:attrName>style.visibility</p:attrName>
+                                        </p:attrNameLst>
+                                      </p:cBhvr>
+                                      <p:to>
+                                        <p:strVal val="visible"/>
+                                      </p:to>
+                                    </p:set>
+                                  </p:childTnLst>
+                                </p:cTn>
+                              </p:par>
+                              <p:par>
+                                <p:cTn id="41" presetID="1" presetClass="entr" presetSubtype="0" fill="hold" nodeType="withEffect">
+                                  <p:stCondLst>
+                                    <p:cond delay="0"/>
+                                  </p:stCondLst>
+                                  <p:childTnLst>
+                                    <p:set>
+                                      <p:cBhvr>
+                                        <p:cTn id="42" dur="1" fill="hold">
+                                          <p:stCondLst>
+                                            <p:cond delay="0"/>
+                                          </p:stCondLst>
+                                        </p:cTn>
+                                        <p:tgtEl>
+                                          <p:spTgt spid="36"/>
+                                        </p:tgtEl>
+                                        <p:attrNameLst>
+                                          <p:attrName>style.visibility</p:attrName>
+                                        </p:attrNameLst>
+                                      </p:cBhvr>
+                                      <p:to>
+                                        <p:strVal val="visible"/>
+                                      </p:to>
+                                    </p:set>
+                                  </p:childTnLst>
+                                </p:cTn>
+                              </p:par>
+                            </p:childTnLst>
+                          </p:cTn>
+                        </p:par>
+                      </p:childTnLst>
+                    </p:cTn>
+                  </p:par>
+                  <p:par>
+                    <p:cTn id="43" fill="hold">
+                      <p:stCondLst>
+                        <p:cond delay="indefinite"/>
+                      </p:stCondLst>
+                      <p:childTnLst>
+                        <p:par>
+                          <p:cTn id="44" fill="hold">
+                            <p:stCondLst>
+                              <p:cond delay="0"/>
+                            </p:stCondLst>
+                            <p:childTnLst>
+                              <p:par>
+                                <p:cTn id="45" presetID="1" presetClass="exit" presetSubtype="0" fill="hold" grpId="1" nodeType="clickEffect">
+                                  <p:stCondLst>
+                                    <p:cond delay="0"/>
+                                  </p:stCondLst>
+                                  <p:childTnLst>
+                                    <p:set>
+                                      <p:cBhvr>
+                                        <p:cTn id="46" dur="1" fill="hold">
+                                          <p:stCondLst>
+                                            <p:cond delay="0"/>
+                                          </p:stCondLst>
+                                        </p:cTn>
+                                        <p:tgtEl>
+                                          <p:spTgt spid="33"/>
+                                        </p:tgtEl>
+                                        <p:attrNameLst>
+                                          <p:attrName>style.visibility</p:attrName>
+                                        </p:attrNameLst>
+                                      </p:cBhvr>
+                                      <p:to>
+                                        <p:strVal val="hidden"/>
+                                      </p:to>
+                                    </p:set>
+                                  </p:childTnLst>
+                                </p:cTn>
+                              </p:par>
+                              <p:par>
+                                <p:cTn id="47" presetID="1" presetClass="exit" presetSubtype="0" fill="hold" nodeType="withEffect">
+                                  <p:stCondLst>
+                                    <p:cond delay="0"/>
+                                  </p:stCondLst>
+                                  <p:childTnLst>
+                                    <p:set>
+                                      <p:cBhvr>
+                                        <p:cTn id="48" dur="1" fill="hold">
+                                          <p:stCondLst>
+                                            <p:cond delay="0"/>
+                                          </p:stCondLst>
+                                        </p:cTn>
+                                        <p:tgtEl>
+                                          <p:spTgt spid="36"/>
+                                        </p:tgtEl>
+                                        <p:attrNameLst>
+                                          <p:attrName>style.visibility</p:attrName>
+                                        </p:attrNameLst>
+                                      </p:cBhvr>
+                                      <p:to>
+                                        <p:strVal val="hidden"/>
+                                      </p:to>
+                                    </p:set>
+                                  </p:childTnLst>
+                                </p:cTn>
+                              </p:par>
+                            </p:childTnLst>
+                          </p:cTn>
+                        </p:par>
+                      </p:childTnLst>
+                    </p:cTn>
+                  </p:par>
+                  <p:par>
+                    <p:cTn id="49" fill="hold">
+                      <p:stCondLst>
+                        <p:cond delay="indefinite"/>
+                      </p:stCondLst>
+                      <p:childTnLst>
+                        <p:par>
+                          <p:cTn id="50" fill="hold">
+                            <p:stCondLst>
+                              <p:cond delay="0"/>
+                            </p:stCondLst>
+                            <p:childTnLst>
+                              <p:par>
+                                <p:cTn id="51" presetID="1" presetClass="entr" presetSubtype="0" fill="hold" nodeType="clickEffect">
+                                  <p:stCondLst>
+                                    <p:cond delay="0"/>
+                                  </p:stCondLst>
+                                  <p:childTnLst>
+                                    <p:set>
+                                      <p:cBhvr>
+                                        <p:cTn id="52" dur="1" fill="hold">
+                                          <p:stCondLst>
+                                            <p:cond delay="0"/>
+                                          </p:stCondLst>
+                                        </p:cTn>
+                                        <p:tgtEl>
+                                          <p:spTgt spid="39"/>
+                                        </p:tgtEl>
+                                        <p:attrNameLst>
+                                          <p:attrName>style.visibility</p:attrName>
+                                        </p:attrNameLst>
+                                      </p:cBhvr>
+                                      <p:to>
+                                        <p:strVal val="visible"/>
+                                      </p:to>
+                                    </p:set>
+                                  </p:childTnLst>
+                                </p:cTn>
+                              </p:par>
+                            </p:childTnLst>
+                          </p:cTn>
+                        </p:par>
+                      </p:childTnLst>
+                    </p:cTn>
+                  </p:par>
+                  <p:par>
+                    <p:cTn id="53" fill="hold">
+                      <p:stCondLst>
+                        <p:cond delay="indefinite"/>
+                      </p:stCondLst>
+                      <p:childTnLst>
+                        <p:par>
+                          <p:cTn id="54" fill="hold">
+                            <p:stCondLst>
+                              <p:cond delay="0"/>
+                            </p:stCondLst>
+                            <p:childTnLst>
+                              <p:par>
+                                <p:cTn id="55" presetID="1" presetClass="entr" presetSubtype="0" fill="hold" grpId="0" nodeType="clickEffect">
+                                  <p:stCondLst>
+                                    <p:cond delay="0"/>
+                                  </p:stCondLst>
+                                  <p:childTnLst>
+                                    <p:set>
+                                      <p:cBhvr>
+                                        <p:cTn id="56" dur="1" fill="hold">
+                                          <p:stCondLst>
+                                            <p:cond delay="0"/>
+                                          </p:stCondLst>
+                                        </p:cTn>
+                                        <p:tgtEl>
+                                          <p:spTgt spid="38"/>
+                                        </p:tgtEl>
+                                        <p:attrNameLst>
+                                          <p:attrName>style.visibility</p:attrName>
+                                        </p:attrNameLst>
+                                      </p:cBhvr>
+                                      <p:to>
+                                        <p:strVal val="visible"/>
+                                      </p:to>
+                                    </p:set>
+                                  </p:childTnLst>
+                                </p:cTn>
+                              </p:par>
+                            </p:childTnLst>
+                          </p:cTn>
+                        </p:par>
+                      </p:childTnLst>
+                    </p:cTn>
+                  </p:par>
+                  <p:par>
+                    <p:cTn id="57" fill="hold">
+                      <p:stCondLst>
+                        <p:cond delay="indefinite"/>
+                      </p:stCondLst>
+                      <p:childTnLst>
+                        <p:par>
+                          <p:cTn id="58" fill="hold">
+                            <p:stCondLst>
+                              <p:cond delay="0"/>
+                            </p:stCondLst>
+                            <p:childTnLst>
+                              <p:par>
+                                <p:cTn id="59" presetID="1" presetClass="entr" presetSubtype="0" fill="hold" grpId="0" nodeType="clickEffect">
+                                  <p:stCondLst>
+                                    <p:cond delay="0"/>
+                                  </p:stCondLst>
+                                  <p:childTnLst>
+                                    <p:set>
+                                      <p:cBhvr>
+                                        <p:cTn id="60" dur="1" fill="hold">
+                                          <p:stCondLst>
+                                            <p:cond delay="0"/>
+                                          </p:stCondLst>
+                                        </p:cTn>
+                                        <p:tgtEl>
+                                          <p:spTgt spid="42"/>
+                                        </p:tgtEl>
+                                        <p:attrNameLst>
+                                          <p:attrName>style.visibility</p:attrName>
+                                        </p:attrNameLst>
+                                      </p:cBhvr>
+                                      <p:to>
+                                        <p:strVal val="visible"/>
+                                      </p:to>
+                                    </p:set>
+                                  </p:childTnLst>
+                                </p:cTn>
+                              </p:par>
+                              <p:par>
+                                <p:cTn id="61" presetID="1" presetClass="entr" presetSubtype="0" fill="hold" nodeType="withEffect">
+                                  <p:stCondLst>
+                                    <p:cond delay="0"/>
+                                  </p:stCondLst>
+                                  <p:childTnLst>
+                                    <p:set>
+                                      <p:cBhvr>
+                                        <p:cTn id="62" dur="1" fill="hold">
+                                          <p:stCondLst>
+                                            <p:cond delay="0"/>
+                                          </p:stCondLst>
+                                        </p:cTn>
+                                        <p:tgtEl>
+                                          <p:spTgt spid="43"/>
+                                        </p:tgtEl>
+                                        <p:attrNameLst>
+                                          <p:attrName>style.visibility</p:attrName>
+                                        </p:attrNameLst>
+                                      </p:cBhvr>
+                                      <p:to>
+                                        <p:strVal val="visible"/>
+                                      </p:to>
+                                    </p:set>
+                                  </p:childTnLst>
+                                </p:cTn>
+                              </p:par>
+                            </p:childTnLst>
+                          </p:cTn>
+                        </p:par>
+                      </p:childTnLst>
+                    </p:cTn>
+                  </p:par>
+                  <p:par>
+                    <p:cTn id="63" fill="hold">
+                      <p:stCondLst>
+                        <p:cond delay="indefinite"/>
+                      </p:stCondLst>
+                      <p:childTnLst>
+                        <p:par>
+                          <p:cTn id="64" fill="hold">
+                            <p:stCondLst>
+                              <p:cond delay="0"/>
+                            </p:stCondLst>
+                            <p:childTnLst>
+                              <p:par>
+                                <p:cTn id="65" presetID="1" presetClass="exit" presetSubtype="0" fill="hold" grpId="1" nodeType="clickEffect">
+                                  <p:stCondLst>
+                                    <p:cond delay="0"/>
+                                  </p:stCondLst>
+                                  <p:childTnLst>
+                                    <p:set>
+                                      <p:cBhvr>
+                                        <p:cTn id="66" dur="1" fill="hold">
+                                          <p:stCondLst>
+                                            <p:cond delay="0"/>
+                                          </p:stCondLst>
+                                        </p:cTn>
+                                        <p:tgtEl>
+                                          <p:spTgt spid="42"/>
+                                        </p:tgtEl>
+                                        <p:attrNameLst>
+                                          <p:attrName>style.visibility</p:attrName>
+                                        </p:attrNameLst>
+                                      </p:cBhvr>
+                                      <p:to>
+                                        <p:strVal val="hidden"/>
+                                      </p:to>
+                                    </p:set>
+                                  </p:childTnLst>
+                                </p:cTn>
+                              </p:par>
+                              <p:par>
+                                <p:cTn id="67" presetID="1" presetClass="exit" presetSubtype="0" fill="hold" nodeType="withEffect">
+                                  <p:stCondLst>
+                                    <p:cond delay="0"/>
+                                  </p:stCondLst>
+                                  <p:childTnLst>
+                                    <p:set>
+                                      <p:cBhvr>
+                                        <p:cTn id="68" dur="1" fill="hold">
+                                          <p:stCondLst>
+                                            <p:cond delay="0"/>
+                                          </p:stCondLst>
+                                        </p:cTn>
+                                        <p:tgtEl>
+                                          <p:spTgt spid="43"/>
+                                        </p:tgtEl>
+                                        <p:attrNameLst>
+                                          <p:attrName>style.visibility</p:attrName>
+                                        </p:attrNameLst>
+                                      </p:cBhvr>
+                                      <p:to>
+                                        <p:strVal val="hidden"/>
+                                      </p:to>
+                                    </p:set>
+                                  </p:childTnLst>
+                                </p:cTn>
+                              </p:par>
+                            </p:childTnLst>
+                          </p:cTn>
+                        </p:par>
+                      </p:childTnLst>
+                    </p:cTn>
+                  </p:par>
+                  <p:par>
+                    <p:cTn id="69" fill="hold">
+                      <p:stCondLst>
+                        <p:cond delay="indefinite"/>
+                      </p:stCondLst>
+                      <p:childTnLst>
+                        <p:par>
+                          <p:cTn id="70" fill="hold">
+                            <p:stCondLst>
+                              <p:cond delay="0"/>
+                            </p:stCondLst>
+                            <p:childTnLst>
+                              <p:par>
+                                <p:cTn id="71" presetID="1" presetClass="entr" presetSubtype="0" fill="hold" nodeType="clickEffect">
+                                  <p:stCondLst>
+                                    <p:cond delay="0"/>
+                                  </p:stCondLst>
+                                  <p:childTnLst>
+                                    <p:set>
+                                      <p:cBhvr>
+                                        <p:cTn id="72" dur="1" fill="hold">
+                                          <p:stCondLst>
+                                            <p:cond delay="0"/>
+                                          </p:stCondLst>
+                                        </p:cTn>
+                                        <p:tgtEl>
+                                          <p:spTgt spid="48"/>
+                                        </p:tgtEl>
+                                        <p:attrNameLst>
+                                          <p:attrName>style.visibility</p:attrName>
+                                        </p:attrNameLst>
+                                      </p:cBhvr>
+                                      <p:to>
+                                        <p:strVal val="visible"/>
+                                      </p:to>
+                                    </p:set>
+                                  </p:childTnLst>
+                                </p:cTn>
+                              </p:par>
+                            </p:childTnLst>
+                          </p:cTn>
+                        </p:par>
+                      </p:childTnLst>
+                    </p:cTn>
+                  </p:par>
+                  <p:par>
+                    <p:cTn id="73" fill="hold">
+                      <p:stCondLst>
+                        <p:cond delay="indefinite"/>
+                      </p:stCondLst>
+                      <p:childTnLst>
+                        <p:par>
+                          <p:cTn id="74" fill="hold">
+                            <p:stCondLst>
+                              <p:cond delay="0"/>
+                            </p:stCondLst>
+                            <p:childTnLst>
+                              <p:par>
+                                <p:cTn id="75" presetID="1" presetClass="entr" presetSubtype="0" fill="hold" grpId="0" nodeType="clickEffect">
+                                  <p:stCondLst>
+                                    <p:cond delay="0"/>
+                                  </p:stCondLst>
+                                  <p:childTnLst>
+                                    <p:set>
+                                      <p:cBhvr>
+                                        <p:cTn id="76" dur="1" fill="hold">
+                                          <p:stCondLst>
+                                            <p:cond delay="0"/>
+                                          </p:stCondLst>
+                                        </p:cTn>
+                                        <p:tgtEl>
+                                          <p:spTgt spid="47"/>
+                                        </p:tgtEl>
+                                        <p:attrNameLst>
+                                          <p:attrName>style.visibility</p:attrName>
+                                        </p:attrNameLst>
+                                      </p:cBhvr>
+                                      <p:to>
+                                        <p:strVal val="visible"/>
+                                      </p:to>
+                                    </p:set>
+                                  </p:childTnLst>
+                                </p:cTn>
+                              </p:par>
+                            </p:childTnLst>
+                          </p:cTn>
+                        </p:par>
+                      </p:childTnLst>
+                    </p:cTn>
+                  </p:par>
+                  <p:par>
+                    <p:cTn id="77" fill="hold">
+                      <p:stCondLst>
+                        <p:cond delay="indefinite"/>
+                      </p:stCondLst>
+                      <p:childTnLst>
+                        <p:par>
+                          <p:cTn id="78" fill="hold">
+                            <p:stCondLst>
+                              <p:cond delay="0"/>
+                            </p:stCondLst>
+                            <p:childTnLst>
+                              <p:par>
+                                <p:cTn id="79" presetID="1" presetClass="entr" presetSubtype="0" fill="hold" grpId="0" nodeType="clickEffect">
+                                  <p:stCondLst>
+                                    <p:cond delay="0"/>
+                                  </p:stCondLst>
+                                  <p:childTnLst>
+                                    <p:set>
+                                      <p:cBhvr>
+                                        <p:cTn id="80" dur="1" fill="hold">
+                                          <p:stCondLst>
+                                            <p:cond delay="0"/>
+                                          </p:stCondLst>
+                                        </p:cTn>
+                                        <p:tgtEl>
+                                          <p:spTgt spid="50"/>
+                                        </p:tgtEl>
+                                        <p:attrNameLst>
+                                          <p:attrName>style.visibility</p:attrName>
+                                        </p:attrNameLst>
+                                      </p:cBhvr>
+                                      <p:to>
+                                        <p:strVal val="visible"/>
+                                      </p:to>
+                                    </p:set>
+                                  </p:childTnLst>
+                                </p:cTn>
+                              </p:par>
+                              <p:par>
+                                <p:cTn id="81" presetID="1" presetClass="entr" presetSubtype="0" fill="hold" nodeType="withEffect">
+                                  <p:stCondLst>
+                                    <p:cond delay="0"/>
+                                  </p:stCondLst>
+                                  <p:childTnLst>
+                                    <p:set>
+                                      <p:cBhvr>
+                                        <p:cTn id="82" dur="1" fill="hold">
+                                          <p:stCondLst>
+                                            <p:cond delay="0"/>
+                                          </p:stCondLst>
+                                        </p:cTn>
+                                        <p:tgtEl>
+                                          <p:spTgt spid="51"/>
+                                        </p:tgtEl>
+                                        <p:attrNameLst>
+                                          <p:attrName>style.visibility</p:attrName>
+                                        </p:attrNameLst>
+                                      </p:cBhvr>
+                                      <p:to>
+                                        <p:strVal val="visible"/>
+                                      </p:to>
+                                    </p:set>
+                                  </p:childTnLst>
+                                </p:cTn>
+                              </p:par>
+                            </p:childTnLst>
+                          </p:cTn>
+                        </p:par>
+                      </p:childTnLst>
+                    </p:cTn>
+                  </p:par>
+                  <p:par>
+                    <p:cTn id="83" fill="hold">
+                      <p:stCondLst>
+                        <p:cond delay="indefinite"/>
+                      </p:stCondLst>
+                      <p:childTnLst>
+                        <p:par>
+                          <p:cTn id="84" fill="hold">
+                            <p:stCondLst>
+                              <p:cond delay="0"/>
+                            </p:stCondLst>
+                            <p:childTnLst>
+                              <p:par>
+                                <p:cTn id="85" presetID="1" presetClass="exit" presetSubtype="0" fill="hold" grpId="1" nodeType="clickEffect">
+                                  <p:stCondLst>
+                                    <p:cond delay="0"/>
+                                  </p:stCondLst>
+                                  <p:childTnLst>
+                                    <p:set>
+                                      <p:cBhvr>
+                                        <p:cTn id="86" dur="1" fill="hold">
+                                          <p:stCondLst>
+                                            <p:cond delay="0"/>
+                                          </p:stCondLst>
+                                        </p:cTn>
+                                        <p:tgtEl>
+                                          <p:spTgt spid="50"/>
+                                        </p:tgtEl>
+                                        <p:attrNameLst>
+                                          <p:attrName>style.visibility</p:attrName>
+                                        </p:attrNameLst>
+                                      </p:cBhvr>
+                                      <p:to>
+                                        <p:strVal val="hidden"/>
+                                      </p:to>
+                                    </p:set>
+                                  </p:childTnLst>
+                                </p:cTn>
+                              </p:par>
+                              <p:par>
+                                <p:cTn id="87" presetID="1" presetClass="exit" presetSubtype="0" fill="hold" nodeType="withEffect">
+                                  <p:stCondLst>
+                                    <p:cond delay="0"/>
+                                  </p:stCondLst>
+                                  <p:childTnLst>
+                                    <p:set>
+                                      <p:cBhvr>
+                                        <p:cTn id="88" dur="1" fill="hold">
+                                          <p:stCondLst>
+                                            <p:cond delay="0"/>
+                                          </p:stCondLst>
+                                        </p:cTn>
+                                        <p:tgtEl>
+                                          <p:spTgt spid="51"/>
+                                        </p:tgtEl>
+                                        <p:attrNameLst>
+                                          <p:attrName>style.visibility</p:attrName>
+                                        </p:attrNameLst>
+                                      </p:cBhvr>
+                                      <p:to>
+                                        <p:strVal val="hidden"/>
+                                      </p:to>
+                                    </p:set>
+                                  </p:childTnLst>
+                                </p:cTn>
+                              </p:par>
+                            </p:childTnLst>
+                          </p:cTn>
+                        </p:par>
+                      </p:childTnLst>
+                    </p:cTn>
+                  </p:par>
+                  <p:par>
+                    <p:cTn id="89" fill="hold">
+                      <p:stCondLst>
+                        <p:cond delay="indefinite"/>
+                      </p:stCondLst>
+                      <p:childTnLst>
+                        <p:par>
+                          <p:cTn id="90" fill="hold">
+                            <p:stCondLst>
+                              <p:cond delay="0"/>
+                            </p:stCondLst>
+                            <p:childTnLst>
+                              <p:par>
+                                <p:cTn id="91" presetID="1" presetClass="entr" presetSubtype="0" fill="hold" nodeType="clickEffect">
+                                  <p:stCondLst>
+                                    <p:cond delay="0"/>
+                                  </p:stCondLst>
+                                  <p:childTnLst>
+                                    <p:set>
+                                      <p:cBhvr>
+                                        <p:cTn id="92" dur="1" fill="hold">
+                                          <p:stCondLst>
+                                            <p:cond delay="0"/>
+                                          </p:stCondLst>
+                                        </p:cTn>
+                                        <p:tgtEl>
+                                          <p:spTgt spid="54"/>
+                                        </p:tgtEl>
+                                        <p:attrNameLst>
+                                          <p:attrName>style.visibility</p:attrName>
+                                        </p:attrNameLst>
+                                      </p:cBhvr>
+                                      <p:to>
+                                        <p:strVal val="visible"/>
+                                      </p:to>
+                                    </p:set>
+                                  </p:childTnLst>
+                                </p:cTn>
+                              </p:par>
+                            </p:childTnLst>
+                          </p:cTn>
+                        </p:par>
+                      </p:childTnLst>
+                    </p:cTn>
+                  </p:par>
+                  <p:par>
+                    <p:cTn id="93" fill="hold">
+                      <p:stCondLst>
+                        <p:cond delay="indefinite"/>
+                      </p:stCondLst>
+                      <p:childTnLst>
+                        <p:par>
+                          <p:cTn id="94" fill="hold">
+                            <p:stCondLst>
+                              <p:cond delay="0"/>
+                            </p:stCondLst>
+                            <p:childTnLst>
+                              <p:par>
+                                <p:cTn id="95" presetID="1" presetClass="entr" presetSubtype="0" fill="hold" grpId="0" nodeType="clickEffect">
+                                  <p:stCondLst>
+                                    <p:cond delay="0"/>
+                                  </p:stCondLst>
+                                  <p:childTnLst>
+                                    <p:set>
+                                      <p:cBhvr>
+                                        <p:cTn id="96" dur="1" fill="hold">
+                                          <p:stCondLst>
+                                            <p:cond delay="0"/>
+                                          </p:stCondLst>
+                                        </p:cTn>
+                                        <p:tgtEl>
+                                          <p:spTgt spid="53"/>
+                                        </p:tgtEl>
+                                        <p:attrNameLst>
+                                          <p:attrName>style.visibility</p:attrName>
+                                        </p:attrNameLst>
+                                      </p:cBhvr>
+                                      <p:to>
+                                        <p:strVal val="visible"/>
+                                      </p:to>
+                                    </p:set>
+                                  </p:childTnLst>
+                                </p:cTn>
+                              </p:par>
+                            </p:childTnLst>
+                          </p:cTn>
+                        </p:par>
+                      </p:childTnLst>
+                    </p:cTn>
+                  </p:par>
+                  <p:par>
+                    <p:cTn id="97" fill="hold">
+                      <p:stCondLst>
+                        <p:cond delay="indefinite"/>
+                      </p:stCondLst>
+                      <p:childTnLst>
+                        <p:par>
+                          <p:cTn id="98" fill="hold">
+                            <p:stCondLst>
+                              <p:cond delay="0"/>
+                            </p:stCondLst>
+                            <p:childTnLst>
+                              <p:par>
+                                <p:cTn id="99" presetID="1" presetClass="entr" presetSubtype="0" fill="hold" nodeType="clickEffect">
+                                  <p:stCondLst>
+                                    <p:cond delay="0"/>
+                                  </p:stCondLst>
+                                  <p:childTnLst>
+                                    <p:set>
+                                      <p:cBhvr>
+                                        <p:cTn id="100" dur="1" fill="hold">
+                                          <p:stCondLst>
+                                            <p:cond delay="0"/>
+                                          </p:stCondLst>
+                                        </p:cTn>
+                                        <p:tgtEl>
+                                          <p:spTgt spid="59"/>
+                                        </p:tgtEl>
+                                        <p:attrNameLst>
+                                          <p:attrName>style.visibility</p:attrName>
+                                        </p:attrNameLst>
+                                      </p:cBhvr>
+                                      <p:to>
+                                        <p:strVal val="visible"/>
+                                      </p:to>
+                                    </p:set>
+                                  </p:childTnLst>
+                                </p:cTn>
+                              </p:par>
+                              <p:par>
+                                <p:cTn id="101" presetID="1" presetClass="entr" presetSubtype="0" fill="hold" grpId="0" nodeType="withEffect">
+                                  <p:stCondLst>
+                                    <p:cond delay="0"/>
+                                  </p:stCondLst>
+                                  <p:childTnLst>
+                                    <p:set>
+                                      <p:cBhvr>
+                                        <p:cTn id="102" dur="1" fill="hold">
+                                          <p:stCondLst>
+                                            <p:cond delay="0"/>
+                                          </p:stCondLst>
+                                        </p:cTn>
+                                        <p:tgtEl>
+                                          <p:spTgt spid="57"/>
+                                        </p:tgtEl>
+                                        <p:attrNameLst>
+                                          <p:attrName>style.visibility</p:attrName>
+                                        </p:attrNameLst>
+                                      </p:cBhvr>
+                                      <p:to>
+                                        <p:strVal val="visible"/>
+                                      </p:to>
+                                    </p:set>
+                                  </p:childTnLst>
+                                </p:cTn>
+                              </p:par>
+                            </p:childTnLst>
+                          </p:cTn>
+                        </p:par>
+                      </p:childTnLst>
+                    </p:cTn>
+                  </p:par>
+                  <p:par>
+                    <p:cTn id="103" fill="hold">
+                      <p:stCondLst>
+                        <p:cond delay="indefinite"/>
+                      </p:stCondLst>
+                      <p:childTnLst>
+                        <p:par>
+                          <p:cTn id="104" fill="hold">
+                            <p:stCondLst>
+                              <p:cond delay="0"/>
+                            </p:stCondLst>
+                            <p:childTnLst>
+                              <p:par>
+                                <p:cTn id="105" presetID="1" presetClass="exit" presetSubtype="0" fill="hold" nodeType="clickEffect">
+                                  <p:stCondLst>
+                                    <p:cond delay="0"/>
+                                  </p:stCondLst>
+                                  <p:childTnLst>
+                                    <p:set>
+                                      <p:cBhvr>
+                                        <p:cTn id="106" dur="1" fill="hold">
+                                          <p:stCondLst>
+                                            <p:cond delay="0"/>
+                                          </p:stCondLst>
+                                        </p:cTn>
+                                        <p:tgtEl>
+                                          <p:spTgt spid="59"/>
+                                        </p:tgtEl>
+                                        <p:attrNameLst>
+                                          <p:attrName>style.visibility</p:attrName>
+                                        </p:attrNameLst>
+                                      </p:cBhvr>
+                                      <p:to>
+                                        <p:strVal val="hidden"/>
+                                      </p:to>
+                                    </p:set>
+                                  </p:childTnLst>
+                                </p:cTn>
+                              </p:par>
+                              <p:par>
+                                <p:cTn id="107" presetID="1" presetClass="exit" presetSubtype="0" fill="hold" grpId="1" nodeType="withEffect">
+                                  <p:stCondLst>
+                                    <p:cond delay="0"/>
+                                  </p:stCondLst>
+                                  <p:childTnLst>
+                                    <p:set>
+                                      <p:cBhvr>
+                                        <p:cTn id="108" dur="1" fill="hold">
+                                          <p:stCondLst>
+                                            <p:cond delay="0"/>
+                                          </p:stCondLst>
+                                        </p:cTn>
+                                        <p:tgtEl>
+                                          <p:spTgt spid="57"/>
+                                        </p:tgtEl>
+                                        <p:attrNameLst>
+                                          <p:attrName>style.visibility</p:attrName>
+                                        </p:attrNameLst>
+                                      </p:cBhvr>
+                                      <p:to>
+                                        <p:strVal val="hidden"/>
+                                      </p:to>
+                                    </p:set>
+                                  </p:childTnLst>
+                                </p:cTn>
+                              </p:par>
+                            </p:childTnLst>
+                          </p:cTn>
+                        </p:par>
+                      </p:childTnLst>
+                    </p:cTn>
+                  </p:par>
+                  <p:par>
+                    <p:cTn id="109" fill="hold">
+                      <p:stCondLst>
+                        <p:cond delay="indefinite"/>
+                      </p:stCondLst>
+                      <p:childTnLst>
+                        <p:par>
+                          <p:cTn id="110" fill="hold">
+                            <p:stCondLst>
+                              <p:cond delay="0"/>
+                            </p:stCondLst>
+                            <p:childTnLst>
+                              <p:par>
+                                <p:cTn id="111" presetID="1" presetClass="entr" presetSubtype="0" fill="hold" nodeType="clickEffect">
+                                  <p:stCondLst>
+                                    <p:cond delay="0"/>
+                                  </p:stCondLst>
+                                  <p:childTnLst>
+                                    <p:set>
+                                      <p:cBhvr>
+                                        <p:cTn id="112" dur="1" fill="hold">
+                                          <p:stCondLst>
+                                            <p:cond delay="0"/>
+                                          </p:stCondLst>
+                                        </p:cTn>
+                                        <p:tgtEl>
+                                          <p:spTgt spid="61"/>
+                                        </p:tgtEl>
+                                        <p:attrNameLst>
+                                          <p:attrName>style.visibility</p:attrName>
+                                        </p:attrNameLst>
+                                      </p:cBhvr>
+                                      <p:to>
+                                        <p:strVal val="visible"/>
+                                      </p:to>
+                                    </p:set>
+                                  </p:childTnLst>
+                                </p:cTn>
+                              </p:par>
+                            </p:childTnLst>
+                          </p:cTn>
+                        </p:par>
+                      </p:childTnLst>
+                    </p:cTn>
+                  </p:par>
+                  <p:par>
+                    <p:cTn id="113" fill="hold">
+                      <p:stCondLst>
+                        <p:cond delay="indefinite"/>
+                      </p:stCondLst>
+                      <p:childTnLst>
+                        <p:par>
+                          <p:cTn id="114" fill="hold">
+                            <p:stCondLst>
+                              <p:cond delay="0"/>
+                            </p:stCondLst>
+                            <p:childTnLst>
+                              <p:par>
+                                <p:cTn id="115" presetID="1" presetClass="entr" presetSubtype="0" fill="hold" grpId="0" nodeType="clickEffect">
+                                  <p:stCondLst>
+                                    <p:cond delay="0"/>
+                                  </p:stCondLst>
+                                  <p:childTnLst>
+                                    <p:set>
+                                      <p:cBhvr>
+                                        <p:cTn id="116" dur="1" fill="hold">
+                                          <p:stCondLst>
+                                            <p:cond delay="0"/>
+                                          </p:stCondLst>
+                                        </p:cTn>
+                                        <p:tgtEl>
+                                          <p:spTgt spid="60"/>
+                                        </p:tgtEl>
+                                        <p:attrNameLst>
+                                          <p:attrName>style.visibility</p:attrName>
+                                        </p:attrNameLst>
+                                      </p:cBhvr>
+                                      <p:to>
+                                        <p:strVal val="visible"/>
+                                      </p:to>
+                                    </p:set>
+                                  </p:childTnLst>
+                                </p:cTn>
+                              </p:par>
+                            </p:childTnLst>
+                          </p:cTn>
+                        </p:par>
+                      </p:childTnLst>
+                    </p:cTn>
+                  </p:par>
+                  <p:par>
+                    <p:cTn id="117" fill="hold">
+                      <p:stCondLst>
+                        <p:cond delay="indefinite"/>
+                      </p:stCondLst>
+                      <p:childTnLst>
+                        <p:par>
+                          <p:cTn id="118" fill="hold">
+                            <p:stCondLst>
+                              <p:cond delay="0"/>
+                            </p:stCondLst>
+                            <p:childTnLst>
+                              <p:par>
+                                <p:cTn id="119" presetID="1" presetClass="entr" presetSubtype="0" fill="hold" nodeType="clickEffect">
+                                  <p:stCondLst>
+                                    <p:cond delay="0"/>
+                                  </p:stCondLst>
+                                  <p:childTnLst>
+                                    <p:set>
+                                      <p:cBhvr>
+                                        <p:cTn id="120" dur="1" fill="hold">
+                                          <p:stCondLst>
+                                            <p:cond delay="0"/>
+                                          </p:stCondLst>
+                                        </p:cTn>
+                                        <p:tgtEl>
+                                          <p:spTgt spid="65"/>
+                                        </p:tgtEl>
+                                        <p:attrNameLst>
+                                          <p:attrName>style.visibility</p:attrName>
+                                        </p:attrNameLst>
+                                      </p:cBhvr>
+                                      <p:to>
+                                        <p:strVal val="visible"/>
+                                      </p:to>
+                                    </p:set>
+                                  </p:childTnLst>
+                                </p:cTn>
+                              </p:par>
+                              <p:par>
+                                <p:cTn id="121" presetID="1" presetClass="entr" presetSubtype="0" fill="hold" grpId="0" nodeType="withEffect">
+                                  <p:stCondLst>
+                                    <p:cond delay="0"/>
+                                  </p:stCondLst>
+                                  <p:childTnLst>
+                                    <p:set>
+                                      <p:cBhvr>
+                                        <p:cTn id="122" dur="1" fill="hold">
+                                          <p:stCondLst>
+                                            <p:cond delay="0"/>
+                                          </p:stCondLst>
+                                        </p:cTn>
+                                        <p:tgtEl>
+                                          <p:spTgt spid="64"/>
+                                        </p:tgtEl>
+                                        <p:attrNameLst>
+                                          <p:attrName>style.visibility</p:attrName>
+                                        </p:attrNameLst>
+                                      </p:cBhvr>
+                                      <p:to>
+                                        <p:strVal val="visible"/>
+                                      </p:to>
+                                    </p:set>
+                                  </p:childTnLst>
+                                </p:cTn>
+                              </p:par>
+                            </p:childTnLst>
+                          </p:cTn>
+                        </p:par>
+                      </p:childTnLst>
+                    </p:cTn>
+                  </p:par>
+                  <p:par>
+                    <p:cTn id="123" fill="hold">
+                      <p:stCondLst>
+                        <p:cond delay="indefinite"/>
+                      </p:stCondLst>
+                      <p:childTnLst>
+                        <p:par>
+                          <p:cTn id="124" fill="hold">
+                            <p:stCondLst>
+                              <p:cond delay="0"/>
+                            </p:stCondLst>
+                            <p:childTnLst>
+                              <p:par>
+                                <p:cTn id="125" presetID="1" presetClass="exit" presetSubtype="0" fill="hold" nodeType="clickEffect">
+                                  <p:stCondLst>
+                                    <p:cond delay="0"/>
+                                  </p:stCondLst>
+                                  <p:childTnLst>
+                                    <p:set>
+                                      <p:cBhvr>
+                                        <p:cTn id="126" dur="1" fill="hold">
+                                          <p:stCondLst>
+                                            <p:cond delay="0"/>
+                                          </p:stCondLst>
+                                        </p:cTn>
+                                        <p:tgtEl>
+                                          <p:spTgt spid="65"/>
+                                        </p:tgtEl>
+                                        <p:attrNameLst>
+                                          <p:attrName>style.visibility</p:attrName>
+                                        </p:attrNameLst>
+                                      </p:cBhvr>
+                                      <p:to>
+                                        <p:strVal val="hidden"/>
+                                      </p:to>
+                                    </p:set>
+                                  </p:childTnLst>
+                                </p:cTn>
+                              </p:par>
+                              <p:par>
+                                <p:cTn id="127" presetID="1" presetClass="exit" presetSubtype="0" fill="hold" grpId="1" nodeType="withEffect">
+                                  <p:stCondLst>
+                                    <p:cond delay="0"/>
+                                  </p:stCondLst>
+                                  <p:childTnLst>
+                                    <p:set>
+                                      <p:cBhvr>
+                                        <p:cTn id="128" dur="1" fill="hold">
+                                          <p:stCondLst>
+                                            <p:cond delay="0"/>
+                                          </p:stCondLst>
+                                        </p:cTn>
+                                        <p:tgtEl>
+                                          <p:spTgt spid="64"/>
+                                        </p:tgtEl>
+                                        <p:attrNameLst>
+                                          <p:attrName>style.visibility</p:attrName>
+                                        </p:attrNameLst>
+                                      </p:cBhvr>
+                                      <p:to>
+                                        <p:strVal val="hidden"/>
+                                      </p:to>
+                                    </p:set>
+                                  </p:childTnLst>
+                                </p:cTn>
+                              </p:par>
+                            </p:childTnLst>
+                          </p:cTn>
+                        </p:par>
+                      </p:childTnLst>
+                    </p:cTn>
+                  </p:par>
+                  <p:par>
+                    <p:cTn id="129" fill="hold">
+                      <p:stCondLst>
+                        <p:cond delay="indefinite"/>
+                      </p:stCondLst>
+                      <p:childTnLst>
+                        <p:par>
+                          <p:cTn id="130" fill="hold">
+                            <p:stCondLst>
+                              <p:cond delay="0"/>
+                            </p:stCondLst>
+                            <p:childTnLst>
+                              <p:par>
+                                <p:cTn id="131" presetID="1" presetClass="entr" presetSubtype="0" fill="hold" nodeType="clickEffect">
+                                  <p:stCondLst>
+                                    <p:cond delay="0"/>
+                                  </p:stCondLst>
+                                  <p:childTnLst>
+                                    <p:set>
+                                      <p:cBhvr>
+                                        <p:cTn id="132" dur="1" fill="hold">
+                                          <p:stCondLst>
+                                            <p:cond delay="0"/>
+                                          </p:stCondLst>
+                                        </p:cTn>
+                                        <p:tgtEl>
+                                          <p:spTgt spid="67"/>
+                                        </p:tgtEl>
+                                        <p:attrNameLst>
+                                          <p:attrName>style.visibility</p:attrName>
+                                        </p:attrNameLst>
+                                      </p:cBhvr>
+                                      <p:to>
+                                        <p:strVal val="visible"/>
+                                      </p:to>
+                                    </p:set>
+                                  </p:childTnLst>
+                                </p:cTn>
+                              </p:par>
+                            </p:childTnLst>
+                          </p:cTn>
+                        </p:par>
+                      </p:childTnLst>
+                    </p:cTn>
+                  </p:par>
+                </p:childTnLst>
+              </p:cTn>
+              <p:prevCondLst>
+                <p:cond evt="onPrev" delay="0">
+                  <p:tgtEl>
+                    <p:sldTgt/>
+                  </p:tgtEl>
+                </p:cond>
+              </p:prevCondLst>
+              <p:nextCondLst>
+                <p:cond evt="onNext" delay="0">
+                  <p:tgtEl>
+                    <p:sldTgt/>
+                  </p:tgtEl>
+                </p:cond>
+              </p:nextCondLst>
+            </p:seq>
+            <p:audio isNarration="1">
+              <p:cMediaNode vol="80000" showWhenStopped="0">
+                <p:cTn id="133" fill="hold" display="0">
+                  <p:stCondLst>
+                    <p:cond delay="indefinite"/>
+                  </p:stCondLst>
+                  <p:endCondLst>
+                    <p:cond evt="onStopAudio" delay="0">
+                      <p:tgtEl>
+                        <p:sldTgt/>
+                      </p:tgtEl>
+                    </p:cond>
+                  </p:endCondLst>
+                </p:cTn>
+                <p:tgtEl>
+                  <p:spTgt spid="78"/>
+                </p:tgtEl>
+              </p:cMediaNode>
+            </p:audio>
+          </p:childTnLst>
+        </p:cTn>
+      </p:par>
+    </p:tnLst>
+    <p:bldLst>
+      <p:bldP spid="5" grpId="0" animBg="1"/>
+      <p:bldP spid="8" grpId="0" animBg="1"/>
+      <p:bldP spid="10" grpId="0"/>
+      <p:bldP spid="10" grpId="1"/>
+      <p:bldP spid="19" grpId="0" animBg="1"/>
+      <p:bldP spid="33" grpId="0"/>
+      <p:bldP spid="33" grpId="1"/>
+      <p:bldP spid="38" grpId="0" animBg="1"/>
+      <p:bldP spid="42" grpId="0"/>
+      <p:bldP spid="42" grpId="1"/>
+      <p:bldP spid="47" grpId="0" animBg="1"/>
+      <p:bldP spid="50" grpId="0"/>
+      <p:bldP spid="50" grpId="1"/>
+      <p:bldP spid="53" grpId="0" animBg="1"/>
+      <p:bldP spid="57" grpId="0"/>
+      <p:bldP spid="57" grpId="1"/>
+      <p:bldP spid="60" grpId="0" animBg="1"/>
+      <p:bldP spid="64" grpId="0"/>
+      <p:bldP spid="64" grpId="1"/>
+    </p:bldLst>
+  </p:timing>
+</p:sld>
+</file>
+
+<file path=ppt/slides/slide3.xml><?xml version="1.0" encoding="utf-8"?>
+<p:sld xmlns:a="http://schemas.openxmlformats.org/drawingml/2006/main" xmlns:r="http://schemas.openxmlformats.org/officeDocument/2006/relationships" xmlns:p="http://schemas.openxmlformats.org/presentationml/2006/main">
+  <p:cSld>
+    <p:spTree>
+      <p:nvGrpSpPr>
+        <p:cNvPr id="1" name=""/>
+        <p:cNvGrpSpPr/>
+        <p:nvPr/>
+      </p:nvGrpSpPr>
+      <p:grpSpPr>
+        <a:xfrm>
+          <a:off x="0" y="0"/>
+          <a:ext cx="0" cy="0"/>
+          <a:chOff x="0" y="0"/>
+          <a:chExt cx="0" cy="0"/>
+        </a:xfrm>
+      </p:grpSpPr>
+      <p:cxnSp>
+        <p:nvCxnSpPr>
+          <p:cNvPr id="4" name="Straight Arrow Connector 3">
+            <a:extLst>
+              <a:ext uri="{FF2B5EF4-FFF2-40B4-BE49-F238E27FC236}">
+                <a16:creationId xmlns:a16="http://schemas.microsoft.com/office/drawing/2014/main" id="{6A2AF478-2E2A-4951-A7F3-6C19D124761F}"/>
+              </a:ext>
+            </a:extLst>
+          </p:cNvPr>
+          <p:cNvCxnSpPr>
+            <a:cxnSpLocks/>
+          </p:cNvCxnSpPr>
+          <p:nvPr/>
+        </p:nvCxnSpPr>
+        <p:spPr>
+          <a:xfrm flipH="1">
+            <a:off x="10182225" y="0"/>
+            <a:ext cx="157162" cy="1190625"/>
+          </a:xfrm>
+          <a:prstGeom prst="straightConnector1">
+            <a:avLst/>
+          </a:prstGeom>
+          <a:ln w="57150">
+            <a:solidFill>
+              <a:schemeClr val="accent4">
+                <a:lumMod val="60000"/>
+                <a:lumOff val="40000"/>
+              </a:schemeClr>
+            </a:solidFill>
+            <a:tailEnd type="triangle"/>
+          </a:ln>
+        </p:spPr>
+        <p:style>
+          <a:lnRef idx="1">
+            <a:schemeClr val="accent1"/>
+          </a:lnRef>
+          <a:fillRef idx="0">
+            <a:schemeClr val="accent1"/>
+          </a:fillRef>
+          <a:effectRef idx="0">
+            <a:schemeClr val="accent1"/>
+          </a:effectRef>
+          <a:fontRef idx="minor">
+            <a:schemeClr val="tx1"/>
+          </a:fontRef>
+        </p:style>
+      </p:cxnSp>
+      <p:sp>
+        <p:nvSpPr>
+          <p:cNvPr id="7" name="Oval 6">
+            <a:extLst>
+              <a:ext uri="{FF2B5EF4-FFF2-40B4-BE49-F238E27FC236}">
+                <a16:creationId xmlns:a16="http://schemas.microsoft.com/office/drawing/2014/main" id="{23753126-8B8F-4F59-90FC-BFB12F399D81}"/>
+              </a:ext>
+            </a:extLst>
+          </p:cNvPr>
+          <p:cNvSpPr/>
+          <p:nvPr/>
+        </p:nvSpPr>
+        <p:spPr>
+          <a:xfrm>
+            <a:off x="9043988" y="1190625"/>
+            <a:ext cx="1862138" cy="901273"/>
+          </a:xfrm>
+          <a:prstGeom prst="ellipse">
+            <a:avLst/>
+          </a:prstGeom>
+          <a:solidFill>
+            <a:schemeClr val="accent6"/>
+          </a:solidFill>
+        </p:spPr>
+        <p:style>
+          <a:lnRef idx="2">
+            <a:schemeClr val="accent1">
+              <a:shade val="50000"/>
+            </a:schemeClr>
+          </a:lnRef>
+          <a:fillRef idx="1">
+            <a:schemeClr val="accent1"/>
+          </a:fillRef>
+          <a:effectRef idx="0">
+            <a:schemeClr val="accent1"/>
+          </a:effectRef>
+          <a:fontRef idx="minor">
+            <a:schemeClr val="lt1"/>
+          </a:fontRef>
+        </p:style>
+        <p:txBody>
+          <a:bodyPr rtlCol="0" anchor="ctr"/>
+          <a:lstStyle/>
+          <a:p>
+            <a:pPr algn="ctr"/>
+            <a:r>
+              <a:rPr lang="en-US" dirty="0"/>
+              <a:t>eJust</a:t>
+            </a:r>
+          </a:p>
+        </p:txBody>
+      </p:sp>
+      <p:sp>
+        <p:nvSpPr>
+          <p:cNvPr id="9" name="TextBox 8">
+            <a:extLst>
+              <a:ext uri="{FF2B5EF4-FFF2-40B4-BE49-F238E27FC236}">
+                <a16:creationId xmlns:a16="http://schemas.microsoft.com/office/drawing/2014/main" id="{62DF7431-7643-4ABC-BA6F-606E90B17306}"/>
+              </a:ext>
+            </a:extLst>
+          </p:cNvPr>
+          <p:cNvSpPr txBox="1"/>
+          <p:nvPr/>
+        </p:nvSpPr>
+        <p:spPr>
+          <a:xfrm>
+            <a:off x="6224588" y="265657"/>
+            <a:ext cx="2819400" cy="2031325"/>
+          </a:xfrm>
+          <a:prstGeom prst="rect">
+            <a:avLst/>
+          </a:prstGeom>
+          <a:noFill/>
+        </p:spPr>
+        <p:txBody>
+          <a:bodyPr wrap="square" rtlCol="0">
+            <a:spAutoFit/>
+          </a:bodyPr>
+          <a:lstStyle/>
+          <a:p>
+            <a:r>
+              <a:rPr lang="en-US" dirty="0"/>
+              <a:t>eJust is a trusted organization (trusted by both RelateID and </a:t>
+            </a:r>
+            <a:r>
+              <a:rPr lang="en-US" dirty="0" err="1"/>
+              <a:t>PeaceTones</a:t>
+            </a:r>
+            <a:r>
+              <a:rPr lang="en-US" dirty="0"/>
+              <a:t>) running on the RelateID network who arbitrates smart contract disputes.</a:t>
+            </a:r>
+          </a:p>
+        </p:txBody>
+      </p:sp>
+      <p:cxnSp>
+        <p:nvCxnSpPr>
+          <p:cNvPr id="10" name="Straight Arrow Connector 9">
+            <a:extLst>
+              <a:ext uri="{FF2B5EF4-FFF2-40B4-BE49-F238E27FC236}">
+                <a16:creationId xmlns:a16="http://schemas.microsoft.com/office/drawing/2014/main" id="{BAC85762-4335-43ED-9EEF-296B230ECF7F}"/>
+              </a:ext>
+            </a:extLst>
+          </p:cNvPr>
+          <p:cNvCxnSpPr>
+            <a:cxnSpLocks/>
+          </p:cNvCxnSpPr>
+          <p:nvPr/>
+        </p:nvCxnSpPr>
+        <p:spPr>
+          <a:xfrm>
+            <a:off x="8623927" y="714553"/>
+            <a:ext cx="1491623" cy="0"/>
+          </a:xfrm>
+          <a:prstGeom prst="straightConnector1">
+            <a:avLst/>
+          </a:prstGeom>
+          <a:ln>
+            <a:solidFill>
+              <a:srgbClr val="FF0000"/>
+            </a:solidFill>
+            <a:tailEnd type="triangle"/>
+          </a:ln>
+        </p:spPr>
+        <p:style>
+          <a:lnRef idx="1">
+            <a:schemeClr val="accent1"/>
+          </a:lnRef>
+          <a:fillRef idx="0">
+            <a:schemeClr val="accent1"/>
+          </a:fillRef>
+          <a:effectRef idx="0">
+            <a:schemeClr val="accent1"/>
+          </a:effectRef>
+          <a:fontRef idx="minor">
+            <a:schemeClr val="tx1"/>
+          </a:fontRef>
+        </p:style>
+      </p:cxnSp>
+      <p:sp>
+        <p:nvSpPr>
+          <p:cNvPr id="12" name="Rectangle 11">
+            <a:extLst>
+              <a:ext uri="{FF2B5EF4-FFF2-40B4-BE49-F238E27FC236}">
+                <a16:creationId xmlns:a16="http://schemas.microsoft.com/office/drawing/2014/main" id="{BD831057-3956-4E6F-A93D-86A39A81AEB7}"/>
+              </a:ext>
+            </a:extLst>
+          </p:cNvPr>
+          <p:cNvSpPr/>
+          <p:nvPr/>
+        </p:nvSpPr>
+        <p:spPr>
+          <a:xfrm>
+            <a:off x="0" y="3120598"/>
+            <a:ext cx="12192000" cy="1063198"/>
+          </a:xfrm>
+          <a:prstGeom prst="rect">
+            <a:avLst/>
+          </a:prstGeom>
+        </p:spPr>
+        <p:style>
+          <a:lnRef idx="2">
+            <a:schemeClr val="accent1">
+              <a:shade val="50000"/>
+            </a:schemeClr>
+          </a:lnRef>
+          <a:fillRef idx="1">
+            <a:schemeClr val="accent1"/>
+          </a:fillRef>
+          <a:effectRef idx="0">
+            <a:schemeClr val="accent1"/>
+          </a:effectRef>
+          <a:fontRef idx="minor">
+            <a:schemeClr val="lt1"/>
+          </a:fontRef>
+        </p:style>
+        <p:txBody>
+          <a:bodyPr rtlCol="0" anchor="ctr"/>
+          <a:lstStyle/>
+          <a:p>
+            <a:pPr algn="ctr"/>
+            <a:r>
+              <a:rPr lang="en-US" dirty="0"/>
+              <a:t>eJust Dispute Resolution Process</a:t>
+            </a:r>
+          </a:p>
+        </p:txBody>
+      </p:sp>
+      <p:cxnSp>
+        <p:nvCxnSpPr>
+          <p:cNvPr id="13" name="Straight Arrow Connector 12">
+            <a:extLst>
+              <a:ext uri="{FF2B5EF4-FFF2-40B4-BE49-F238E27FC236}">
+                <a16:creationId xmlns:a16="http://schemas.microsoft.com/office/drawing/2014/main" id="{74532899-D3A3-4CA5-A3CB-F83EBF8B5865}"/>
+              </a:ext>
+            </a:extLst>
+          </p:cNvPr>
+          <p:cNvCxnSpPr>
+            <a:cxnSpLocks/>
+          </p:cNvCxnSpPr>
+          <p:nvPr/>
+        </p:nvCxnSpPr>
+        <p:spPr>
+          <a:xfrm flipH="1">
+            <a:off x="7204364" y="2115324"/>
+            <a:ext cx="2620673" cy="849549"/>
+          </a:xfrm>
+          <a:prstGeom prst="straightConnector1">
+            <a:avLst/>
+          </a:prstGeom>
+          <a:ln w="57150">
+            <a:solidFill>
+              <a:schemeClr val="accent4">
+                <a:lumMod val="60000"/>
+                <a:lumOff val="40000"/>
+              </a:schemeClr>
+            </a:solidFill>
+            <a:tailEnd type="triangle"/>
+          </a:ln>
+        </p:spPr>
+        <p:style>
+          <a:lnRef idx="1">
+            <a:schemeClr val="accent1"/>
+          </a:lnRef>
+          <a:fillRef idx="0">
+            <a:schemeClr val="accent1"/>
+          </a:fillRef>
+          <a:effectRef idx="0">
+            <a:schemeClr val="accent1"/>
+          </a:effectRef>
+          <a:fontRef idx="minor">
+            <a:schemeClr val="tx1"/>
+          </a:fontRef>
+        </p:style>
+      </p:cxnSp>
+      <p:sp>
+        <p:nvSpPr>
+          <p:cNvPr id="18" name="Rectangle 17">
+            <a:extLst>
+              <a:ext uri="{FF2B5EF4-FFF2-40B4-BE49-F238E27FC236}">
+                <a16:creationId xmlns:a16="http://schemas.microsoft.com/office/drawing/2014/main" id="{D91129E0-3E6D-49BF-9699-B8C3B33CC6A3}"/>
+              </a:ext>
+            </a:extLst>
+          </p:cNvPr>
+          <p:cNvSpPr/>
+          <p:nvPr/>
+        </p:nvSpPr>
+        <p:spPr>
+          <a:xfrm>
+            <a:off x="200892" y="5000785"/>
+            <a:ext cx="2189014" cy="1233054"/>
+          </a:xfrm>
+          <a:prstGeom prst="rect">
+            <a:avLst/>
+          </a:prstGeom>
+        </p:spPr>
+        <p:style>
+          <a:lnRef idx="2">
+            <a:schemeClr val="accent1">
+              <a:shade val="50000"/>
+            </a:schemeClr>
+          </a:lnRef>
+          <a:fillRef idx="1">
+            <a:schemeClr val="accent1"/>
+          </a:fillRef>
+          <a:effectRef idx="0">
+            <a:schemeClr val="accent1"/>
+          </a:effectRef>
+          <a:fontRef idx="minor">
+            <a:schemeClr val="lt1"/>
+          </a:fontRef>
+        </p:style>
+        <p:txBody>
+          <a:bodyPr rtlCol="0" anchor="ctr"/>
+          <a:lstStyle/>
+          <a:p>
+            <a:pPr algn="ctr"/>
+            <a:r>
+              <a:rPr lang="en-US" dirty="0"/>
+              <a:t>Emmanuel files request for arbitration with the eJust organization. </a:t>
+            </a:r>
+          </a:p>
+        </p:txBody>
+      </p:sp>
+      <p:cxnSp>
+        <p:nvCxnSpPr>
+          <p:cNvPr id="19" name="Straight Arrow Connector 18">
+            <a:extLst>
+              <a:ext uri="{FF2B5EF4-FFF2-40B4-BE49-F238E27FC236}">
+                <a16:creationId xmlns:a16="http://schemas.microsoft.com/office/drawing/2014/main" id="{3ACD23AF-FC03-4D8C-A311-BA18FA3584AF}"/>
+              </a:ext>
+            </a:extLst>
+          </p:cNvPr>
+          <p:cNvCxnSpPr>
+            <a:cxnSpLocks/>
+          </p:cNvCxnSpPr>
+          <p:nvPr/>
+        </p:nvCxnSpPr>
+        <p:spPr>
+          <a:xfrm>
+            <a:off x="1288473" y="4197651"/>
+            <a:ext cx="13852" cy="718287"/>
+          </a:xfrm>
+          <a:prstGeom prst="straightConnector1">
+            <a:avLst/>
+          </a:prstGeom>
+          <a:ln w="57150">
+            <a:solidFill>
+              <a:schemeClr val="accent4">
+                <a:lumMod val="60000"/>
+                <a:lumOff val="40000"/>
+              </a:schemeClr>
+            </a:solidFill>
+            <a:tailEnd type="triangle"/>
+          </a:ln>
+        </p:spPr>
+        <p:style>
+          <a:lnRef idx="1">
+            <a:schemeClr val="accent1"/>
+          </a:lnRef>
+          <a:fillRef idx="0">
+            <a:schemeClr val="accent1"/>
+          </a:fillRef>
+          <a:effectRef idx="0">
+            <a:schemeClr val="accent1"/>
+          </a:effectRef>
+          <a:fontRef idx="minor">
+            <a:schemeClr val="tx1"/>
+          </a:fontRef>
+        </p:style>
+      </p:cxnSp>
+      <p:sp>
+        <p:nvSpPr>
+          <p:cNvPr id="21" name="Rectangle 20">
+            <a:extLst>
+              <a:ext uri="{FF2B5EF4-FFF2-40B4-BE49-F238E27FC236}">
+                <a16:creationId xmlns:a16="http://schemas.microsoft.com/office/drawing/2014/main" id="{DB3607F4-1B63-48D2-B11E-A87C36F2CACA}"/>
+              </a:ext>
+            </a:extLst>
+          </p:cNvPr>
+          <p:cNvSpPr/>
+          <p:nvPr/>
+        </p:nvSpPr>
+        <p:spPr>
+          <a:xfrm>
+            <a:off x="3858042" y="4501223"/>
+            <a:ext cx="1330167" cy="2124074"/>
+          </a:xfrm>
+          <a:prstGeom prst="rect">
+            <a:avLst/>
+          </a:prstGeom>
+        </p:spPr>
+        <p:style>
+          <a:lnRef idx="2">
+            <a:schemeClr val="accent1">
+              <a:shade val="50000"/>
+            </a:schemeClr>
+          </a:lnRef>
+          <a:fillRef idx="1">
+            <a:schemeClr val="accent1"/>
+          </a:fillRef>
+          <a:effectRef idx="0">
+            <a:schemeClr val="accent1"/>
+          </a:effectRef>
+          <a:fontRef idx="minor">
+            <a:schemeClr val="lt1"/>
+          </a:fontRef>
+        </p:style>
+        <p:txBody>
+          <a:bodyPr rtlCol="0" anchor="ctr"/>
+          <a:lstStyle/>
+          <a:p>
+            <a:pPr algn="ctr"/>
+            <a:r>
+              <a:rPr lang="en-US" dirty="0"/>
+              <a:t>The ID’s of the parties are validated by eJust. </a:t>
+            </a:r>
+          </a:p>
+        </p:txBody>
+      </p:sp>
+      <p:cxnSp>
+        <p:nvCxnSpPr>
+          <p:cNvPr id="22" name="Straight Arrow Connector 21">
+            <a:extLst>
+              <a:ext uri="{FF2B5EF4-FFF2-40B4-BE49-F238E27FC236}">
+                <a16:creationId xmlns:a16="http://schemas.microsoft.com/office/drawing/2014/main" id="{B88D8FE7-ADFA-4D06-8A9B-CA380287E210}"/>
+              </a:ext>
+            </a:extLst>
+          </p:cNvPr>
+          <p:cNvCxnSpPr>
+            <a:cxnSpLocks/>
+          </p:cNvCxnSpPr>
+          <p:nvPr/>
+        </p:nvCxnSpPr>
+        <p:spPr>
+          <a:xfrm>
+            <a:off x="2462542" y="5758669"/>
+            <a:ext cx="1318018" cy="0"/>
+          </a:xfrm>
+          <a:prstGeom prst="straightConnector1">
+            <a:avLst/>
+          </a:prstGeom>
+          <a:ln w="57150">
+            <a:solidFill>
+              <a:schemeClr val="accent4">
+                <a:lumMod val="60000"/>
+                <a:lumOff val="40000"/>
+              </a:schemeClr>
+            </a:solidFill>
+            <a:tailEnd type="triangle"/>
+          </a:ln>
+        </p:spPr>
+        <p:style>
+          <a:lnRef idx="1">
+            <a:schemeClr val="accent1"/>
+          </a:lnRef>
+          <a:fillRef idx="0">
+            <a:schemeClr val="accent1"/>
+          </a:fillRef>
+          <a:effectRef idx="0">
+            <a:schemeClr val="accent1"/>
+          </a:effectRef>
+          <a:fontRef idx="minor">
+            <a:schemeClr val="tx1"/>
+          </a:fontRef>
+        </p:style>
+      </p:cxnSp>
+      <p:sp>
+        <p:nvSpPr>
+          <p:cNvPr id="34" name="Rectangle 33">
+            <a:extLst>
+              <a:ext uri="{FF2B5EF4-FFF2-40B4-BE49-F238E27FC236}">
+                <a16:creationId xmlns:a16="http://schemas.microsoft.com/office/drawing/2014/main" id="{4AA30548-9227-4692-8973-5787A243678E}"/>
+              </a:ext>
+            </a:extLst>
+          </p:cNvPr>
+          <p:cNvSpPr/>
+          <p:nvPr/>
+        </p:nvSpPr>
+        <p:spPr>
+          <a:xfrm>
+            <a:off x="6842996" y="4621220"/>
+            <a:ext cx="1910104" cy="1755338"/>
+          </a:xfrm>
+          <a:prstGeom prst="rect">
+            <a:avLst/>
+          </a:prstGeom>
+        </p:spPr>
+        <p:style>
+          <a:lnRef idx="2">
+            <a:schemeClr val="accent1">
+              <a:shade val="50000"/>
+            </a:schemeClr>
+          </a:lnRef>
+          <a:fillRef idx="1">
+            <a:schemeClr val="accent1"/>
+          </a:fillRef>
+          <a:effectRef idx="0">
+            <a:schemeClr val="accent1"/>
+          </a:effectRef>
+          <a:fontRef idx="minor">
+            <a:schemeClr val="lt1"/>
+          </a:fontRef>
+        </p:style>
+        <p:txBody>
+          <a:bodyPr rtlCol="0" anchor="ctr"/>
+          <a:lstStyle/>
+          <a:p>
+            <a:pPr algn="ctr"/>
+            <a:r>
+              <a:rPr lang="en-US" dirty="0"/>
+              <a:t>Administrator validates request and notifies respondent.</a:t>
+            </a:r>
+          </a:p>
+        </p:txBody>
+      </p:sp>
+      <p:sp>
+        <p:nvSpPr>
+          <p:cNvPr id="62" name="Rectangle 61">
+            <a:extLst>
+              <a:ext uri="{FF2B5EF4-FFF2-40B4-BE49-F238E27FC236}">
+                <a16:creationId xmlns:a16="http://schemas.microsoft.com/office/drawing/2014/main" id="{428E2455-0A4C-4D1C-8566-26158C427BBE}"/>
+              </a:ext>
+            </a:extLst>
+          </p:cNvPr>
+          <p:cNvSpPr/>
+          <p:nvPr/>
+        </p:nvSpPr>
+        <p:spPr>
+          <a:xfrm>
+            <a:off x="10339387" y="4302397"/>
+            <a:ext cx="1656863" cy="1862876"/>
+          </a:xfrm>
+          <a:prstGeom prst="rect">
+            <a:avLst/>
+          </a:prstGeom>
+        </p:spPr>
+        <p:style>
+          <a:lnRef idx="2">
+            <a:schemeClr val="accent1">
+              <a:shade val="50000"/>
+            </a:schemeClr>
+          </a:lnRef>
+          <a:fillRef idx="1">
+            <a:schemeClr val="accent1"/>
+          </a:fillRef>
+          <a:effectRef idx="0">
+            <a:schemeClr val="accent1"/>
+          </a:effectRef>
+          <a:fontRef idx="minor">
+            <a:schemeClr val="lt1"/>
+          </a:fontRef>
+        </p:style>
+        <p:txBody>
+          <a:bodyPr rtlCol="0" anchor="ctr"/>
+          <a:lstStyle/>
+          <a:p>
+            <a:pPr algn="ctr"/>
+            <a:r>
+              <a:rPr lang="en-US" dirty="0"/>
+              <a:t>Claimant provides arguments via eJust which uses RelateID’s blockchain.</a:t>
+            </a:r>
+          </a:p>
+        </p:txBody>
+      </p:sp>
+      <p:cxnSp>
+        <p:nvCxnSpPr>
+          <p:cNvPr id="63" name="Straight Arrow Connector 62">
+            <a:extLst>
+              <a:ext uri="{FF2B5EF4-FFF2-40B4-BE49-F238E27FC236}">
+                <a16:creationId xmlns:a16="http://schemas.microsoft.com/office/drawing/2014/main" id="{9E31DC1F-45E1-4F03-9525-E608B74B3911}"/>
+              </a:ext>
+            </a:extLst>
+          </p:cNvPr>
+          <p:cNvCxnSpPr>
+            <a:cxnSpLocks/>
+          </p:cNvCxnSpPr>
+          <p:nvPr/>
+        </p:nvCxnSpPr>
+        <p:spPr>
+          <a:xfrm>
+            <a:off x="11133818" y="6241109"/>
+            <a:ext cx="0" cy="653289"/>
+          </a:xfrm>
+          <a:prstGeom prst="straightConnector1">
+            <a:avLst/>
+          </a:prstGeom>
+          <a:ln w="57150">
+            <a:solidFill>
+              <a:schemeClr val="accent4">
+                <a:lumMod val="60000"/>
+                <a:lumOff val="40000"/>
+              </a:schemeClr>
+            </a:solidFill>
+            <a:tailEnd type="triangle"/>
+          </a:ln>
+        </p:spPr>
+        <p:style>
+          <a:lnRef idx="1">
+            <a:schemeClr val="accent1"/>
+          </a:lnRef>
+          <a:fillRef idx="0">
+            <a:schemeClr val="accent1"/>
+          </a:fillRef>
+          <a:effectRef idx="0">
+            <a:schemeClr val="accent1"/>
+          </a:effectRef>
+          <a:fontRef idx="minor">
+            <a:schemeClr val="tx1"/>
+          </a:fontRef>
+        </p:style>
+      </p:cxnSp>
+      <p:cxnSp>
+        <p:nvCxnSpPr>
+          <p:cNvPr id="67" name="Straight Arrow Connector 66">
+            <a:extLst>
+              <a:ext uri="{FF2B5EF4-FFF2-40B4-BE49-F238E27FC236}">
+                <a16:creationId xmlns:a16="http://schemas.microsoft.com/office/drawing/2014/main" id="{19E6A809-F9E6-415C-9EB1-E02711C7D4D5}"/>
+              </a:ext>
+            </a:extLst>
+          </p:cNvPr>
+          <p:cNvCxnSpPr>
+            <a:cxnSpLocks/>
+          </p:cNvCxnSpPr>
+          <p:nvPr/>
+        </p:nvCxnSpPr>
+        <p:spPr>
+          <a:xfrm>
+            <a:off x="5284408" y="5617312"/>
+            <a:ext cx="1468817" cy="0"/>
+          </a:xfrm>
+          <a:prstGeom prst="straightConnector1">
+            <a:avLst/>
+          </a:prstGeom>
+          <a:ln w="57150">
+            <a:solidFill>
+              <a:schemeClr val="accent4">
+                <a:lumMod val="60000"/>
+                <a:lumOff val="40000"/>
+              </a:schemeClr>
+            </a:solidFill>
+            <a:tailEnd type="triangle"/>
+          </a:ln>
+        </p:spPr>
+        <p:style>
+          <a:lnRef idx="1">
+            <a:schemeClr val="accent1"/>
+          </a:lnRef>
+          <a:fillRef idx="0">
+            <a:schemeClr val="accent1"/>
+          </a:fillRef>
+          <a:effectRef idx="0">
+            <a:schemeClr val="accent1"/>
+          </a:effectRef>
+          <a:fontRef idx="minor">
+            <a:schemeClr val="tx1"/>
+          </a:fontRef>
+        </p:style>
+      </p:cxnSp>
+      <p:cxnSp>
+        <p:nvCxnSpPr>
+          <p:cNvPr id="71" name="Straight Arrow Connector 70">
+            <a:extLst>
+              <a:ext uri="{FF2B5EF4-FFF2-40B4-BE49-F238E27FC236}">
+                <a16:creationId xmlns:a16="http://schemas.microsoft.com/office/drawing/2014/main" id="{38E203FC-F8E5-4942-85F6-ECB0959AA620}"/>
+              </a:ext>
+            </a:extLst>
+          </p:cNvPr>
+          <p:cNvCxnSpPr>
+            <a:cxnSpLocks/>
+            <a:stCxn id="34" idx="3"/>
+          </p:cNvCxnSpPr>
+          <p:nvPr/>
+        </p:nvCxnSpPr>
+        <p:spPr>
+          <a:xfrm>
+            <a:off x="8753100" y="5498889"/>
+            <a:ext cx="1586287" cy="0"/>
+          </a:xfrm>
+          <a:prstGeom prst="straightConnector1">
+            <a:avLst/>
+          </a:prstGeom>
+          <a:ln w="57150">
+            <a:solidFill>
+              <a:schemeClr val="accent4">
+                <a:lumMod val="60000"/>
+                <a:lumOff val="40000"/>
+              </a:schemeClr>
+            </a:solidFill>
+            <a:tailEnd type="triangle"/>
+          </a:ln>
+        </p:spPr>
+        <p:style>
+          <a:lnRef idx="1">
+            <a:schemeClr val="accent1"/>
+          </a:lnRef>
+          <a:fillRef idx="0">
+            <a:schemeClr val="accent1"/>
+          </a:fillRef>
+          <a:effectRef idx="0">
+            <a:schemeClr val="accent1"/>
+          </a:effectRef>
+          <a:fontRef idx="minor">
+            <a:schemeClr val="tx1"/>
+          </a:fontRef>
+        </p:style>
+      </p:cxnSp>
+      <p:sp>
+        <p:nvSpPr>
+          <p:cNvPr id="74" name="TextBox 73">
+            <a:extLst>
+              <a:ext uri="{FF2B5EF4-FFF2-40B4-BE49-F238E27FC236}">
+                <a16:creationId xmlns:a16="http://schemas.microsoft.com/office/drawing/2014/main" id="{B6FAA391-0FEF-46AF-9F0E-67B897260ED6}"/>
+              </a:ext>
+            </a:extLst>
+          </p:cNvPr>
+          <p:cNvSpPr txBox="1"/>
+          <p:nvPr/>
+        </p:nvSpPr>
+        <p:spPr>
+          <a:xfrm>
+            <a:off x="427760" y="1190625"/>
+            <a:ext cx="3352800" cy="1754326"/>
+          </a:xfrm>
+          <a:prstGeom prst="rect">
+            <a:avLst/>
+          </a:prstGeom>
+          <a:noFill/>
+        </p:spPr>
+        <p:txBody>
+          <a:bodyPr wrap="square" rtlCol="0">
+            <a:spAutoFit/>
+          </a:bodyPr>
+          <a:lstStyle/>
+          <a:p>
+            <a:r>
+              <a:rPr lang="en-US" dirty="0"/>
+              <a:t>A trusted eJust representative validates individuals who choose to arbitrate their smart contracts via the eJust organization. Much like Kelsey was validated in </a:t>
+            </a:r>
+            <a:r>
+              <a:rPr lang="en-US" dirty="0" err="1"/>
+              <a:t>PeaceTones</a:t>
+            </a:r>
+            <a:r>
+              <a:rPr lang="en-US" dirty="0"/>
+              <a:t>. </a:t>
+            </a:r>
+          </a:p>
+        </p:txBody>
+      </p:sp>
+      <p:cxnSp>
+        <p:nvCxnSpPr>
+          <p:cNvPr id="77" name="Straight Arrow Connector 76">
+            <a:extLst>
+              <a:ext uri="{FF2B5EF4-FFF2-40B4-BE49-F238E27FC236}">
+                <a16:creationId xmlns:a16="http://schemas.microsoft.com/office/drawing/2014/main" id="{CB21E008-249A-4570-AEEE-8AD4408C5426}"/>
+              </a:ext>
+            </a:extLst>
+          </p:cNvPr>
+          <p:cNvCxnSpPr>
+            <a:cxnSpLocks/>
+          </p:cNvCxnSpPr>
+          <p:nvPr/>
+        </p:nvCxnSpPr>
+        <p:spPr>
+          <a:xfrm>
+            <a:off x="1852613" y="2540098"/>
+            <a:ext cx="1027290" cy="3077214"/>
+          </a:xfrm>
+          <a:prstGeom prst="straightConnector1">
+            <a:avLst/>
+          </a:prstGeom>
+          <a:ln>
+            <a:solidFill>
+              <a:srgbClr val="FF0000"/>
+            </a:solidFill>
+            <a:tailEnd type="triangle"/>
+          </a:ln>
+        </p:spPr>
+        <p:style>
+          <a:lnRef idx="1">
+            <a:schemeClr val="accent1"/>
+          </a:lnRef>
+          <a:fillRef idx="0">
+            <a:schemeClr val="accent1"/>
+          </a:fillRef>
+          <a:effectRef idx="0">
+            <a:schemeClr val="accent1"/>
+          </a:effectRef>
+          <a:fontRef idx="minor">
+            <a:schemeClr val="tx1"/>
+          </a:fontRef>
+        </p:style>
+      </p:cxnSp>
+      <p:pic>
+        <p:nvPicPr>
+          <p:cNvPr id="87" name="Audio 86">
+            <a:hlinkClick r:id="" action="ppaction://media"/>
+            <a:extLst>
+              <a:ext uri="{FF2B5EF4-FFF2-40B4-BE49-F238E27FC236}">
+                <a16:creationId xmlns:a16="http://schemas.microsoft.com/office/drawing/2014/main" id="{D1283D7F-B610-4F09-9B72-D61538756E53}"/>
+              </a:ext>
+            </a:extLst>
+          </p:cNvPr>
+          <p:cNvPicPr>
+            <a:picLocks noChangeAspect="1"/>
+          </p:cNvPicPr>
+          <p:nvPr>
+            <a:audioFile r:link="rId3"/>
+            <p:extLst>
+              <p:ext uri="{DAA4B4D4-6D71-4841-9C94-3DE7FCFB9230}">
+                <p14:media xmlns:p14="http://schemas.microsoft.com/office/powerpoint/2010/main" r:embed="rId2"/>
+              </p:ext>
+            </p:extLst>
+          </p:nvPr>
+        </p:nvPicPr>
+        <p:blipFill>
+          <a:blip r:embed="rId5"/>
+          <a:stretch>
+            <a:fillRect/>
+          </a:stretch>
+        </p:blipFill>
+        <p:spPr>
+          <a:xfrm>
+            <a:off x="11633200" y="6299200"/>
+            <a:ext cx="406400" cy="406400"/>
+          </a:xfrm>
+          <a:prstGeom prst="rect">
+            <a:avLst/>
+          </a:prstGeom>
+        </p:spPr>
+      </p:pic>
+    </p:spTree>
+    <p:custDataLst>
+      <p:tags r:id="rId1"/>
+    </p:custDataLst>
+    <p:extLst>
+      <p:ext uri="{BB962C8B-B14F-4D97-AF65-F5344CB8AC3E}">
+        <p14:creationId xmlns:p14="http://schemas.microsoft.com/office/powerpoint/2010/main" val="3488545665"/>
+      </p:ext>
+    </p:extLst>
+  </p:cSld>
+  <p:clrMapOvr>
+    <a:masterClrMapping/>
+  </p:clrMapOvr>
+  <mc:AlternateContent xmlns:mc="http://schemas.openxmlformats.org/markup-compatibility/2006">
+    <mc:Choice xmlns:p14="http://schemas.microsoft.com/office/powerpoint/2010/main" Requires="p14">
+      <p:transition spd="slow" p14:dur="2000" advTm="40710"/>
+    </mc:Choice>
+    <mc:Fallback>
+      <p:transition spd="slow" advTm="40710"/>
+    </mc:Fallback>
+  </mc:AlternateContent>
+  <p:timing>
+    <p:tnLst>
+      <p:par>
+        <p:cTn id="1" dur="indefinite" restart="never" nodeType="tmRoot">
+          <p:childTnLst>
+            <p:seq concurrent="1" nextAc="seek">
+              <p:cTn id="2" dur="indefinite" nodeType="mainSeq">
+                <p:childTnLst>
+                  <p:par>
+                    <p:cTn id="3" fill="hold">
+                      <p:stCondLst>
+                        <p:cond delay="indefinite"/>
+                        <p:cond evt="onBegin" delay="0">
+                          <p:tn val="2"/>
+                        </p:cond>
+                      </p:stCondLst>
+                      <p:childTnLst>
+                        <p:par>
+                          <p:cTn id="4" fill="hold">
+                            <p:stCondLst>
+                              <p:cond delay="0"/>
+                            </p:stCondLst>
+                            <p:childTnLst>
+                              <p:par>
+                                <p:cTn id="5" presetID="1" presetClass="mediacall" presetSubtype="0" fill="hold" nodeType="afterEffect">
+                                  <p:stCondLst>
+                                    <p:cond delay="0"/>
+                                  </p:stCondLst>
+                                  <p:childTnLst>
+                                    <p:cmd type="call" cmd="playFrom(0.0)">
+                                      <p:cBhvr>
+                                        <p:cTn id="6" dur="1" fill="hold"/>
+                                        <p:tgtEl>
+                                          <p:spTgt spid="87"/>
+                                        </p:tgtEl>
+                                      </p:cBhvr>
+                                    </p:cmd>
+                                  </p:childTnLst>
+                                </p:cTn>
+                              </p:par>
+                            </p:childTnLst>
+                          </p:cTn>
+                        </p:par>
+                      </p:childTnLst>
+                    </p:cTn>
+                  </p:par>
+                  <p:par>
+                    <p:cTn id="7" fill="hold">
+                      <p:stCondLst>
+                        <p:cond delay="indefinite"/>
+                      </p:stCondLst>
+                      <p:childTnLst>
+                        <p:par>
+                          <p:cTn id="8" fill="hold">
+                            <p:stCondLst>
+                              <p:cond delay="0"/>
+                            </p:stCondLst>
+                            <p:childTnLst>
+                              <p:par>
+                                <p:cTn id="9" presetID="1" presetClass="entr" presetSubtype="0" fill="hold" nodeType="clickEffect">
+                                  <p:stCondLst>
+                                    <p:cond delay="0"/>
+                                  </p:stCondLst>
+                                  <p:childTnLst>
+                                    <p:set>
+                                      <p:cBhvr>
+                                        <p:cTn id="10" dur="1" fill="hold">
+                                          <p:stCondLst>
+                                            <p:cond delay="0"/>
+                                          </p:stCondLst>
+                                        </p:cTn>
+                                        <p:tgtEl>
+                                          <p:spTgt spid="4"/>
                                         </p:tgtEl>
                                         <p:attrNameLst>
                                           <p:attrName>style.visibility</p:attrName>
@@ -4641,7 +7427,7 @@
                             </p:stCondLst>
                             <p:childTnLst>
                               <p:par>
-                                <p:cTn id="13" presetID="1" presetClass="entr" presetSubtype="0" fill="hold" nodeType="clickEffect">
+                                <p:cTn id="13" presetID="1" presetClass="entr" presetSubtype="0" fill="hold" grpId="0" nodeType="clickEffect">
                                   <p:stCondLst>
                                     <p:cond delay="0"/>
                                   </p:stCondLst>
@@ -4686,7 +7472,7 @@
                             </p:stCondLst>
                             <p:childTnLst>
                               <p:par>
-                                <p:cTn id="17" presetID="1" presetClass="entr" presetSubtype="0" fill="hold" grpId="0" nodeType="clickEffect">
+                                <p:cTn id="17" presetID="1" presetClass="entr" presetSubtype="0" fill="hold" nodeType="clickEffect">
                                   <p:stCondLst>
                                     <p:cond delay="0"/>
                                   </p:stCondLst>
@@ -4713,7 +7499,7 @@
                                 </p:cTn>
                               </p:par>
                               <p:par>
-                                <p:cTn id="19" presetID="1" presetClass="entr" presetSubtype="0" fill="hold" nodeType="withEffect">
+                                <p:cTn id="19" presetID="1" presetClass="entr" presetSubtype="0" fill="hold" grpId="0" nodeType="withEffect">
                                   <p:stCondLst>
                                     <p:cond delay="0"/>
                                   </p:stCondLst>
@@ -4726,7 +7512,7 @@
                                           </p:stCondLst>
                                         </p:cTn>
                                         <p:tgtEl>
-                                          <p:spTgt spid="12"/>
+                                          <p:spTgt spid="9"/>
                                         </p:tgtEl>
                                         <p:attrNameLst>
                                           <p:attrName>style.visibility</p:attrName>
@@ -4739,15 +7525,105 @@
                                   </p:childTnLst>
                                 </p:cTn>
                               </p:par>
+                            </p:childTnLst>
+                          </p:cTn>
+                        </p:par>
+                      </p:childTnLst>
+                    </p:cTn>
+                  </p:par>
+                  <p:par>
+                    <p:cTn id="21" fill="hold">
+                      <p:stCondLst>
+                        <p:cond delay="indefinite"/>
+                      </p:stCondLst>
+                      <p:childTnLst>
+                        <p:par>
+                          <p:cTn id="22" fill="hold">
+                            <p:stCondLst>
+                              <p:cond delay="0"/>
+                            </p:stCondLst>
+                            <p:childTnLst>
                               <p:par>
-                                <p:cTn id="21" presetID="1" presetClass="entr" presetSubtype="0" fill="hold" nodeType="withEffect">
+                                <p:cTn id="23" presetID="1" presetClass="exit" presetSubtype="0" fill="hold" nodeType="clickEffect">
                                   <p:stCondLst>
                                     <p:cond delay="0"/>
                                   </p:stCondLst>
                                   <p:childTnLst>
                                     <p:set>
                                       <p:cBhvr>
-                                        <p:cTn id="22" dur="1" fill="hold">
+                                        <p:cTn id="24" dur="1" fill="hold">
+                                          <p:stCondLst>
+                                            <p:cond delay="0"/>
+                                          </p:stCondLst>
+                                        </p:cTn>
+                                        <p:tgtEl>
+                                          <p:spTgt spid="10"/>
+                                        </p:tgtEl>
+                                        <p:attrNameLst>
+                                          <p:attrName>style.visibility</p:attrName>
+                                        </p:attrNameLst>
+                                      </p:cBhvr>
+                                      <p:to>
+                                        <p:strVal val="hidden"/>
+                                      </p:to>
+                                    </p:set>
+                                  </p:childTnLst>
+                                </p:cTn>
+                              </p:par>
+                              <p:par>
+                                <p:cTn id="25" presetID="1" presetClass="exit" presetSubtype="0" fill="hold" grpId="1" nodeType="withEffect">
+                                  <p:stCondLst>
+                                    <p:cond delay="0"/>
+                                  </p:stCondLst>
+                                  <p:childTnLst>
+                                    <p:set>
+                                      <p:cBhvr>
+                                        <p:cTn id="26" dur="1" fill="hold">
+                                          <p:stCondLst>
+                                            <p:cond delay="0"/>
+                                          </p:stCondLst>
+                                        </p:cTn>
+                                        <p:tgtEl>
+                                          <p:spTgt spid="9"/>
+                                        </p:tgtEl>
+                                        <p:attrNameLst>
+                                          <p:attrName>style.visibility</p:attrName>
+                                        </p:attrNameLst>
+                                      </p:cBhvr>
+                                      <p:to>
+                                        <p:strVal val="hidden"/>
+                                      </p:to>
+                                    </p:set>
+                                  </p:childTnLst>
+                                </p:cTn>
+                              </p:par>
+                            </p:childTnLst>
+                          </p:cTn>
+                        </p:par>
+                      </p:childTnLst>
+                    </p:cTn>
+                  </p:par>
+                  <p:par>
+                    <p:cTn id="27" fill="hold">
+                      <p:stCondLst>
+                        <p:cond delay="indefinite"/>
+                      </p:stCondLst>
+                      <p:childTnLst>
+                        <p:par>
+                          <p:cTn id="28" fill="hold">
+                            <p:stCondLst>
+                              <p:cond delay="0"/>
+                            </p:stCondLst>
+                            <p:childTnLst>
+                              <p:par>
+                                <p:cTn id="29" presetID="1" presetClass="entr" presetSubtype="0" fill="hold" nodeType="clickEffect">
+                                  <p:stCondLst>
+                                    <p:cond delay="0"/>
+                                  </p:stCondLst>
+                                  <p:childTnLst>
+                                    <p:set>
+                                      <p:cBhvr>
+                                        <p:cTn id="30" dur="1" fill="hold">
                                           <p:stCondLst>
                                             <p:cond delay="0"/>
                                           </p:stCondLst>
@@ -4773,105 +7649,6 @@
                     </p:cTn>
                   </p:par>
                   <p:par>
-                    <p:cTn id="23" fill="hold">
-                      <p:stCondLst>
-                        <p:cond delay="indefinite"/>
-                      </p:stCondLst>
-                      <p:childTnLst>
-                        <p:par>
-                          <p:cTn id="24" fill="hold">
-                            <p:stCondLst>
-                              <p:cond delay="0"/>
-                            </p:stCondLst>
-                            <p:childTnLst>
-                              <p:par>
-                                <p:cTn id="25" presetID="1" presetClass="exit" presetSubtype="0" fill="hold" grpId="1" nodeType="clickEffect">
-                                  <p:stCondLst>
-                                    <p:cond delay="0"/>
-                                  </p:stCondLst>
-                                  <p:childTnLst>
-                                    <p:set>
-                                      <p:cBhvr>
-                                        <p:cTn id="26" dur="1" fill="hold">
-                                          <p:stCondLst>
-                                            <p:cond delay="0"/>
-                                          </p:stCondLst>
-                                        </p:cTn>
-                                        <p:tgtEl>
-                                          <p:spTgt spid="10"/>
-                                        </p:tgtEl>
-                                        <p:attrNameLst>
-                                          <p:attrName>style.visibility</p:attrName>
-                                        </p:attrNameLst>
-                                      </p:cBhvr>
-                                      <p:to>
-                                        <p:strVal val="hidden"/>
-                                      </p:to>
-                                    </p:set>
-                                  </p:childTnLst>
-                                </p:cTn>
-                              </p:par>
-                              <p:par>
-                                <p:cTn id="27" presetID="1" presetClass="exit" presetSubtype="0" fill="hold" nodeType="withEffect">
-                                  <p:stCondLst>
-                                    <p:cond delay="0"/>
-                                  </p:stCondLst>
-                                  <p:childTnLst>
-                                    <p:set>
-                                      <p:cBhvr>
-                                        <p:cTn id="28" dur="1" fill="hold">
-                                          <p:stCondLst>
-                                            <p:cond delay="0"/>
-                                          </p:stCondLst>
-                                        </p:cTn>
-                                        <p:tgtEl>
-                                          <p:spTgt spid="12"/>
-                                        </p:tgtEl>
-                                        <p:attrNameLst>
-                                          <p:attrName>style.visibility</p:attrName>
-                                        </p:attrNameLst>
-                                      </p:cBhvr>
-                                      <p:to>
-                                        <p:strVal val="hidden"/>
-                                      </p:to>
-                                    </p:set>
-                                  </p:childTnLst>
-                                </p:cTn>
-                              </p:par>
-                              <p:par>
-                                <p:cTn id="29" presetID="1" presetClass="exit" presetSubtype="0" fill="hold" nodeType="withEffect">
-                                  <p:stCondLst>
-                                    <p:cond delay="0"/>
-                                  </p:stCondLst>
-                                  <p:childTnLst>
-                                    <p:set>
-                                      <p:cBhvr>
-                                        <p:cTn id="30" dur="1" fill="hold">
-                                          <p:stCondLst>
-                                            <p:cond delay="0"/>
-                                          </p:stCondLst>
-                                        </p:cTn>
-                                        <p:tgtEl>
-                                          <p:spTgt spid="13"/>
-                                        </p:tgtEl>
-                                        <p:attrNameLst>
-                                          <p:attrName>style.visibility</p:attrName>
-                                        </p:attrNameLst>
-                                      </p:cBhvr>
-                                      <p:to>
-                                        <p:strVal val="hidden"/>
-                                      </p:to>
-                                    </p:set>
-                                  </p:childTnLst>
-                                </p:cTn>
-                              </p:par>
-                            </p:childTnLst>
-                          </p:cTn>
-                        </p:par>
-                      </p:childTnLst>
-                    </p:cTn>
-                  </p:par>
-                  <p:par>
                     <p:cTn id="31" fill="hold">
                       <p:stCondLst>
                         <p:cond delay="indefinite"/>
@@ -4884,7 +7661,7 @@
                             </p:stCondLst>
                             <p:childTnLst>
                               <p:par>
-                                <p:cTn id="33" presetID="1" presetClass="entr" presetSubtype="0" fill="hold" nodeType="clickEffect">
+                                <p:cTn id="33" presetID="1" presetClass="entr" presetSubtype="0" fill="hold" grpId="0" nodeType="clickEffect">
                                   <p:stCondLst>
                                     <p:cond delay="0"/>
                                   </p:stCondLst>
@@ -4897,7 +7674,7 @@
                                           </p:stCondLst>
                                         </p:cTn>
                                         <p:tgtEl>
-                                          <p:spTgt spid="30"/>
+                                          <p:spTgt spid="12"/>
                                         </p:tgtEl>
                                         <p:attrNameLst>
                                           <p:attrName>style.visibility</p:attrName>
@@ -4929,7 +7706,7 @@
                             </p:stCondLst>
                             <p:childTnLst>
                               <p:par>
-                                <p:cTn id="37" presetID="1" presetClass="entr" presetSubtype="0" fill="hold" grpId="0" nodeType="clickEffect">
+                                <p:cTn id="37" presetID="1" presetClass="entr" presetSubtype="0" fill="hold" nodeType="clickEffect">
                                   <p:stCondLst>
                                     <p:cond delay="0"/>
                                   </p:stCondLst>
@@ -4987,34 +7764,7 @@
                                           </p:stCondLst>
                                         </p:cTn>
                                         <p:tgtEl>
-                                          <p:spTgt spid="33"/>
-                                        </p:tgtEl>
-                                        <p:attrNameLst>
-                                          <p:attrName>style.visibility</p:attrName>
-                                        </p:attrNameLst>
-                                      </p:cBhvr>
-                                      <p:to>
-                                        <p:strVal val="visible"/>
-                                      </p:to>
-                                    </p:set>
-                                  </p:childTnLst>
-                                </p:cTn>
-                              </p:par>
-                              <p:par>
-                                <p:cTn id="43" presetID="1" presetClass="entr" presetSubtype="0" fill="hold" nodeType="withEffect">
-                                  <p:stCondLst>
-                                    <p:cond delay="0"/>
-                                  </p:stCondLst>
-                                  <p:childTnLst>
-                                    <p:set>
-                                      <p:cBhvr>
-                                        <p:cTn id="44" dur="1" fill="hold">
-                                          <p:stCondLst>
-                                            <p:cond delay="0"/>
-                                          </p:stCondLst>
-                                        </p:cTn>
-                                        <p:tgtEl>
-                                          <p:spTgt spid="36"/>
+                                          <p:spTgt spid="18"/>
                                         </p:tgtEl>
                                         <p:attrNameLst>
                                           <p:attrName>style.visibility</p:attrName>
@@ -5034,46 +7784,64 @@
                     </p:cTn>
                   </p:par>
                   <p:par>
-                    <p:cTn id="45" fill="hold">
+                    <p:cTn id="43" fill="hold">
                       <p:stCondLst>
                         <p:cond delay="indefinite"/>
                       </p:stCondLst>
                       <p:childTnLst>
                         <p:par>
-                          <p:cTn id="46" fill="hold">
+                          <p:cTn id="44" fill="hold">
                             <p:stCondLst>
                               <p:cond delay="0"/>
                             </p:stCondLst>
                             <p:childTnLst>
                               <p:par>
-                                <p:cTn id="47" presetID="1" presetClass="exit" presetSubtype="0" fill="hold" grpId="1" nodeType="clickEffect">
+                                <p:cTn id="45" presetID="1" presetClass="entr" presetSubtype="0" fill="hold" nodeType="clickEffect">
                                   <p:stCondLst>
                                     <p:cond delay="0"/>
                                   </p:stCondLst>
                                   <p:childTnLst>
                                     <p:set>
                                       <p:cBhvr>
-                                        <p:cTn id="48" dur="1" fill="hold">
+                                        <p:cTn id="46" dur="1" fill="hold">
                                           <p:stCondLst>
                                             <p:cond delay="0"/>
                                           </p:stCondLst>
                                         </p:cTn>
                                         <p:tgtEl>
-                                          <p:spTgt spid="33"/>
+                                          <p:spTgt spid="22"/>
                                         </p:tgtEl>
                                         <p:attrNameLst>
                                           <p:attrName>style.visibility</p:attrName>
                                         </p:attrNameLst>
                                       </p:cBhvr>
                                       <p:to>
-                                        <p:strVal val="hidden"/>
+                                        <p:strVal val="visible"/>
                                       </p:to>
                                     </p:set>
                                   </p:childTnLst>
                                 </p:cTn>
                               </p:par>
+                            </p:childTnLst>
+                          </p:cTn>
+                        </p:par>
+                      </p:childTnLst>
+                    </p:cTn>
+                  </p:par>
+                  <p:par>
+                    <p:cTn id="47" fill="hold">
+                      <p:stCondLst>
+                        <p:cond delay="indefinite"/>
+                      </p:stCondLst>
+                      <p:childTnLst>
+                        <p:par>
+                          <p:cTn id="48" fill="hold">
+                            <p:stCondLst>
+                              <p:cond delay="0"/>
+                            </p:stCondLst>
+                            <p:childTnLst>
                               <p:par>
-                                <p:cTn id="49" presetID="1" presetClass="exit" presetSubtype="0" fill="hold" nodeType="withEffect">
+                                <p:cTn id="49" presetID="1" presetClass="entr" presetSubtype="0" fill="hold" grpId="0" nodeType="clickEffect">
                                   <p:stCondLst>
                                     <p:cond delay="0"/>
                                   </p:stCondLst>
@@ -5086,14 +7854,14 @@
                                           </p:stCondLst>
                                         </p:cTn>
                                         <p:tgtEl>
-                                          <p:spTgt spid="36"/>
+                                          <p:spTgt spid="21"/>
                                         </p:tgtEl>
                                         <p:attrNameLst>
                                           <p:attrName>style.visibility</p:attrName>
                                         </p:attrNameLst>
                                       </p:cBhvr>
                                       <p:to>
-                                        <p:strVal val="hidden"/>
+                                        <p:strVal val="visible"/>
                                       </p:to>
                                     </p:set>
                                   </p:childTnLst>
@@ -5131,7 +7899,34 @@
                                           </p:stCondLst>
                                         </p:cTn>
                                         <p:tgtEl>
-                                          <p:spTgt spid="39"/>
+                                          <p:spTgt spid="77"/>
+                                        </p:tgtEl>
+                                        <p:attrNameLst>
+                                          <p:attrName>style.visibility</p:attrName>
+                                        </p:attrNameLst>
+                                      </p:cBhvr>
+                                      <p:to>
+                                        <p:strVal val="visible"/>
+                                      </p:to>
+                                    </p:set>
+                                  </p:childTnLst>
+                                </p:cTn>
+                              </p:par>
+                              <p:par>
+                                <p:cTn id="55" presetID="1" presetClass="entr" presetSubtype="0" fill="hold" grpId="0" nodeType="withEffect">
+                                  <p:stCondLst>
+                                    <p:cond delay="0"/>
+                                  </p:stCondLst>
+                                  <p:childTnLst>
+                                    <p:set>
+                                      <p:cBhvr>
+                                        <p:cTn id="56" dur="1" fill="hold">
+                                          <p:stCondLst>
+                                            <p:cond delay="0"/>
+                                          </p:stCondLst>
+                                        </p:cTn>
+                                        <p:tgtEl>
+                                          <p:spTgt spid="74"/>
                                         </p:tgtEl>
                                         <p:attrNameLst>
                                           <p:attrName>style.visibility</p:attrName>
@@ -5151,32 +7946,104 @@
                     </p:cTn>
                   </p:par>
                   <p:par>
-                    <p:cTn id="55" fill="hold">
+                    <p:cTn id="57" fill="hold">
                       <p:stCondLst>
                         <p:cond delay="indefinite"/>
                       </p:stCondLst>
                       <p:childTnLst>
                         <p:par>
-                          <p:cTn id="56" fill="hold">
+                          <p:cTn id="58" fill="hold">
                             <p:stCondLst>
                               <p:cond delay="0"/>
                             </p:stCondLst>
                             <p:childTnLst>
                               <p:par>
-                                <p:cTn id="57" presetID="1" presetClass="entr" presetSubtype="0" fill="hold" grpId="0" nodeType="clickEffect">
+                                <p:cTn id="59" presetID="1" presetClass="exit" presetSubtype="0" fill="hold" nodeType="clickEffect">
                                   <p:stCondLst>
                                     <p:cond delay="0"/>
                                   </p:stCondLst>
                                   <p:childTnLst>
                                     <p:set>
                                       <p:cBhvr>
-                                        <p:cTn id="58" dur="1" fill="hold">
+                                        <p:cTn id="60" dur="1" fill="hold">
                                           <p:stCondLst>
                                             <p:cond delay="0"/>
                                           </p:stCondLst>
                                         </p:cTn>
                                         <p:tgtEl>
-                                          <p:spTgt spid="38"/>
+                                          <p:spTgt spid="77"/>
+                                        </p:tgtEl>
+                                        <p:attrNameLst>
+                                          <p:attrName>style.visibility</p:attrName>
+                                        </p:attrNameLst>
+                                      </p:cBhvr>
+                                      <p:to>
+                                        <p:strVal val="hidden"/>
+                                      </p:to>
+                                    </p:set>
+                                  </p:childTnLst>
+                                </p:cTn>
+                              </p:par>
+                              <p:par>
+                                <p:cTn id="61" presetID="1" presetClass="exit" presetSubtype="0" fill="hold" grpId="1" nodeType="withEffect">
+                                  <p:stCondLst>
+                                    <p:cond delay="0"/>
+                                  </p:stCondLst>
+                                  <p:childTnLst>
+                                    <p:set>
+                                      <p:cBhvr>
+                                        <p:cTn id="62" dur="1" fill="hold">
+                                          <p:stCondLst>
+                                            <p:cond delay="0"/>
+                                          </p:stCondLst>
+                                        </p:cTn>
+                                        <p:tgtEl>
+                                          <p:spTgt spid="74"/>
+                                        </p:tgtEl>
+                                        <p:attrNameLst>
+                                          <p:attrName>style.visibility</p:attrName>
+                                        </p:attrNameLst>
+                                      </p:cBhvr>
+                                      <p:to>
+                                        <p:strVal val="hidden"/>
+                                      </p:to>
+                                    </p:set>
+                                  </p:childTnLst>
+                                </p:cTn>
+                              </p:par>
+                            </p:childTnLst>
+                          </p:cTn>
+                        </p:par>
+                      </p:childTnLst>
+                    </p:cTn>
+                  </p:par>
+                  <p:par>
+                    <p:cTn id="63" fill="hold">
+                      <p:stCondLst>
+                        <p:cond delay="indefinite"/>
+                      </p:stCondLst>
+                      <p:childTnLst>
+                        <p:par>
+                          <p:cTn id="64" fill="hold">
+                            <p:stCondLst>
+                              <p:cond delay="0"/>
+                            </p:stCondLst>
+                            <p:childTnLst>
+                              <p:par>
+                                <p:cTn id="65" presetID="1" presetClass="entr" presetSubtype="0" fill="hold" nodeType="clickEffect">
+                                  <p:stCondLst>
+                                    <p:cond delay="0"/>
+                                  </p:stCondLst>
+                                  <p:childTnLst>
+                                    <p:set>
+                                      <p:cBhvr>
+                                        <p:cTn id="66" dur="1" fill="hold">
+                                          <p:stCondLst>
+                                            <p:cond delay="0"/>
+                                          </p:stCondLst>
+                                        </p:cTn>
+                                        <p:tgtEl>
+                                          <p:spTgt spid="67"/>
                                         </p:tgtEl>
                                         <p:attrNameLst>
                                           <p:attrName>style.visibility</p:attrName>
@@ -5196,118 +8063,19 @@
                     </p:cTn>
                   </p:par>
                   <p:par>
-                    <p:cTn id="59" fill="hold">
+                    <p:cTn id="67" fill="hold">
                       <p:stCondLst>
                         <p:cond delay="indefinite"/>
                       </p:stCondLst>
                       <p:childTnLst>
                         <p:par>
-                          <p:cTn id="60" fill="hold">
+                          <p:cTn id="68" fill="hold">
                             <p:stCondLst>
                               <p:cond delay="0"/>
                             </p:stCondLst>
                             <p:childTnLst>
                               <p:par>
-                                <p:cTn id="61" presetID="1" presetClass="entr" presetSubtype="0" fill="hold" grpId="0" nodeType="clickEffect">
-                                  <p:stCondLst>
-                                    <p:cond delay="0"/>
-                                  </p:stCondLst>
-                                  <p:childTnLst>
-                                    <p:set>
-                                      <p:cBhvr>
-                                        <p:cTn id="62" dur="1" fill="hold">
-                                          <p:stCondLst>
-                                            <p:cond delay="0"/>
-                                          </p:stCondLst>
-                                        </p:cTn>
-                                        <p:tgtEl>
-                                          <p:spTgt spid="42"/>
-                                        </p:tgtEl>
-                                        <p:attrNameLst>
-                                          <p:attrName>style.visibility</p:attrName>
-                                        </p:attrNameLst>
-                                      </p:cBhvr>
-                                      <p:to>
-                                        <p:strVal val="visible"/>
-                                      </p:to>
-                                    </p:set>
-                                  </p:childTnLst>
-                                </p:cTn>
-                              </p:par>
-                              <p:par>
-                                <p:cTn id="63" presetID="1" presetClass="entr" presetSubtype="0" fill="hold" nodeType="withEffect">
-                                  <p:stCondLst>
-                                    <p:cond delay="0"/>
-                                  </p:stCondLst>
-                                  <p:childTnLst>
-                                    <p:set>
-                                      <p:cBhvr>
-                                        <p:cTn id="64" dur="1" fill="hold">
-                                          <p:stCondLst>
-                                            <p:cond delay="0"/>
-                                          </p:stCondLst>
-                                        </p:cTn>
-                                        <p:tgtEl>
-                                          <p:spTgt spid="43"/>
-                                        </p:tgtEl>
-                                        <p:attrNameLst>
-                                          <p:attrName>style.visibility</p:attrName>
-                                        </p:attrNameLst>
-                                      </p:cBhvr>
-                                      <p:to>
-                                        <p:strVal val="visible"/>
-                                      </p:to>
-                                    </p:set>
-                                  </p:childTnLst>
-                                </p:cTn>
-                              </p:par>
-                            </p:childTnLst>
-                          </p:cTn>
-                        </p:par>
-                      </p:childTnLst>
-                    </p:cTn>
-                  </p:par>
-                  <p:par>
-                    <p:cTn id="65" fill="hold">
-                      <p:stCondLst>
-                        <p:cond delay="indefinite"/>
-                      </p:stCondLst>
-                      <p:childTnLst>
-                        <p:par>
-                          <p:cTn id="66" fill="hold">
-                            <p:stCondLst>
-                              <p:cond delay="0"/>
-                            </p:stCondLst>
-                            <p:childTnLst>
-                              <p:par>
-                                <p:cTn id="67" presetID="1" presetClass="exit" presetSubtype="0" fill="hold" grpId="1" nodeType="clickEffect">
-                                  <p:stCondLst>
-                                    <p:cond delay="0"/>
-                                  </p:stCondLst>
-                                  <p:childTnLst>
-                                    <p:set>
-                                      <p:cBhvr>
-                                        <p:cTn id="68" dur="1" fill="hold">
-                                          <p:stCondLst>
-                                            <p:cond delay="0"/>
-                                          </p:stCondLst>
-                                        </p:cTn>
-                                        <p:tgtEl>
-                                          <p:spTgt spid="42"/>
-                                        </p:tgtEl>
-                                        <p:attrNameLst>
-                                          <p:attrName>style.visibility</p:attrName>
-                                        </p:attrNameLst>
-                                      </p:cBhvr>
-                                      <p:to>
-                                        <p:strVal val="hidden"/>
-                                      </p:to>
-                                    </p:set>
-                                  </p:childTnLst>
-                                </p:cTn>
-                              </p:par>
-                              <p:par>
-                                <p:cTn id="69" presetID="1" presetClass="exit" presetSubtype="0" fill="hold" nodeType="withEffect">
+                                <p:cTn id="69" presetID="1" presetClass="entr" presetSubtype="0" fill="hold" grpId="0" nodeType="clickEffect">
                                   <p:stCondLst>
                                     <p:cond delay="0"/>
                                   </p:stCondLst>
@@ -5320,14 +8088,14 @@
                                           </p:stCondLst>
                                         </p:cTn>
                                         <p:tgtEl>
-                                          <p:spTgt spid="43"/>
+                                          <p:spTgt spid="34"/>
                                         </p:tgtEl>
                                         <p:attrNameLst>
                                           <p:attrName>style.visibility</p:attrName>
                                         </p:attrNameLst>
                                       </p:cBhvr>
                                       <p:to>
-                                        <p:strVal val="hidden"/>
+                                        <p:strVal val="visible"/>
                                       </p:to>
                                     </p:set>
                                   </p:childTnLst>
@@ -5365,7 +8133,7 @@
                                           </p:stCondLst>
                                         </p:cTn>
                                         <p:tgtEl>
-                                          <p:spTgt spid="48"/>
+                                          <p:spTgt spid="71"/>
                                         </p:tgtEl>
                                         <p:attrNameLst>
                                           <p:attrName>style.visibility</p:attrName>
@@ -5410,7 +8178,7 @@
                                           </p:stCondLst>
                                         </p:cTn>
                                         <p:tgtEl>
-                                          <p:spTgt spid="47"/>
+                                          <p:spTgt spid="62"/>
                                         </p:tgtEl>
                                         <p:attrNameLst>
                                           <p:attrName>style.visibility</p:attrName>
@@ -5442,7 +8210,7 @@
                             </p:stCondLst>
                             <p:childTnLst>
                               <p:par>
-                                <p:cTn id="81" presetID="1" presetClass="entr" presetSubtype="0" fill="hold" grpId="0" nodeType="clickEffect">
+                                <p:cTn id="81" presetID="1" presetClass="entr" presetSubtype="0" fill="hold" nodeType="clickEffect">
                                   <p:stCondLst>
                                     <p:cond delay="0"/>
                                   </p:stCondLst>
@@ -5455,7 +8223,7 @@
                                           </p:stCondLst>
                                         </p:cTn>
                                         <p:tgtEl>
-                                          <p:spTgt spid="50"/>
+                                          <p:spTgt spid="63"/>
                                         </p:tgtEl>
                                         <p:attrNameLst>
                                           <p:attrName>style.visibility</p:attrName>
@@ -5468,21 +8236,1544 @@
                                   </p:childTnLst>
                                 </p:cTn>
                               </p:par>
+                            </p:childTnLst>
+                          </p:cTn>
+                        </p:par>
+                      </p:childTnLst>
+                    </p:cTn>
+                  </p:par>
+                </p:childTnLst>
+              </p:cTn>
+              <p:prevCondLst>
+                <p:cond evt="onPrev" delay="0">
+                  <p:tgtEl>
+                    <p:sldTgt/>
+                  </p:tgtEl>
+                </p:cond>
+              </p:prevCondLst>
+              <p:nextCondLst>
+                <p:cond evt="onNext" delay="0">
+                  <p:tgtEl>
+                    <p:sldTgt/>
+                  </p:tgtEl>
+                </p:cond>
+              </p:nextCondLst>
+            </p:seq>
+            <p:audio isNarration="1">
+              <p:cMediaNode vol="80000" showWhenStopped="0">
+                <p:cTn id="83" fill="hold" display="0">
+                  <p:stCondLst>
+                    <p:cond delay="indefinite"/>
+                  </p:stCondLst>
+                  <p:endCondLst>
+                    <p:cond evt="onStopAudio" delay="0">
+                      <p:tgtEl>
+                        <p:sldTgt/>
+                      </p:tgtEl>
+                    </p:cond>
+                  </p:endCondLst>
+                </p:cTn>
+                <p:tgtEl>
+                  <p:spTgt spid="87"/>
+                </p:tgtEl>
+              </p:cMediaNode>
+            </p:audio>
+          </p:childTnLst>
+        </p:cTn>
+      </p:par>
+    </p:tnLst>
+    <p:bldLst>
+      <p:bldP spid="7" grpId="0" animBg="1"/>
+      <p:bldP spid="9" grpId="0"/>
+      <p:bldP spid="9" grpId="1"/>
+      <p:bldP spid="12" grpId="0" animBg="1"/>
+      <p:bldP spid="18" grpId="0" animBg="1"/>
+      <p:bldP spid="21" grpId="0" animBg="1"/>
+      <p:bldP spid="34" grpId="0" animBg="1"/>
+      <p:bldP spid="62" grpId="0" animBg="1"/>
+      <p:bldP spid="74" grpId="0"/>
+      <p:bldP spid="74" grpId="1"/>
+    </p:bldLst>
+  </p:timing>
+</p:sld>
+</file>
+
+<file path=ppt/slides/slide4.xml><?xml version="1.0" encoding="utf-8"?>
+<p:sld xmlns:a="http://schemas.openxmlformats.org/drawingml/2006/main" xmlns:r="http://schemas.openxmlformats.org/officeDocument/2006/relationships" xmlns:p="http://schemas.openxmlformats.org/presentationml/2006/main">
+  <p:cSld>
+    <p:spTree>
+      <p:nvGrpSpPr>
+        <p:cNvPr id="1" name=""/>
+        <p:cNvGrpSpPr/>
+        <p:nvPr/>
+      </p:nvGrpSpPr>
+      <p:grpSpPr>
+        <a:xfrm>
+          <a:off x="0" y="0"/>
+          <a:ext cx="0" cy="0"/>
+          <a:chOff x="0" y="0"/>
+          <a:chExt cx="0" cy="0"/>
+        </a:xfrm>
+      </p:grpSpPr>
+      <p:sp>
+        <p:nvSpPr>
+          <p:cNvPr id="4" name="Rectangle 3">
+            <a:extLst>
+              <a:ext uri="{FF2B5EF4-FFF2-40B4-BE49-F238E27FC236}">
+                <a16:creationId xmlns:a16="http://schemas.microsoft.com/office/drawing/2014/main" id="{B86878F2-3B3E-4EFD-ABA5-B6456514C8E6}"/>
+              </a:ext>
+            </a:extLst>
+          </p:cNvPr>
+          <p:cNvSpPr/>
+          <p:nvPr/>
+        </p:nvSpPr>
+        <p:spPr>
+          <a:xfrm>
+            <a:off x="9379537" y="653519"/>
+            <a:ext cx="2438390" cy="1327682"/>
+          </a:xfrm>
+          <a:prstGeom prst="rect">
+            <a:avLst/>
+          </a:prstGeom>
+        </p:spPr>
+        <p:style>
+          <a:lnRef idx="2">
+            <a:schemeClr val="accent1">
+              <a:shade val="50000"/>
+            </a:schemeClr>
+          </a:lnRef>
+          <a:fillRef idx="1">
+            <a:schemeClr val="accent1"/>
+          </a:fillRef>
+          <a:effectRef idx="0">
+            <a:schemeClr val="accent1"/>
+          </a:effectRef>
+          <a:fontRef idx="minor">
+            <a:schemeClr val="lt1"/>
+          </a:fontRef>
+        </p:style>
+        <p:txBody>
+          <a:bodyPr rtlCol="0" anchor="ctr"/>
+          <a:lstStyle/>
+          <a:p>
+            <a:pPr algn="ctr"/>
+            <a:r>
+              <a:rPr lang="en-US" dirty="0"/>
+              <a:t>Respondent reviews arguments and submits counter arguments.</a:t>
+            </a:r>
+          </a:p>
+        </p:txBody>
+      </p:sp>
+      <p:cxnSp>
+        <p:nvCxnSpPr>
+          <p:cNvPr id="5" name="Straight Arrow Connector 4">
+            <a:extLst>
+              <a:ext uri="{FF2B5EF4-FFF2-40B4-BE49-F238E27FC236}">
+                <a16:creationId xmlns:a16="http://schemas.microsoft.com/office/drawing/2014/main" id="{72FF8674-4547-4D88-A891-C1AE768921BA}"/>
+              </a:ext>
+            </a:extLst>
+          </p:cNvPr>
+          <p:cNvCxnSpPr>
+            <a:cxnSpLocks/>
+          </p:cNvCxnSpPr>
+          <p:nvPr/>
+        </p:nvCxnSpPr>
+        <p:spPr>
+          <a:xfrm>
+            <a:off x="10581305" y="0"/>
+            <a:ext cx="0" cy="653518"/>
+          </a:xfrm>
+          <a:prstGeom prst="straightConnector1">
+            <a:avLst/>
+          </a:prstGeom>
+          <a:ln w="57150">
+            <a:solidFill>
+              <a:schemeClr val="accent4">
+                <a:lumMod val="60000"/>
+                <a:lumOff val="40000"/>
+              </a:schemeClr>
+            </a:solidFill>
+            <a:tailEnd type="triangle"/>
+          </a:ln>
+        </p:spPr>
+        <p:style>
+          <a:lnRef idx="1">
+            <a:schemeClr val="accent1"/>
+          </a:lnRef>
+          <a:fillRef idx="0">
+            <a:schemeClr val="accent1"/>
+          </a:fillRef>
+          <a:effectRef idx="0">
+            <a:schemeClr val="accent1"/>
+          </a:effectRef>
+          <a:fontRef idx="minor">
+            <a:schemeClr val="tx1"/>
+          </a:fontRef>
+        </p:style>
+      </p:cxnSp>
+      <p:cxnSp>
+        <p:nvCxnSpPr>
+          <p:cNvPr id="8" name="Straight Arrow Connector 7">
+            <a:extLst>
+              <a:ext uri="{FF2B5EF4-FFF2-40B4-BE49-F238E27FC236}">
+                <a16:creationId xmlns:a16="http://schemas.microsoft.com/office/drawing/2014/main" id="{DA5800DC-26A1-427F-95BE-873D71C23F03}"/>
+              </a:ext>
+            </a:extLst>
+          </p:cNvPr>
+          <p:cNvCxnSpPr>
+            <a:cxnSpLocks/>
+          </p:cNvCxnSpPr>
+          <p:nvPr/>
+        </p:nvCxnSpPr>
+        <p:spPr>
+          <a:xfrm flipH="1">
+            <a:off x="8354291" y="1214377"/>
+            <a:ext cx="1025247" cy="0"/>
+          </a:xfrm>
+          <a:prstGeom prst="straightConnector1">
+            <a:avLst/>
+          </a:prstGeom>
+          <a:ln w="57150">
+            <a:solidFill>
+              <a:schemeClr val="accent4">
+                <a:lumMod val="60000"/>
+                <a:lumOff val="40000"/>
+              </a:schemeClr>
+            </a:solidFill>
+            <a:tailEnd type="triangle"/>
+          </a:ln>
+        </p:spPr>
+        <p:style>
+          <a:lnRef idx="1">
+            <a:schemeClr val="accent1"/>
+          </a:lnRef>
+          <a:fillRef idx="0">
+            <a:schemeClr val="accent1"/>
+          </a:fillRef>
+          <a:effectRef idx="0">
+            <a:schemeClr val="accent1"/>
+          </a:effectRef>
+          <a:fontRef idx="minor">
+            <a:schemeClr val="tx1"/>
+          </a:fontRef>
+        </p:style>
+      </p:cxnSp>
+      <p:sp>
+        <p:nvSpPr>
+          <p:cNvPr id="12" name="Rectangle 11">
+            <a:extLst>
+              <a:ext uri="{FF2B5EF4-FFF2-40B4-BE49-F238E27FC236}">
+                <a16:creationId xmlns:a16="http://schemas.microsoft.com/office/drawing/2014/main" id="{D638C264-A963-4CF4-A988-01FEF6257EFB}"/>
+              </a:ext>
+            </a:extLst>
+          </p:cNvPr>
+          <p:cNvSpPr/>
+          <p:nvPr/>
+        </p:nvSpPr>
+        <p:spPr>
+          <a:xfrm>
+            <a:off x="5915902" y="653519"/>
+            <a:ext cx="2438390" cy="1327682"/>
+          </a:xfrm>
+          <a:prstGeom prst="rect">
+            <a:avLst/>
+          </a:prstGeom>
+        </p:spPr>
+        <p:style>
+          <a:lnRef idx="2">
+            <a:schemeClr val="accent1">
+              <a:shade val="50000"/>
+            </a:schemeClr>
+          </a:lnRef>
+          <a:fillRef idx="1">
+            <a:schemeClr val="accent1"/>
+          </a:fillRef>
+          <a:effectRef idx="0">
+            <a:schemeClr val="accent1"/>
+          </a:effectRef>
+          <a:fontRef idx="minor">
+            <a:schemeClr val="lt1"/>
+          </a:fontRef>
+        </p:style>
+        <p:txBody>
+          <a:bodyPr rtlCol="0" anchor="ctr"/>
+          <a:lstStyle/>
+          <a:p>
+            <a:pPr algn="ctr"/>
+            <a:r>
+              <a:rPr lang="en-US" dirty="0"/>
+              <a:t>Arbitrator appointed to the dispute.</a:t>
+            </a:r>
+          </a:p>
+        </p:txBody>
+      </p:sp>
+      <p:sp>
+        <p:nvSpPr>
+          <p:cNvPr id="14" name="TextBox 13">
+            <a:extLst>
+              <a:ext uri="{FF2B5EF4-FFF2-40B4-BE49-F238E27FC236}">
+                <a16:creationId xmlns:a16="http://schemas.microsoft.com/office/drawing/2014/main" id="{70FCC120-5E44-4824-BAEF-DAA0A2F2390E}"/>
+              </a:ext>
+            </a:extLst>
+          </p:cNvPr>
+          <p:cNvSpPr txBox="1"/>
+          <p:nvPr/>
+        </p:nvSpPr>
+        <p:spPr>
+          <a:xfrm>
+            <a:off x="2983871" y="2303494"/>
+            <a:ext cx="3352800" cy="923330"/>
+          </a:xfrm>
+          <a:prstGeom prst="rect">
+            <a:avLst/>
+          </a:prstGeom>
+          <a:noFill/>
+        </p:spPr>
+        <p:txBody>
+          <a:bodyPr wrap="square" rtlCol="0">
+            <a:spAutoFit/>
+          </a:bodyPr>
+          <a:lstStyle/>
+          <a:p>
+            <a:r>
+              <a:rPr lang="en-US" dirty="0"/>
+              <a:t>Respondent may make a final offer to the Claimant in an effort to resolved the dispute.</a:t>
+            </a:r>
+          </a:p>
+        </p:txBody>
+      </p:sp>
+      <p:cxnSp>
+        <p:nvCxnSpPr>
+          <p:cNvPr id="15" name="Straight Arrow Connector 14">
+            <a:extLst>
+              <a:ext uri="{FF2B5EF4-FFF2-40B4-BE49-F238E27FC236}">
+                <a16:creationId xmlns:a16="http://schemas.microsoft.com/office/drawing/2014/main" id="{3ECDEBAF-473C-44FC-B6BD-F0AE5FA0E9B7}"/>
+              </a:ext>
+            </a:extLst>
+          </p:cNvPr>
+          <p:cNvCxnSpPr>
+            <a:cxnSpLocks/>
+          </p:cNvCxnSpPr>
+          <p:nvPr/>
+        </p:nvCxnSpPr>
+        <p:spPr>
+          <a:xfrm flipV="1">
+            <a:off x="8982889" y="1436049"/>
+            <a:ext cx="0" cy="1028470"/>
+          </a:xfrm>
+          <a:prstGeom prst="straightConnector1">
+            <a:avLst/>
+          </a:prstGeom>
+          <a:ln>
+            <a:solidFill>
+              <a:srgbClr val="FF0000"/>
+            </a:solidFill>
+            <a:tailEnd type="triangle"/>
+          </a:ln>
+        </p:spPr>
+        <p:style>
+          <a:lnRef idx="1">
+            <a:schemeClr val="accent1"/>
+          </a:lnRef>
+          <a:fillRef idx="0">
+            <a:schemeClr val="accent1"/>
+          </a:fillRef>
+          <a:effectRef idx="0">
+            <a:schemeClr val="accent1"/>
+          </a:effectRef>
+          <a:fontRef idx="minor">
+            <a:schemeClr val="tx1"/>
+          </a:fontRef>
+        </p:style>
+      </p:cxnSp>
+      <p:sp>
+        <p:nvSpPr>
+          <p:cNvPr id="19" name="Rectangle 18">
+            <a:extLst>
+              <a:ext uri="{FF2B5EF4-FFF2-40B4-BE49-F238E27FC236}">
+                <a16:creationId xmlns:a16="http://schemas.microsoft.com/office/drawing/2014/main" id="{016A4C2B-255A-4285-9F14-C1AB31C80A23}"/>
+              </a:ext>
+            </a:extLst>
+          </p:cNvPr>
+          <p:cNvSpPr/>
+          <p:nvPr/>
+        </p:nvSpPr>
+        <p:spPr>
+          <a:xfrm>
+            <a:off x="2452267" y="653519"/>
+            <a:ext cx="2438390" cy="1327682"/>
+          </a:xfrm>
+          <a:prstGeom prst="rect">
+            <a:avLst/>
+          </a:prstGeom>
+        </p:spPr>
+        <p:style>
+          <a:lnRef idx="2">
+            <a:schemeClr val="accent1">
+              <a:shade val="50000"/>
+            </a:schemeClr>
+          </a:lnRef>
+          <a:fillRef idx="1">
+            <a:schemeClr val="accent1"/>
+          </a:fillRef>
+          <a:effectRef idx="0">
+            <a:schemeClr val="accent1"/>
+          </a:effectRef>
+          <a:fontRef idx="minor">
+            <a:schemeClr val="lt1"/>
+          </a:fontRef>
+        </p:style>
+        <p:txBody>
+          <a:bodyPr rtlCol="0" anchor="ctr"/>
+          <a:lstStyle/>
+          <a:p>
+            <a:pPr algn="ctr"/>
+            <a:r>
+              <a:rPr lang="en-US" dirty="0"/>
+              <a:t>Arbitrator reviews and discusses the arguments presented.</a:t>
+            </a:r>
+          </a:p>
+        </p:txBody>
+      </p:sp>
+      <p:cxnSp>
+        <p:nvCxnSpPr>
+          <p:cNvPr id="20" name="Straight Arrow Connector 19">
+            <a:extLst>
+              <a:ext uri="{FF2B5EF4-FFF2-40B4-BE49-F238E27FC236}">
+                <a16:creationId xmlns:a16="http://schemas.microsoft.com/office/drawing/2014/main" id="{A6F8ED36-6697-47B7-B658-0466C2EAC9F1}"/>
+              </a:ext>
+            </a:extLst>
+          </p:cNvPr>
+          <p:cNvCxnSpPr>
+            <a:cxnSpLocks/>
+          </p:cNvCxnSpPr>
+          <p:nvPr/>
+        </p:nvCxnSpPr>
+        <p:spPr>
+          <a:xfrm flipH="1">
+            <a:off x="4890657" y="1214377"/>
+            <a:ext cx="1025247" cy="0"/>
+          </a:xfrm>
+          <a:prstGeom prst="straightConnector1">
+            <a:avLst/>
+          </a:prstGeom>
+          <a:ln w="57150">
+            <a:solidFill>
+              <a:schemeClr val="accent4">
+                <a:lumMod val="60000"/>
+                <a:lumOff val="40000"/>
+              </a:schemeClr>
+            </a:solidFill>
+            <a:tailEnd type="triangle"/>
+          </a:ln>
+        </p:spPr>
+        <p:style>
+          <a:lnRef idx="1">
+            <a:schemeClr val="accent1"/>
+          </a:lnRef>
+          <a:fillRef idx="0">
+            <a:schemeClr val="accent1"/>
+          </a:fillRef>
+          <a:effectRef idx="0">
+            <a:schemeClr val="accent1"/>
+          </a:effectRef>
+          <a:fontRef idx="minor">
+            <a:schemeClr val="tx1"/>
+          </a:fontRef>
+        </p:style>
+      </p:cxnSp>
+      <p:sp>
+        <p:nvSpPr>
+          <p:cNvPr id="21" name="Rectangle 20">
+            <a:extLst>
+              <a:ext uri="{FF2B5EF4-FFF2-40B4-BE49-F238E27FC236}">
+                <a16:creationId xmlns:a16="http://schemas.microsoft.com/office/drawing/2014/main" id="{9DB6F363-E24C-41B9-8A20-54F06CBB8611}"/>
+              </a:ext>
+            </a:extLst>
+          </p:cNvPr>
+          <p:cNvSpPr/>
+          <p:nvPr/>
+        </p:nvSpPr>
+        <p:spPr>
+          <a:xfrm>
+            <a:off x="221686" y="3059383"/>
+            <a:ext cx="1917057" cy="1033457"/>
+          </a:xfrm>
+          <a:prstGeom prst="rect">
+            <a:avLst/>
+          </a:prstGeom>
+        </p:spPr>
+        <p:style>
+          <a:lnRef idx="2">
+            <a:schemeClr val="accent1">
+              <a:shade val="50000"/>
+            </a:schemeClr>
+          </a:lnRef>
+          <a:fillRef idx="1">
+            <a:schemeClr val="accent1"/>
+          </a:fillRef>
+          <a:effectRef idx="0">
+            <a:schemeClr val="accent1"/>
+          </a:effectRef>
+          <a:fontRef idx="minor">
+            <a:schemeClr val="lt1"/>
+          </a:fontRef>
+        </p:style>
+        <p:txBody>
+          <a:bodyPr rtlCol="0" anchor="ctr"/>
+          <a:lstStyle/>
+          <a:p>
+            <a:pPr algn="ctr"/>
+            <a:r>
+              <a:rPr lang="en-US" dirty="0"/>
+              <a:t>Final offer before award.</a:t>
+            </a:r>
+          </a:p>
+        </p:txBody>
+      </p:sp>
+      <p:cxnSp>
+        <p:nvCxnSpPr>
+          <p:cNvPr id="22" name="Straight Arrow Connector 21">
+            <a:extLst>
+              <a:ext uri="{FF2B5EF4-FFF2-40B4-BE49-F238E27FC236}">
+                <a16:creationId xmlns:a16="http://schemas.microsoft.com/office/drawing/2014/main" id="{B4139CCD-C6B4-4CB3-B094-D3DCB38FDD4D}"/>
+              </a:ext>
+            </a:extLst>
+          </p:cNvPr>
+          <p:cNvCxnSpPr>
+            <a:cxnSpLocks/>
+          </p:cNvCxnSpPr>
+          <p:nvPr/>
+        </p:nvCxnSpPr>
+        <p:spPr>
+          <a:xfrm flipH="1">
+            <a:off x="1274618" y="1436049"/>
+            <a:ext cx="1139654" cy="1475624"/>
+          </a:xfrm>
+          <a:prstGeom prst="straightConnector1">
+            <a:avLst/>
+          </a:prstGeom>
+          <a:ln w="57150">
+            <a:solidFill>
+              <a:schemeClr val="accent4">
+                <a:lumMod val="60000"/>
+                <a:lumOff val="40000"/>
+              </a:schemeClr>
+            </a:solidFill>
+            <a:tailEnd type="triangle"/>
+          </a:ln>
+        </p:spPr>
+        <p:style>
+          <a:lnRef idx="1">
+            <a:schemeClr val="accent1"/>
+          </a:lnRef>
+          <a:fillRef idx="0">
+            <a:schemeClr val="accent1"/>
+          </a:fillRef>
+          <a:effectRef idx="0">
+            <a:schemeClr val="accent1"/>
+          </a:effectRef>
+          <a:fontRef idx="minor">
+            <a:schemeClr val="tx1"/>
+          </a:fontRef>
+        </p:style>
+      </p:cxnSp>
+      <p:sp>
+        <p:nvSpPr>
+          <p:cNvPr id="24" name="TextBox 23">
+            <a:extLst>
+              <a:ext uri="{FF2B5EF4-FFF2-40B4-BE49-F238E27FC236}">
+                <a16:creationId xmlns:a16="http://schemas.microsoft.com/office/drawing/2014/main" id="{A2A3F1A1-9F42-4880-86D0-461EE0B4F3C1}"/>
+              </a:ext>
+            </a:extLst>
+          </p:cNvPr>
+          <p:cNvSpPr txBox="1"/>
+          <p:nvPr/>
+        </p:nvSpPr>
+        <p:spPr>
+          <a:xfrm>
+            <a:off x="7398332" y="2498232"/>
+            <a:ext cx="3352800" cy="1477328"/>
+          </a:xfrm>
+          <a:prstGeom prst="rect">
+            <a:avLst/>
+          </a:prstGeom>
+          <a:noFill/>
+        </p:spPr>
+        <p:txBody>
+          <a:bodyPr wrap="square" rtlCol="0">
+            <a:spAutoFit/>
+          </a:bodyPr>
+          <a:lstStyle/>
+          <a:p>
+            <a:r>
+              <a:rPr lang="en-US" dirty="0"/>
+              <a:t>An Arbitrator trusted by the eJust organization is assigned to the dispute by an Administrator based on the Arbitrator’s level of expertise.</a:t>
+            </a:r>
+          </a:p>
+        </p:txBody>
+      </p:sp>
+      <p:cxnSp>
+        <p:nvCxnSpPr>
+          <p:cNvPr id="25" name="Straight Arrow Connector 24">
+            <a:extLst>
+              <a:ext uri="{FF2B5EF4-FFF2-40B4-BE49-F238E27FC236}">
+                <a16:creationId xmlns:a16="http://schemas.microsoft.com/office/drawing/2014/main" id="{84CA82E1-20D0-4CCF-AB22-7616C6A32A97}"/>
+              </a:ext>
+            </a:extLst>
+          </p:cNvPr>
+          <p:cNvCxnSpPr>
+            <a:cxnSpLocks/>
+          </p:cNvCxnSpPr>
+          <p:nvPr/>
+        </p:nvCxnSpPr>
+        <p:spPr>
+          <a:xfrm flipH="1" flipV="1">
+            <a:off x="2138747" y="1950284"/>
+            <a:ext cx="845124" cy="514235"/>
+          </a:xfrm>
+          <a:prstGeom prst="straightConnector1">
+            <a:avLst/>
+          </a:prstGeom>
+          <a:ln>
+            <a:solidFill>
+              <a:srgbClr val="FF0000"/>
+            </a:solidFill>
+            <a:tailEnd type="triangle"/>
+          </a:ln>
+        </p:spPr>
+        <p:style>
+          <a:lnRef idx="1">
+            <a:schemeClr val="accent1"/>
+          </a:lnRef>
+          <a:fillRef idx="0">
+            <a:schemeClr val="accent1"/>
+          </a:fillRef>
+          <a:effectRef idx="0">
+            <a:schemeClr val="accent1"/>
+          </a:effectRef>
+          <a:fontRef idx="minor">
+            <a:schemeClr val="tx1"/>
+          </a:fontRef>
+        </p:style>
+      </p:cxnSp>
+      <p:cxnSp>
+        <p:nvCxnSpPr>
+          <p:cNvPr id="27" name="Straight Arrow Connector 26">
+            <a:extLst>
+              <a:ext uri="{FF2B5EF4-FFF2-40B4-BE49-F238E27FC236}">
+                <a16:creationId xmlns:a16="http://schemas.microsoft.com/office/drawing/2014/main" id="{3B82FB89-6C4C-43DF-A86B-59D7BFF95F36}"/>
+              </a:ext>
+            </a:extLst>
+          </p:cNvPr>
+          <p:cNvCxnSpPr>
+            <a:cxnSpLocks/>
+          </p:cNvCxnSpPr>
+          <p:nvPr/>
+        </p:nvCxnSpPr>
+        <p:spPr>
+          <a:xfrm flipH="1">
+            <a:off x="1432162" y="4387067"/>
+            <a:ext cx="1227914" cy="0"/>
+          </a:xfrm>
+          <a:prstGeom prst="straightConnector1">
+            <a:avLst/>
+          </a:prstGeom>
+          <a:ln>
+            <a:solidFill>
+              <a:srgbClr val="FF0000"/>
+            </a:solidFill>
+            <a:tailEnd type="triangle"/>
+          </a:ln>
+        </p:spPr>
+        <p:style>
+          <a:lnRef idx="1">
+            <a:schemeClr val="accent1"/>
+          </a:lnRef>
+          <a:fillRef idx="0">
+            <a:schemeClr val="accent1"/>
+          </a:fillRef>
+          <a:effectRef idx="0">
+            <a:schemeClr val="accent1"/>
+          </a:effectRef>
+          <a:fontRef idx="minor">
+            <a:schemeClr val="tx1"/>
+          </a:fontRef>
+        </p:style>
+      </p:cxnSp>
+      <p:sp>
+        <p:nvSpPr>
+          <p:cNvPr id="28" name="Rectangle 27">
+            <a:extLst>
+              <a:ext uri="{FF2B5EF4-FFF2-40B4-BE49-F238E27FC236}">
+                <a16:creationId xmlns:a16="http://schemas.microsoft.com/office/drawing/2014/main" id="{B7B0ADDA-7CF5-4893-9DBF-FBCC04EDD32E}"/>
+              </a:ext>
+            </a:extLst>
+          </p:cNvPr>
+          <p:cNvSpPr/>
+          <p:nvPr/>
+        </p:nvSpPr>
+        <p:spPr>
+          <a:xfrm>
+            <a:off x="766273" y="4675823"/>
+            <a:ext cx="1801078" cy="1033456"/>
+          </a:xfrm>
+          <a:prstGeom prst="rect">
+            <a:avLst/>
+          </a:prstGeom>
+        </p:spPr>
+        <p:style>
+          <a:lnRef idx="2">
+            <a:schemeClr val="accent1">
+              <a:shade val="50000"/>
+            </a:schemeClr>
+          </a:lnRef>
+          <a:fillRef idx="1">
+            <a:schemeClr val="accent1"/>
+          </a:fillRef>
+          <a:effectRef idx="0">
+            <a:schemeClr val="accent1"/>
+          </a:effectRef>
+          <a:fontRef idx="minor">
+            <a:schemeClr val="lt1"/>
+          </a:fontRef>
+        </p:style>
+        <p:txBody>
+          <a:bodyPr rtlCol="0" anchor="ctr"/>
+          <a:lstStyle/>
+          <a:p>
+            <a:pPr algn="ctr"/>
+            <a:r>
+              <a:rPr lang="en-US" dirty="0"/>
+              <a:t>Award drafting. </a:t>
+            </a:r>
+          </a:p>
+        </p:txBody>
+      </p:sp>
+      <p:cxnSp>
+        <p:nvCxnSpPr>
+          <p:cNvPr id="29" name="Straight Arrow Connector 28">
+            <a:extLst>
+              <a:ext uri="{FF2B5EF4-FFF2-40B4-BE49-F238E27FC236}">
+                <a16:creationId xmlns:a16="http://schemas.microsoft.com/office/drawing/2014/main" id="{57827C95-EBAD-44CA-B4EE-D7263CD0BCE7}"/>
+              </a:ext>
+            </a:extLst>
+          </p:cNvPr>
+          <p:cNvCxnSpPr>
+            <a:cxnSpLocks/>
+          </p:cNvCxnSpPr>
+          <p:nvPr/>
+        </p:nvCxnSpPr>
+        <p:spPr>
+          <a:xfrm>
+            <a:off x="914400" y="4127757"/>
+            <a:ext cx="1" cy="518619"/>
+          </a:xfrm>
+          <a:prstGeom prst="straightConnector1">
+            <a:avLst/>
+          </a:prstGeom>
+          <a:ln w="57150">
+            <a:solidFill>
+              <a:schemeClr val="accent4">
+                <a:lumMod val="60000"/>
+                <a:lumOff val="40000"/>
+              </a:schemeClr>
+            </a:solidFill>
+            <a:tailEnd type="triangle"/>
+          </a:ln>
+        </p:spPr>
+        <p:style>
+          <a:lnRef idx="1">
+            <a:schemeClr val="accent1"/>
+          </a:lnRef>
+          <a:fillRef idx="0">
+            <a:schemeClr val="accent1"/>
+          </a:fillRef>
+          <a:effectRef idx="0">
+            <a:schemeClr val="accent1"/>
+          </a:effectRef>
+          <a:fontRef idx="minor">
+            <a:schemeClr val="tx1"/>
+          </a:fontRef>
+        </p:style>
+      </p:cxnSp>
+      <p:sp>
+        <p:nvSpPr>
+          <p:cNvPr id="33" name="TextBox 32">
+            <a:extLst>
+              <a:ext uri="{FF2B5EF4-FFF2-40B4-BE49-F238E27FC236}">
+                <a16:creationId xmlns:a16="http://schemas.microsoft.com/office/drawing/2014/main" id="{C064DD3B-1B38-456A-8B47-A143A7957DD5}"/>
+              </a:ext>
+            </a:extLst>
+          </p:cNvPr>
+          <p:cNvSpPr txBox="1"/>
+          <p:nvPr/>
+        </p:nvSpPr>
+        <p:spPr>
+          <a:xfrm>
+            <a:off x="2886889" y="3834780"/>
+            <a:ext cx="1906777" cy="923330"/>
+          </a:xfrm>
+          <a:prstGeom prst="rect">
+            <a:avLst/>
+          </a:prstGeom>
+          <a:noFill/>
+        </p:spPr>
+        <p:txBody>
+          <a:bodyPr wrap="square" rtlCol="0">
+            <a:spAutoFit/>
+          </a:bodyPr>
+          <a:lstStyle/>
+          <a:p>
+            <a:r>
+              <a:rPr lang="en-US" dirty="0"/>
+              <a:t>An award is drafted by the Arbitrator.</a:t>
+            </a:r>
+          </a:p>
+        </p:txBody>
+      </p:sp>
+      <p:sp>
+        <p:nvSpPr>
+          <p:cNvPr id="35" name="Rectangle 34">
+            <a:extLst>
+              <a:ext uri="{FF2B5EF4-FFF2-40B4-BE49-F238E27FC236}">
+                <a16:creationId xmlns:a16="http://schemas.microsoft.com/office/drawing/2014/main" id="{9AA5EBD3-E7F1-4A21-8FF9-CCD00F1CF394}"/>
+              </a:ext>
+            </a:extLst>
+          </p:cNvPr>
+          <p:cNvSpPr/>
+          <p:nvPr/>
+        </p:nvSpPr>
+        <p:spPr>
+          <a:xfrm>
+            <a:off x="3165676" y="4768555"/>
+            <a:ext cx="1906777" cy="1089347"/>
+          </a:xfrm>
+          <a:prstGeom prst="rect">
+            <a:avLst/>
+          </a:prstGeom>
+        </p:spPr>
+        <p:style>
+          <a:lnRef idx="2">
+            <a:schemeClr val="accent1">
+              <a:shade val="50000"/>
+            </a:schemeClr>
+          </a:lnRef>
+          <a:fillRef idx="1">
+            <a:schemeClr val="accent1"/>
+          </a:fillRef>
+          <a:effectRef idx="0">
+            <a:schemeClr val="accent1"/>
+          </a:effectRef>
+          <a:fontRef idx="minor">
+            <a:schemeClr val="lt1"/>
+          </a:fontRef>
+        </p:style>
+        <p:txBody>
+          <a:bodyPr rtlCol="0" anchor="ctr"/>
+          <a:lstStyle/>
+          <a:p>
+            <a:pPr algn="ctr"/>
+            <a:r>
+              <a:rPr lang="en-US" dirty="0"/>
+              <a:t>Formal review by Administrator.</a:t>
+            </a:r>
+          </a:p>
+        </p:txBody>
+      </p:sp>
+      <p:sp>
+        <p:nvSpPr>
+          <p:cNvPr id="36" name="Rectangle 35">
+            <a:extLst>
+              <a:ext uri="{FF2B5EF4-FFF2-40B4-BE49-F238E27FC236}">
+                <a16:creationId xmlns:a16="http://schemas.microsoft.com/office/drawing/2014/main" id="{6B377297-7338-4B4E-8BE8-D8B49E3DDB35}"/>
+              </a:ext>
+            </a:extLst>
+          </p:cNvPr>
+          <p:cNvSpPr/>
+          <p:nvPr/>
+        </p:nvSpPr>
+        <p:spPr>
+          <a:xfrm>
+            <a:off x="5563392" y="4922981"/>
+            <a:ext cx="1740529" cy="864163"/>
+          </a:xfrm>
+          <a:prstGeom prst="rect">
+            <a:avLst/>
+          </a:prstGeom>
+        </p:spPr>
+        <p:style>
+          <a:lnRef idx="2">
+            <a:schemeClr val="accent1">
+              <a:shade val="50000"/>
+            </a:schemeClr>
+          </a:lnRef>
+          <a:fillRef idx="1">
+            <a:schemeClr val="accent1"/>
+          </a:fillRef>
+          <a:effectRef idx="0">
+            <a:schemeClr val="accent1"/>
+          </a:effectRef>
+          <a:fontRef idx="minor">
+            <a:schemeClr val="lt1"/>
+          </a:fontRef>
+        </p:style>
+        <p:txBody>
+          <a:bodyPr rtlCol="0" anchor="ctr"/>
+          <a:lstStyle/>
+          <a:p>
+            <a:pPr algn="ctr"/>
+            <a:r>
+              <a:rPr lang="en-US" dirty="0"/>
+              <a:t>Award acceptable?</a:t>
+            </a:r>
+          </a:p>
+        </p:txBody>
+      </p:sp>
+      <p:sp>
+        <p:nvSpPr>
+          <p:cNvPr id="37" name="Rectangle 36">
+            <a:extLst>
+              <a:ext uri="{FF2B5EF4-FFF2-40B4-BE49-F238E27FC236}">
+                <a16:creationId xmlns:a16="http://schemas.microsoft.com/office/drawing/2014/main" id="{B7D1A302-1446-41AE-8408-E2E3A5AADDF3}"/>
+              </a:ext>
+            </a:extLst>
+          </p:cNvPr>
+          <p:cNvSpPr/>
+          <p:nvPr/>
+        </p:nvSpPr>
+        <p:spPr>
+          <a:xfrm>
+            <a:off x="7902246" y="4991188"/>
+            <a:ext cx="784566" cy="560469"/>
+          </a:xfrm>
+          <a:prstGeom prst="rect">
+            <a:avLst/>
+          </a:prstGeom>
+        </p:spPr>
+        <p:style>
+          <a:lnRef idx="2">
+            <a:schemeClr val="accent1">
+              <a:shade val="50000"/>
+            </a:schemeClr>
+          </a:lnRef>
+          <a:fillRef idx="1">
+            <a:schemeClr val="accent1"/>
+          </a:fillRef>
+          <a:effectRef idx="0">
+            <a:schemeClr val="accent1"/>
+          </a:effectRef>
+          <a:fontRef idx="minor">
+            <a:schemeClr val="lt1"/>
+          </a:fontRef>
+        </p:style>
+        <p:txBody>
+          <a:bodyPr rtlCol="0" anchor="ctr"/>
+          <a:lstStyle/>
+          <a:p>
+            <a:pPr algn="ctr"/>
+            <a:r>
+              <a:rPr lang="en-US" dirty="0"/>
+              <a:t>YES</a:t>
+            </a:r>
+          </a:p>
+        </p:txBody>
+      </p:sp>
+      <p:sp>
+        <p:nvSpPr>
+          <p:cNvPr id="38" name="Rectangle 37">
+            <a:extLst>
+              <a:ext uri="{FF2B5EF4-FFF2-40B4-BE49-F238E27FC236}">
+                <a16:creationId xmlns:a16="http://schemas.microsoft.com/office/drawing/2014/main" id="{B32FF35F-17E9-429B-8EC3-FD6DDD75135A}"/>
+              </a:ext>
+            </a:extLst>
+          </p:cNvPr>
+          <p:cNvSpPr/>
+          <p:nvPr/>
+        </p:nvSpPr>
+        <p:spPr>
+          <a:xfrm>
+            <a:off x="7902246" y="5774040"/>
+            <a:ext cx="784567" cy="560469"/>
+          </a:xfrm>
+          <a:prstGeom prst="rect">
+            <a:avLst/>
+          </a:prstGeom>
+        </p:spPr>
+        <p:style>
+          <a:lnRef idx="2">
+            <a:schemeClr val="accent1">
+              <a:shade val="50000"/>
+            </a:schemeClr>
+          </a:lnRef>
+          <a:fillRef idx="1">
+            <a:schemeClr val="accent1"/>
+          </a:fillRef>
+          <a:effectRef idx="0">
+            <a:schemeClr val="accent1"/>
+          </a:effectRef>
+          <a:fontRef idx="minor">
+            <a:schemeClr val="lt1"/>
+          </a:fontRef>
+        </p:style>
+        <p:txBody>
+          <a:bodyPr rtlCol="0" anchor="ctr"/>
+          <a:lstStyle/>
+          <a:p>
+            <a:pPr algn="ctr"/>
+            <a:r>
+              <a:rPr lang="en-US" dirty="0"/>
+              <a:t>NO</a:t>
+            </a:r>
+          </a:p>
+        </p:txBody>
+      </p:sp>
+      <p:cxnSp>
+        <p:nvCxnSpPr>
+          <p:cNvPr id="39" name="Straight Arrow Connector 38">
+            <a:extLst>
+              <a:ext uri="{FF2B5EF4-FFF2-40B4-BE49-F238E27FC236}">
+                <a16:creationId xmlns:a16="http://schemas.microsoft.com/office/drawing/2014/main" id="{424786A2-5FDC-4E87-B930-0DB3F165CC32}"/>
+              </a:ext>
+            </a:extLst>
+          </p:cNvPr>
+          <p:cNvCxnSpPr>
+            <a:cxnSpLocks/>
+          </p:cNvCxnSpPr>
+          <p:nvPr/>
+        </p:nvCxnSpPr>
+        <p:spPr>
+          <a:xfrm>
+            <a:off x="7361909" y="5317063"/>
+            <a:ext cx="540337" cy="0"/>
+          </a:xfrm>
+          <a:prstGeom prst="straightConnector1">
+            <a:avLst/>
+          </a:prstGeom>
+          <a:ln w="57150">
+            <a:solidFill>
+              <a:schemeClr val="accent4">
+                <a:lumMod val="60000"/>
+                <a:lumOff val="40000"/>
+              </a:schemeClr>
+            </a:solidFill>
+            <a:tailEnd type="triangle"/>
+          </a:ln>
+        </p:spPr>
+        <p:style>
+          <a:lnRef idx="1">
+            <a:schemeClr val="accent1"/>
+          </a:lnRef>
+          <a:fillRef idx="0">
+            <a:schemeClr val="accent1"/>
+          </a:fillRef>
+          <a:effectRef idx="0">
+            <a:schemeClr val="accent1"/>
+          </a:effectRef>
+          <a:fontRef idx="minor">
+            <a:schemeClr val="tx1"/>
+          </a:fontRef>
+        </p:style>
+      </p:cxnSp>
+      <p:cxnSp>
+        <p:nvCxnSpPr>
+          <p:cNvPr id="41" name="Connector: Curved 40">
+            <a:extLst>
+              <a:ext uri="{FF2B5EF4-FFF2-40B4-BE49-F238E27FC236}">
+                <a16:creationId xmlns:a16="http://schemas.microsoft.com/office/drawing/2014/main" id="{65A63715-F709-4655-84EF-71EBE64EB23E}"/>
+              </a:ext>
+            </a:extLst>
+          </p:cNvPr>
+          <p:cNvCxnSpPr>
+            <a:cxnSpLocks/>
+          </p:cNvCxnSpPr>
+          <p:nvPr/>
+        </p:nvCxnSpPr>
+        <p:spPr>
+          <a:xfrm rot="10800000">
+            <a:off x="739445" y="5551657"/>
+            <a:ext cx="7162801" cy="508295"/>
+          </a:xfrm>
+          <a:prstGeom prst="curvedConnector3">
+            <a:avLst>
+              <a:gd name="adj1" fmla="val 106480"/>
+            </a:avLst>
+          </a:prstGeom>
+          <a:ln w="38100">
+            <a:solidFill>
+              <a:schemeClr val="accent4">
+                <a:lumMod val="60000"/>
+                <a:lumOff val="40000"/>
+              </a:schemeClr>
+            </a:solidFill>
+            <a:tailEnd type="triangle"/>
+          </a:ln>
+        </p:spPr>
+        <p:style>
+          <a:lnRef idx="1">
+            <a:schemeClr val="accent1"/>
+          </a:lnRef>
+          <a:fillRef idx="0">
+            <a:schemeClr val="accent1"/>
+          </a:fillRef>
+          <a:effectRef idx="0">
+            <a:schemeClr val="accent1"/>
+          </a:effectRef>
+          <a:fontRef idx="minor">
+            <a:schemeClr val="tx1"/>
+          </a:fontRef>
+        </p:style>
+      </p:cxnSp>
+      <p:sp>
+        <p:nvSpPr>
+          <p:cNvPr id="63" name="Rectangle 62">
+            <a:extLst>
+              <a:ext uri="{FF2B5EF4-FFF2-40B4-BE49-F238E27FC236}">
+                <a16:creationId xmlns:a16="http://schemas.microsoft.com/office/drawing/2014/main" id="{AE59BD2F-9A65-468E-B2A0-418F73420F1A}"/>
+              </a:ext>
+            </a:extLst>
+          </p:cNvPr>
+          <p:cNvSpPr/>
+          <p:nvPr/>
+        </p:nvSpPr>
+        <p:spPr>
+          <a:xfrm>
+            <a:off x="9778650" y="5037855"/>
+            <a:ext cx="1906777" cy="1089347"/>
+          </a:xfrm>
+          <a:prstGeom prst="rect">
+            <a:avLst/>
+          </a:prstGeom>
+        </p:spPr>
+        <p:style>
+          <a:lnRef idx="2">
+            <a:schemeClr val="accent1">
+              <a:shade val="50000"/>
+            </a:schemeClr>
+          </a:lnRef>
+          <a:fillRef idx="1">
+            <a:schemeClr val="accent1"/>
+          </a:fillRef>
+          <a:effectRef idx="0">
+            <a:schemeClr val="accent1"/>
+          </a:effectRef>
+          <a:fontRef idx="minor">
+            <a:schemeClr val="lt1"/>
+          </a:fontRef>
+        </p:style>
+        <p:txBody>
+          <a:bodyPr rtlCol="0" anchor="ctr"/>
+          <a:lstStyle/>
+          <a:p>
+            <a:pPr algn="ctr"/>
+            <a:r>
+              <a:rPr lang="en-US" dirty="0"/>
+              <a:t>Award publication. </a:t>
+            </a:r>
+          </a:p>
+        </p:txBody>
+      </p:sp>
+      <p:cxnSp>
+        <p:nvCxnSpPr>
+          <p:cNvPr id="64" name="Straight Arrow Connector 63">
+            <a:extLst>
+              <a:ext uri="{FF2B5EF4-FFF2-40B4-BE49-F238E27FC236}">
+                <a16:creationId xmlns:a16="http://schemas.microsoft.com/office/drawing/2014/main" id="{481CA8CB-9295-4B40-8E0D-662CDFCC20F1}"/>
+              </a:ext>
+            </a:extLst>
+          </p:cNvPr>
+          <p:cNvCxnSpPr>
+            <a:cxnSpLocks/>
+          </p:cNvCxnSpPr>
+          <p:nvPr/>
+        </p:nvCxnSpPr>
+        <p:spPr>
+          <a:xfrm>
+            <a:off x="8804563" y="5355062"/>
+            <a:ext cx="925590" cy="502840"/>
+          </a:xfrm>
+          <a:prstGeom prst="straightConnector1">
+            <a:avLst/>
+          </a:prstGeom>
+          <a:ln w="57150">
+            <a:solidFill>
+              <a:schemeClr val="accent4">
+                <a:lumMod val="60000"/>
+                <a:lumOff val="40000"/>
+              </a:schemeClr>
+            </a:solidFill>
+            <a:tailEnd type="triangle"/>
+          </a:ln>
+        </p:spPr>
+        <p:style>
+          <a:lnRef idx="1">
+            <a:schemeClr val="accent1"/>
+          </a:lnRef>
+          <a:fillRef idx="0">
+            <a:schemeClr val="accent1"/>
+          </a:fillRef>
+          <a:effectRef idx="0">
+            <a:schemeClr val="accent1"/>
+          </a:effectRef>
+          <a:fontRef idx="minor">
+            <a:schemeClr val="tx1"/>
+          </a:fontRef>
+        </p:style>
+      </p:cxnSp>
+      <p:sp>
+        <p:nvSpPr>
+          <p:cNvPr id="67" name="TextBox 66">
+            <a:extLst>
+              <a:ext uri="{FF2B5EF4-FFF2-40B4-BE49-F238E27FC236}">
+                <a16:creationId xmlns:a16="http://schemas.microsoft.com/office/drawing/2014/main" id="{F7B6993F-29A9-427C-8241-27B285E957D8}"/>
+              </a:ext>
+            </a:extLst>
+          </p:cNvPr>
+          <p:cNvSpPr txBox="1"/>
+          <p:nvPr/>
+        </p:nvSpPr>
+        <p:spPr>
+          <a:xfrm>
+            <a:off x="5983380" y="3105357"/>
+            <a:ext cx="3352800" cy="1477328"/>
+          </a:xfrm>
+          <a:prstGeom prst="rect">
+            <a:avLst/>
+          </a:prstGeom>
+          <a:noFill/>
+        </p:spPr>
+        <p:txBody>
+          <a:bodyPr wrap="square" rtlCol="0">
+            <a:spAutoFit/>
+          </a:bodyPr>
+          <a:lstStyle/>
+          <a:p>
+            <a:r>
+              <a:rPr lang="en-US" dirty="0"/>
+              <a:t>The award determined by the Arbitrator and accepted by the Administrator is published to the RelateID blockchain and immutably stored.</a:t>
+            </a:r>
+          </a:p>
+        </p:txBody>
+      </p:sp>
+      <p:cxnSp>
+        <p:nvCxnSpPr>
+          <p:cNvPr id="72" name="Connector: Curved 71">
+            <a:extLst>
+              <a:ext uri="{FF2B5EF4-FFF2-40B4-BE49-F238E27FC236}">
+                <a16:creationId xmlns:a16="http://schemas.microsoft.com/office/drawing/2014/main" id="{7A58E95F-1B0C-4EDF-8274-77D616D1DC6C}"/>
+              </a:ext>
+            </a:extLst>
+          </p:cNvPr>
+          <p:cNvCxnSpPr>
+            <a:cxnSpLocks/>
+          </p:cNvCxnSpPr>
+          <p:nvPr/>
+        </p:nvCxnSpPr>
+        <p:spPr>
+          <a:xfrm rot="16200000" flipH="1">
+            <a:off x="8116128" y="4444988"/>
+            <a:ext cx="1196780" cy="1016561"/>
+          </a:xfrm>
+          <a:prstGeom prst="curvedConnector3">
+            <a:avLst>
+              <a:gd name="adj1" fmla="val 21059"/>
+            </a:avLst>
+          </a:prstGeom>
+          <a:ln>
+            <a:solidFill>
+              <a:srgbClr val="FF0000"/>
+            </a:solidFill>
+            <a:tailEnd type="triangle"/>
+          </a:ln>
+        </p:spPr>
+        <p:style>
+          <a:lnRef idx="1">
+            <a:schemeClr val="accent1"/>
+          </a:lnRef>
+          <a:fillRef idx="0">
+            <a:schemeClr val="accent1"/>
+          </a:fillRef>
+          <a:effectRef idx="0">
+            <a:schemeClr val="accent1"/>
+          </a:effectRef>
+          <a:fontRef idx="minor">
+            <a:schemeClr val="tx1"/>
+          </a:fontRef>
+        </p:style>
+      </p:cxnSp>
+      <p:cxnSp>
+        <p:nvCxnSpPr>
+          <p:cNvPr id="79" name="Straight Arrow Connector 78">
+            <a:extLst>
+              <a:ext uri="{FF2B5EF4-FFF2-40B4-BE49-F238E27FC236}">
+                <a16:creationId xmlns:a16="http://schemas.microsoft.com/office/drawing/2014/main" id="{0EE45E5C-4F5B-4249-9297-5E5019535224}"/>
+              </a:ext>
+            </a:extLst>
+          </p:cNvPr>
+          <p:cNvCxnSpPr>
+            <a:cxnSpLocks/>
+          </p:cNvCxnSpPr>
+          <p:nvPr/>
+        </p:nvCxnSpPr>
+        <p:spPr>
+          <a:xfrm>
+            <a:off x="5111781" y="5317063"/>
+            <a:ext cx="394282" cy="0"/>
+          </a:xfrm>
+          <a:prstGeom prst="straightConnector1">
+            <a:avLst/>
+          </a:prstGeom>
+          <a:ln w="57150">
+            <a:solidFill>
+              <a:schemeClr val="accent4">
+                <a:lumMod val="60000"/>
+                <a:lumOff val="40000"/>
+              </a:schemeClr>
+            </a:solidFill>
+            <a:tailEnd type="triangle"/>
+          </a:ln>
+        </p:spPr>
+        <p:style>
+          <a:lnRef idx="1">
+            <a:schemeClr val="accent1"/>
+          </a:lnRef>
+          <a:fillRef idx="0">
+            <a:schemeClr val="accent1"/>
+          </a:fillRef>
+          <a:effectRef idx="0">
+            <a:schemeClr val="accent1"/>
+          </a:effectRef>
+          <a:fontRef idx="minor">
+            <a:schemeClr val="tx1"/>
+          </a:fontRef>
+        </p:style>
+      </p:cxnSp>
+      <p:cxnSp>
+        <p:nvCxnSpPr>
+          <p:cNvPr id="81" name="Straight Arrow Connector 80">
+            <a:extLst>
+              <a:ext uri="{FF2B5EF4-FFF2-40B4-BE49-F238E27FC236}">
+                <a16:creationId xmlns:a16="http://schemas.microsoft.com/office/drawing/2014/main" id="{FD2DDF1A-E00E-405F-A0BC-3E12A49704DE}"/>
+              </a:ext>
+            </a:extLst>
+          </p:cNvPr>
+          <p:cNvCxnSpPr>
+            <a:cxnSpLocks/>
+          </p:cNvCxnSpPr>
+          <p:nvPr/>
+        </p:nvCxnSpPr>
+        <p:spPr>
+          <a:xfrm>
+            <a:off x="2589589" y="5213824"/>
+            <a:ext cx="576087" cy="0"/>
+          </a:xfrm>
+          <a:prstGeom prst="straightConnector1">
+            <a:avLst/>
+          </a:prstGeom>
+          <a:ln w="57150">
+            <a:solidFill>
+              <a:schemeClr val="accent4">
+                <a:lumMod val="60000"/>
+                <a:lumOff val="40000"/>
+              </a:schemeClr>
+            </a:solidFill>
+            <a:tailEnd type="triangle"/>
+          </a:ln>
+        </p:spPr>
+        <p:style>
+          <a:lnRef idx="1">
+            <a:schemeClr val="accent1"/>
+          </a:lnRef>
+          <a:fillRef idx="0">
+            <a:schemeClr val="accent1"/>
+          </a:fillRef>
+          <a:effectRef idx="0">
+            <a:schemeClr val="accent1"/>
+          </a:effectRef>
+          <a:fontRef idx="minor">
+            <a:schemeClr val="tx1"/>
+          </a:fontRef>
+        </p:style>
+      </p:cxnSp>
+      <p:cxnSp>
+        <p:nvCxnSpPr>
+          <p:cNvPr id="83" name="Straight Arrow Connector 82">
+            <a:extLst>
+              <a:ext uri="{FF2B5EF4-FFF2-40B4-BE49-F238E27FC236}">
+                <a16:creationId xmlns:a16="http://schemas.microsoft.com/office/drawing/2014/main" id="{E1B0A760-7ED7-4418-8BBB-7F318BCD17AD}"/>
+              </a:ext>
+            </a:extLst>
+          </p:cNvPr>
+          <p:cNvCxnSpPr>
+            <a:cxnSpLocks/>
+          </p:cNvCxnSpPr>
+          <p:nvPr/>
+        </p:nvCxnSpPr>
+        <p:spPr>
+          <a:xfrm>
+            <a:off x="7361909" y="5633884"/>
+            <a:ext cx="540337" cy="224018"/>
+          </a:xfrm>
+          <a:prstGeom prst="straightConnector1">
+            <a:avLst/>
+          </a:prstGeom>
+          <a:ln w="57150">
+            <a:solidFill>
+              <a:schemeClr val="accent4">
+                <a:lumMod val="60000"/>
+                <a:lumOff val="40000"/>
+              </a:schemeClr>
+            </a:solidFill>
+            <a:tailEnd type="triangle"/>
+          </a:ln>
+        </p:spPr>
+        <p:style>
+          <a:lnRef idx="1">
+            <a:schemeClr val="accent1"/>
+          </a:lnRef>
+          <a:fillRef idx="0">
+            <a:schemeClr val="accent1"/>
+          </a:fillRef>
+          <a:effectRef idx="0">
+            <a:schemeClr val="accent1"/>
+          </a:effectRef>
+          <a:fontRef idx="minor">
+            <a:schemeClr val="tx1"/>
+          </a:fontRef>
+        </p:style>
+      </p:cxnSp>
+      <p:pic>
+        <p:nvPicPr>
+          <p:cNvPr id="88" name="Audio 87">
+            <a:hlinkClick r:id="" action="ppaction://media"/>
+            <a:extLst>
+              <a:ext uri="{FF2B5EF4-FFF2-40B4-BE49-F238E27FC236}">
+                <a16:creationId xmlns:a16="http://schemas.microsoft.com/office/drawing/2014/main" id="{6CEEC2E2-7924-4F8D-818E-423A0755BAF8}"/>
+              </a:ext>
+            </a:extLst>
+          </p:cNvPr>
+          <p:cNvPicPr>
+            <a:picLocks noChangeAspect="1"/>
+          </p:cNvPicPr>
+          <p:nvPr>
+            <a:audioFile r:link="rId3"/>
+            <p:extLst>
+              <p:ext uri="{DAA4B4D4-6D71-4841-9C94-3DE7FCFB9230}">
+                <p14:media xmlns:p14="http://schemas.microsoft.com/office/powerpoint/2010/main" r:embed="rId2"/>
+              </p:ext>
+            </p:extLst>
+          </p:nvPr>
+        </p:nvPicPr>
+        <p:blipFill>
+          <a:blip r:embed="rId5"/>
+          <a:stretch>
+            <a:fillRect/>
+          </a:stretch>
+        </p:blipFill>
+        <p:spPr>
+          <a:xfrm>
+            <a:off x="11633200" y="6299200"/>
+            <a:ext cx="406400" cy="406400"/>
+          </a:xfrm>
+          <a:prstGeom prst="rect">
+            <a:avLst/>
+          </a:prstGeom>
+        </p:spPr>
+      </p:pic>
+    </p:spTree>
+    <p:custDataLst>
+      <p:tags r:id="rId1"/>
+    </p:custDataLst>
+    <p:extLst>
+      <p:ext uri="{BB962C8B-B14F-4D97-AF65-F5344CB8AC3E}">
+        <p14:creationId xmlns:p14="http://schemas.microsoft.com/office/powerpoint/2010/main" val="401481397"/>
+      </p:ext>
+    </p:extLst>
+  </p:cSld>
+  <p:clrMapOvr>
+    <a:masterClrMapping/>
+  </p:clrMapOvr>
+  <mc:AlternateContent xmlns:mc="http://schemas.openxmlformats.org/markup-compatibility/2006">
+    <mc:Choice xmlns:p14="http://schemas.microsoft.com/office/powerpoint/2010/main" Requires="p14">
+      <p:transition spd="slow" p14:dur="2000" advTm="47758"/>
+    </mc:Choice>
+    <mc:Fallback>
+      <p:transition spd="slow" advTm="47758"/>
+    </mc:Fallback>
+  </mc:AlternateContent>
+  <p:timing>
+    <p:tnLst>
+      <p:par>
+        <p:cTn id="1" dur="indefinite" restart="never" nodeType="tmRoot">
+          <p:childTnLst>
+            <p:seq concurrent="1" nextAc="seek">
+              <p:cTn id="2" dur="indefinite" nodeType="mainSeq">
+                <p:childTnLst>
+                  <p:par>
+                    <p:cTn id="3" fill="hold">
+                      <p:stCondLst>
+                        <p:cond delay="indefinite"/>
+                        <p:cond evt="onBegin" delay="0">
+                          <p:tn val="2"/>
+                        </p:cond>
+                      </p:stCondLst>
+                      <p:childTnLst>
+                        <p:par>
+                          <p:cTn id="4" fill="hold">
+                            <p:stCondLst>
+                              <p:cond delay="0"/>
+                            </p:stCondLst>
+                            <p:childTnLst>
                               <p:par>
-                                <p:cTn id="83" presetID="1" presetClass="entr" presetSubtype="0" fill="hold" nodeType="withEffect">
+                                <p:cTn id="5" presetID="1" presetClass="mediacall" presetSubtype="0" fill="hold" nodeType="afterEffect">
+                                  <p:stCondLst>
+                                    <p:cond delay="0"/>
+                                  </p:stCondLst>
+                                  <p:childTnLst>
+                                    <p:cmd type="call" cmd="playFrom(0.0)">
+                                      <p:cBhvr>
+                                        <p:cTn id="6" dur="1" fill="hold"/>
+                                        <p:tgtEl>
+                                          <p:spTgt spid="88"/>
+                                        </p:tgtEl>
+                                      </p:cBhvr>
+                                    </p:cmd>
+                                  </p:childTnLst>
+                                </p:cTn>
+                              </p:par>
+                            </p:childTnLst>
+                          </p:cTn>
+                        </p:par>
+                      </p:childTnLst>
+                    </p:cTn>
+                  </p:par>
+                  <p:par>
+                    <p:cTn id="7" fill="hold">
+                      <p:stCondLst>
+                        <p:cond delay="indefinite"/>
+                      </p:stCondLst>
+                      <p:childTnLst>
+                        <p:par>
+                          <p:cTn id="8" fill="hold">
+                            <p:stCondLst>
+                              <p:cond delay="0"/>
+                            </p:stCondLst>
+                            <p:childTnLst>
+                              <p:par>
+                                <p:cTn id="9" presetID="1" presetClass="entr" presetSubtype="0" fill="hold" nodeType="clickEffect">
                                   <p:stCondLst>
                                     <p:cond delay="0"/>
                                   </p:stCondLst>
                                   <p:childTnLst>
                                     <p:set>
                                       <p:cBhvr>
-                                        <p:cTn id="84" dur="1" fill="hold">
+                                        <p:cTn id="10" dur="1" fill="hold">
                                           <p:stCondLst>
                                             <p:cond delay="0"/>
                                           </p:stCondLst>
                                         </p:cTn>
                                         <p:tgtEl>
-                                          <p:spTgt spid="51"/>
+                                          <p:spTgt spid="5"/>
                                         </p:tgtEl>
                                         <p:attrNameLst>
                                           <p:attrName>style.visibility</p:attrName>
@@ -5502,32 +9793,239 @@
                     </p:cTn>
                   </p:par>
                   <p:par>
-                    <p:cTn id="85" fill="hold">
+                    <p:cTn id="11" fill="hold">
                       <p:stCondLst>
                         <p:cond delay="indefinite"/>
                       </p:stCondLst>
                       <p:childTnLst>
                         <p:par>
-                          <p:cTn id="86" fill="hold">
+                          <p:cTn id="12" fill="hold">
                             <p:stCondLst>
                               <p:cond delay="0"/>
                             </p:stCondLst>
                             <p:childTnLst>
                               <p:par>
-                                <p:cTn id="87" presetID="1" presetClass="exit" presetSubtype="0" fill="hold" grpId="1" nodeType="clickEffect">
+                                <p:cTn id="13" presetID="1" presetClass="entr" presetSubtype="0" fill="hold" grpId="0" nodeType="clickEffect">
                                   <p:stCondLst>
                                     <p:cond delay="0"/>
                                   </p:stCondLst>
                                   <p:childTnLst>
                                     <p:set>
                                       <p:cBhvr>
-                                        <p:cTn id="88" dur="1" fill="hold">
+                                        <p:cTn id="14" dur="1" fill="hold">
                                           <p:stCondLst>
                                             <p:cond delay="0"/>
                                           </p:stCondLst>
                                         </p:cTn>
                                         <p:tgtEl>
-                                          <p:spTgt spid="50"/>
+                                          <p:spTgt spid="4"/>
+                                        </p:tgtEl>
+                                        <p:attrNameLst>
+                                          <p:attrName>style.visibility</p:attrName>
+                                        </p:attrNameLst>
+                                      </p:cBhvr>
+                                      <p:to>
+                                        <p:strVal val="visible"/>
+                                      </p:to>
+                                    </p:set>
+                                  </p:childTnLst>
+                                </p:cTn>
+                              </p:par>
+                            </p:childTnLst>
+                          </p:cTn>
+                        </p:par>
+                      </p:childTnLst>
+                    </p:cTn>
+                  </p:par>
+                  <p:par>
+                    <p:cTn id="15" fill="hold">
+                      <p:stCondLst>
+                        <p:cond delay="indefinite"/>
+                      </p:stCondLst>
+                      <p:childTnLst>
+                        <p:par>
+                          <p:cTn id="16" fill="hold">
+                            <p:stCondLst>
+                              <p:cond delay="0"/>
+                            </p:stCondLst>
+                            <p:childTnLst>
+                              <p:par>
+                                <p:cTn id="17" presetID="1" presetClass="entr" presetSubtype="0" fill="hold" nodeType="clickEffect">
+                                  <p:stCondLst>
+                                    <p:cond delay="0"/>
+                                  </p:stCondLst>
+                                  <p:childTnLst>
+                                    <p:set>
+                                      <p:cBhvr>
+                                        <p:cTn id="18" dur="1" fill="hold">
+                                          <p:stCondLst>
+                                            <p:cond delay="0"/>
+                                          </p:stCondLst>
+                                        </p:cTn>
+                                        <p:tgtEl>
+                                          <p:spTgt spid="8"/>
+                                        </p:tgtEl>
+                                        <p:attrNameLst>
+                                          <p:attrName>style.visibility</p:attrName>
+                                        </p:attrNameLst>
+                                      </p:cBhvr>
+                                      <p:to>
+                                        <p:strVal val="visible"/>
+                                      </p:to>
+                                    </p:set>
+                                  </p:childTnLst>
+                                </p:cTn>
+                              </p:par>
+                            </p:childTnLst>
+                          </p:cTn>
+                        </p:par>
+                      </p:childTnLst>
+                    </p:cTn>
+                  </p:par>
+                  <p:par>
+                    <p:cTn id="19" fill="hold">
+                      <p:stCondLst>
+                        <p:cond delay="indefinite"/>
+                      </p:stCondLst>
+                      <p:childTnLst>
+                        <p:par>
+                          <p:cTn id="20" fill="hold">
+                            <p:stCondLst>
+                              <p:cond delay="0"/>
+                            </p:stCondLst>
+                            <p:childTnLst>
+                              <p:par>
+                                <p:cTn id="21" presetID="1" presetClass="entr" presetSubtype="0" fill="hold" grpId="0" nodeType="clickEffect">
+                                  <p:stCondLst>
+                                    <p:cond delay="0"/>
+                                  </p:stCondLst>
+                                  <p:childTnLst>
+                                    <p:set>
+                                      <p:cBhvr>
+                                        <p:cTn id="22" dur="1" fill="hold">
+                                          <p:stCondLst>
+                                            <p:cond delay="0"/>
+                                          </p:stCondLst>
+                                        </p:cTn>
+                                        <p:tgtEl>
+                                          <p:spTgt spid="12"/>
+                                        </p:tgtEl>
+                                        <p:attrNameLst>
+                                          <p:attrName>style.visibility</p:attrName>
+                                        </p:attrNameLst>
+                                      </p:cBhvr>
+                                      <p:to>
+                                        <p:strVal val="visible"/>
+                                      </p:to>
+                                    </p:set>
+                                  </p:childTnLst>
+                                </p:cTn>
+                              </p:par>
+                            </p:childTnLst>
+                          </p:cTn>
+                        </p:par>
+                      </p:childTnLst>
+                    </p:cTn>
+                  </p:par>
+                  <p:par>
+                    <p:cTn id="23" fill="hold">
+                      <p:stCondLst>
+                        <p:cond delay="indefinite"/>
+                      </p:stCondLst>
+                      <p:childTnLst>
+                        <p:par>
+                          <p:cTn id="24" fill="hold">
+                            <p:stCondLst>
+                              <p:cond delay="0"/>
+                            </p:stCondLst>
+                            <p:childTnLst>
+                              <p:par>
+                                <p:cTn id="25" presetID="1" presetClass="entr" presetSubtype="0" fill="hold" nodeType="clickEffect">
+                                  <p:stCondLst>
+                                    <p:cond delay="0"/>
+                                  </p:stCondLst>
+                                  <p:childTnLst>
+                                    <p:set>
+                                      <p:cBhvr>
+                                        <p:cTn id="26" dur="1" fill="hold">
+                                          <p:stCondLst>
+                                            <p:cond delay="0"/>
+                                          </p:stCondLst>
+                                        </p:cTn>
+                                        <p:tgtEl>
+                                          <p:spTgt spid="15"/>
+                                        </p:tgtEl>
+                                        <p:attrNameLst>
+                                          <p:attrName>style.visibility</p:attrName>
+                                        </p:attrNameLst>
+                                      </p:cBhvr>
+                                      <p:to>
+                                        <p:strVal val="visible"/>
+                                      </p:to>
+                                    </p:set>
+                                  </p:childTnLst>
+                                </p:cTn>
+                              </p:par>
+                              <p:par>
+                                <p:cTn id="27" presetID="1" presetClass="entr" presetSubtype="0" fill="hold" grpId="0" nodeType="withEffect">
+                                  <p:stCondLst>
+                                    <p:cond delay="0"/>
+                                  </p:stCondLst>
+                                  <p:childTnLst>
+                                    <p:set>
+                                      <p:cBhvr>
+                                        <p:cTn id="28" dur="1" fill="hold">
+                                          <p:stCondLst>
+                                            <p:cond delay="0"/>
+                                          </p:stCondLst>
+                                        </p:cTn>
+                                        <p:tgtEl>
+                                          <p:spTgt spid="24"/>
+                                        </p:tgtEl>
+                                        <p:attrNameLst>
+                                          <p:attrName>style.visibility</p:attrName>
+                                        </p:attrNameLst>
+                                      </p:cBhvr>
+                                      <p:to>
+                                        <p:strVal val="visible"/>
+                                      </p:to>
+                                    </p:set>
+                                  </p:childTnLst>
+                                </p:cTn>
+                              </p:par>
+                            </p:childTnLst>
+                          </p:cTn>
+                        </p:par>
+                      </p:childTnLst>
+                    </p:cTn>
+                  </p:par>
+                  <p:par>
+                    <p:cTn id="29" fill="hold">
+                      <p:stCondLst>
+                        <p:cond delay="indefinite"/>
+                      </p:stCondLst>
+                      <p:childTnLst>
+                        <p:par>
+                          <p:cTn id="30" fill="hold">
+                            <p:stCondLst>
+                              <p:cond delay="0"/>
+                            </p:stCondLst>
+                            <p:childTnLst>
+                              <p:par>
+                                <p:cTn id="31" presetID="1" presetClass="exit" presetSubtype="0" fill="hold" nodeType="clickEffect">
+                                  <p:stCondLst>
+                                    <p:cond delay="0"/>
+                                  </p:stCondLst>
+                                  <p:childTnLst>
+                                    <p:set>
+                                      <p:cBhvr>
+                                        <p:cTn id="32" dur="1" fill="hold">
+                                          <p:stCondLst>
+                                            <p:cond delay="0"/>
+                                          </p:stCondLst>
+                                        </p:cTn>
+                                        <p:tgtEl>
+                                          <p:spTgt spid="15"/>
                                         </p:tgtEl>
                                         <p:attrNameLst>
                                           <p:attrName>style.visibility</p:attrName>
@@ -5541,7 +10039,655 @@
                                 </p:cTn>
                               </p:par>
                               <p:par>
-                                <p:cTn id="89" presetID="1" presetClass="exit" presetSubtype="0" fill="hold" nodeType="withEffect">
+                                <p:cTn id="33" presetID="1" presetClass="exit" presetSubtype="0" fill="hold" grpId="1" nodeType="withEffect">
+                                  <p:stCondLst>
+                                    <p:cond delay="0"/>
+                                  </p:stCondLst>
+                                  <p:childTnLst>
+                                    <p:set>
+                                      <p:cBhvr>
+                                        <p:cTn id="34" dur="1" fill="hold">
+                                          <p:stCondLst>
+                                            <p:cond delay="0"/>
+                                          </p:stCondLst>
+                                        </p:cTn>
+                                        <p:tgtEl>
+                                          <p:spTgt spid="24"/>
+                                        </p:tgtEl>
+                                        <p:attrNameLst>
+                                          <p:attrName>style.visibility</p:attrName>
+                                        </p:attrNameLst>
+                                      </p:cBhvr>
+                                      <p:to>
+                                        <p:strVal val="hidden"/>
+                                      </p:to>
+                                    </p:set>
+                                  </p:childTnLst>
+                                </p:cTn>
+                              </p:par>
+                            </p:childTnLst>
+                          </p:cTn>
+                        </p:par>
+                      </p:childTnLst>
+                    </p:cTn>
+                  </p:par>
+                  <p:par>
+                    <p:cTn id="35" fill="hold">
+                      <p:stCondLst>
+                        <p:cond delay="indefinite"/>
+                      </p:stCondLst>
+                      <p:childTnLst>
+                        <p:par>
+                          <p:cTn id="36" fill="hold">
+                            <p:stCondLst>
+                              <p:cond delay="0"/>
+                            </p:stCondLst>
+                            <p:childTnLst>
+                              <p:par>
+                                <p:cTn id="37" presetID="1" presetClass="entr" presetSubtype="0" fill="hold" nodeType="clickEffect">
+                                  <p:stCondLst>
+                                    <p:cond delay="0"/>
+                                  </p:stCondLst>
+                                  <p:childTnLst>
+                                    <p:set>
+                                      <p:cBhvr>
+                                        <p:cTn id="38" dur="1" fill="hold">
+                                          <p:stCondLst>
+                                            <p:cond delay="0"/>
+                                          </p:stCondLst>
+                                        </p:cTn>
+                                        <p:tgtEl>
+                                          <p:spTgt spid="20"/>
+                                        </p:tgtEl>
+                                        <p:attrNameLst>
+                                          <p:attrName>style.visibility</p:attrName>
+                                        </p:attrNameLst>
+                                      </p:cBhvr>
+                                      <p:to>
+                                        <p:strVal val="visible"/>
+                                      </p:to>
+                                    </p:set>
+                                  </p:childTnLst>
+                                </p:cTn>
+                              </p:par>
+                            </p:childTnLst>
+                          </p:cTn>
+                        </p:par>
+                      </p:childTnLst>
+                    </p:cTn>
+                  </p:par>
+                  <p:par>
+                    <p:cTn id="39" fill="hold">
+                      <p:stCondLst>
+                        <p:cond delay="indefinite"/>
+                      </p:stCondLst>
+                      <p:childTnLst>
+                        <p:par>
+                          <p:cTn id="40" fill="hold">
+                            <p:stCondLst>
+                              <p:cond delay="0"/>
+                            </p:stCondLst>
+                            <p:childTnLst>
+                              <p:par>
+                                <p:cTn id="41" presetID="1" presetClass="entr" presetSubtype="0" fill="hold" grpId="0" nodeType="clickEffect">
+                                  <p:stCondLst>
+                                    <p:cond delay="0"/>
+                                  </p:stCondLst>
+                                  <p:childTnLst>
+                                    <p:set>
+                                      <p:cBhvr>
+                                        <p:cTn id="42" dur="1" fill="hold">
+                                          <p:stCondLst>
+                                            <p:cond delay="0"/>
+                                          </p:stCondLst>
+                                        </p:cTn>
+                                        <p:tgtEl>
+                                          <p:spTgt spid="19"/>
+                                        </p:tgtEl>
+                                        <p:attrNameLst>
+                                          <p:attrName>style.visibility</p:attrName>
+                                        </p:attrNameLst>
+                                      </p:cBhvr>
+                                      <p:to>
+                                        <p:strVal val="visible"/>
+                                      </p:to>
+                                    </p:set>
+                                  </p:childTnLst>
+                                </p:cTn>
+                              </p:par>
+                            </p:childTnLst>
+                          </p:cTn>
+                        </p:par>
+                      </p:childTnLst>
+                    </p:cTn>
+                  </p:par>
+                  <p:par>
+                    <p:cTn id="43" fill="hold">
+                      <p:stCondLst>
+                        <p:cond delay="indefinite"/>
+                      </p:stCondLst>
+                      <p:childTnLst>
+                        <p:par>
+                          <p:cTn id="44" fill="hold">
+                            <p:stCondLst>
+                              <p:cond delay="0"/>
+                            </p:stCondLst>
+                            <p:childTnLst>
+                              <p:par>
+                                <p:cTn id="45" presetID="1" presetClass="entr" presetSubtype="0" fill="hold" nodeType="clickEffect">
+                                  <p:stCondLst>
+                                    <p:cond delay="0"/>
+                                  </p:stCondLst>
+                                  <p:childTnLst>
+                                    <p:set>
+                                      <p:cBhvr>
+                                        <p:cTn id="46" dur="1" fill="hold">
+                                          <p:stCondLst>
+                                            <p:cond delay="0"/>
+                                          </p:stCondLst>
+                                        </p:cTn>
+                                        <p:tgtEl>
+                                          <p:spTgt spid="22"/>
+                                        </p:tgtEl>
+                                        <p:attrNameLst>
+                                          <p:attrName>style.visibility</p:attrName>
+                                        </p:attrNameLst>
+                                      </p:cBhvr>
+                                      <p:to>
+                                        <p:strVal val="visible"/>
+                                      </p:to>
+                                    </p:set>
+                                  </p:childTnLst>
+                                </p:cTn>
+                              </p:par>
+                            </p:childTnLst>
+                          </p:cTn>
+                        </p:par>
+                      </p:childTnLst>
+                    </p:cTn>
+                  </p:par>
+                  <p:par>
+                    <p:cTn id="47" fill="hold">
+                      <p:stCondLst>
+                        <p:cond delay="indefinite"/>
+                      </p:stCondLst>
+                      <p:childTnLst>
+                        <p:par>
+                          <p:cTn id="48" fill="hold">
+                            <p:stCondLst>
+                              <p:cond delay="0"/>
+                            </p:stCondLst>
+                            <p:childTnLst>
+                              <p:par>
+                                <p:cTn id="49" presetID="1" presetClass="entr" presetSubtype="0" fill="hold" grpId="0" nodeType="clickEffect">
+                                  <p:stCondLst>
+                                    <p:cond delay="0"/>
+                                  </p:stCondLst>
+                                  <p:childTnLst>
+                                    <p:set>
+                                      <p:cBhvr>
+                                        <p:cTn id="50" dur="1" fill="hold">
+                                          <p:stCondLst>
+                                            <p:cond delay="0"/>
+                                          </p:stCondLst>
+                                        </p:cTn>
+                                        <p:tgtEl>
+                                          <p:spTgt spid="21"/>
+                                        </p:tgtEl>
+                                        <p:attrNameLst>
+                                          <p:attrName>style.visibility</p:attrName>
+                                        </p:attrNameLst>
+                                      </p:cBhvr>
+                                      <p:to>
+                                        <p:strVal val="visible"/>
+                                      </p:to>
+                                    </p:set>
+                                  </p:childTnLst>
+                                </p:cTn>
+                              </p:par>
+                            </p:childTnLst>
+                          </p:cTn>
+                        </p:par>
+                      </p:childTnLst>
+                    </p:cTn>
+                  </p:par>
+                  <p:par>
+                    <p:cTn id="51" fill="hold">
+                      <p:stCondLst>
+                        <p:cond delay="indefinite"/>
+                      </p:stCondLst>
+                      <p:childTnLst>
+                        <p:par>
+                          <p:cTn id="52" fill="hold">
+                            <p:stCondLst>
+                              <p:cond delay="0"/>
+                            </p:stCondLst>
+                            <p:childTnLst>
+                              <p:par>
+                                <p:cTn id="53" presetID="1" presetClass="entr" presetSubtype="0" fill="hold" grpId="0" nodeType="clickEffect">
+                                  <p:stCondLst>
+                                    <p:cond delay="0"/>
+                                  </p:stCondLst>
+                                  <p:childTnLst>
+                                    <p:set>
+                                      <p:cBhvr>
+                                        <p:cTn id="54" dur="1" fill="hold">
+                                          <p:stCondLst>
+                                            <p:cond delay="0"/>
+                                          </p:stCondLst>
+                                        </p:cTn>
+                                        <p:tgtEl>
+                                          <p:spTgt spid="14"/>
+                                        </p:tgtEl>
+                                        <p:attrNameLst>
+                                          <p:attrName>style.visibility</p:attrName>
+                                        </p:attrNameLst>
+                                      </p:cBhvr>
+                                      <p:to>
+                                        <p:strVal val="visible"/>
+                                      </p:to>
+                                    </p:set>
+                                  </p:childTnLst>
+                                </p:cTn>
+                              </p:par>
+                              <p:par>
+                                <p:cTn id="55" presetID="1" presetClass="entr" presetSubtype="0" fill="hold" nodeType="withEffect">
+                                  <p:stCondLst>
+                                    <p:cond delay="0"/>
+                                  </p:stCondLst>
+                                  <p:childTnLst>
+                                    <p:set>
+                                      <p:cBhvr>
+                                        <p:cTn id="56" dur="1" fill="hold">
+                                          <p:stCondLst>
+                                            <p:cond delay="0"/>
+                                          </p:stCondLst>
+                                        </p:cTn>
+                                        <p:tgtEl>
+                                          <p:spTgt spid="25"/>
+                                        </p:tgtEl>
+                                        <p:attrNameLst>
+                                          <p:attrName>style.visibility</p:attrName>
+                                        </p:attrNameLst>
+                                      </p:cBhvr>
+                                      <p:to>
+                                        <p:strVal val="visible"/>
+                                      </p:to>
+                                    </p:set>
+                                  </p:childTnLst>
+                                </p:cTn>
+                              </p:par>
+                            </p:childTnLst>
+                          </p:cTn>
+                        </p:par>
+                      </p:childTnLst>
+                    </p:cTn>
+                  </p:par>
+                  <p:par>
+                    <p:cTn id="57" fill="hold">
+                      <p:stCondLst>
+                        <p:cond delay="indefinite"/>
+                      </p:stCondLst>
+                      <p:childTnLst>
+                        <p:par>
+                          <p:cTn id="58" fill="hold">
+                            <p:stCondLst>
+                              <p:cond delay="0"/>
+                            </p:stCondLst>
+                            <p:childTnLst>
+                              <p:par>
+                                <p:cTn id="59" presetID="1" presetClass="exit" presetSubtype="0" fill="hold" grpId="1" nodeType="clickEffect">
+                                  <p:stCondLst>
+                                    <p:cond delay="0"/>
+                                  </p:stCondLst>
+                                  <p:childTnLst>
+                                    <p:set>
+                                      <p:cBhvr>
+                                        <p:cTn id="60" dur="1" fill="hold">
+                                          <p:stCondLst>
+                                            <p:cond delay="0"/>
+                                          </p:stCondLst>
+                                        </p:cTn>
+                                        <p:tgtEl>
+                                          <p:spTgt spid="14"/>
+                                        </p:tgtEl>
+                                        <p:attrNameLst>
+                                          <p:attrName>style.visibility</p:attrName>
+                                        </p:attrNameLst>
+                                      </p:cBhvr>
+                                      <p:to>
+                                        <p:strVal val="hidden"/>
+                                      </p:to>
+                                    </p:set>
+                                  </p:childTnLst>
+                                </p:cTn>
+                              </p:par>
+                              <p:par>
+                                <p:cTn id="61" presetID="1" presetClass="exit" presetSubtype="0" fill="hold" nodeType="withEffect">
+                                  <p:stCondLst>
+                                    <p:cond delay="0"/>
+                                  </p:stCondLst>
+                                  <p:childTnLst>
+                                    <p:set>
+                                      <p:cBhvr>
+                                        <p:cTn id="62" dur="1" fill="hold">
+                                          <p:stCondLst>
+                                            <p:cond delay="0"/>
+                                          </p:stCondLst>
+                                        </p:cTn>
+                                        <p:tgtEl>
+                                          <p:spTgt spid="25"/>
+                                        </p:tgtEl>
+                                        <p:attrNameLst>
+                                          <p:attrName>style.visibility</p:attrName>
+                                        </p:attrNameLst>
+                                      </p:cBhvr>
+                                      <p:to>
+                                        <p:strVal val="hidden"/>
+                                      </p:to>
+                                    </p:set>
+                                  </p:childTnLst>
+                                </p:cTn>
+                              </p:par>
+                            </p:childTnLst>
+                          </p:cTn>
+                        </p:par>
+                      </p:childTnLst>
+                    </p:cTn>
+                  </p:par>
+                  <p:par>
+                    <p:cTn id="63" fill="hold">
+                      <p:stCondLst>
+                        <p:cond delay="indefinite"/>
+                      </p:stCondLst>
+                      <p:childTnLst>
+                        <p:par>
+                          <p:cTn id="64" fill="hold">
+                            <p:stCondLst>
+                              <p:cond delay="0"/>
+                            </p:stCondLst>
+                            <p:childTnLst>
+                              <p:par>
+                                <p:cTn id="65" presetID="1" presetClass="entr" presetSubtype="0" fill="hold" nodeType="clickEffect">
+                                  <p:stCondLst>
+                                    <p:cond delay="0"/>
+                                  </p:stCondLst>
+                                  <p:childTnLst>
+                                    <p:set>
+                                      <p:cBhvr>
+                                        <p:cTn id="66" dur="1" fill="hold">
+                                          <p:stCondLst>
+                                            <p:cond delay="0"/>
+                                          </p:stCondLst>
+                                        </p:cTn>
+                                        <p:tgtEl>
+                                          <p:spTgt spid="29"/>
+                                        </p:tgtEl>
+                                        <p:attrNameLst>
+                                          <p:attrName>style.visibility</p:attrName>
+                                        </p:attrNameLst>
+                                      </p:cBhvr>
+                                      <p:to>
+                                        <p:strVal val="visible"/>
+                                      </p:to>
+                                    </p:set>
+                                  </p:childTnLst>
+                                </p:cTn>
+                              </p:par>
+                            </p:childTnLst>
+                          </p:cTn>
+                        </p:par>
+                      </p:childTnLst>
+                    </p:cTn>
+                  </p:par>
+                  <p:par>
+                    <p:cTn id="67" fill="hold">
+                      <p:stCondLst>
+                        <p:cond delay="indefinite"/>
+                      </p:stCondLst>
+                      <p:childTnLst>
+                        <p:par>
+                          <p:cTn id="68" fill="hold">
+                            <p:stCondLst>
+                              <p:cond delay="0"/>
+                            </p:stCondLst>
+                            <p:childTnLst>
+                              <p:par>
+                                <p:cTn id="69" presetID="1" presetClass="entr" presetSubtype="0" fill="hold" grpId="0" nodeType="clickEffect">
+                                  <p:stCondLst>
+                                    <p:cond delay="0"/>
+                                  </p:stCondLst>
+                                  <p:childTnLst>
+                                    <p:set>
+                                      <p:cBhvr>
+                                        <p:cTn id="70" dur="1" fill="hold">
+                                          <p:stCondLst>
+                                            <p:cond delay="0"/>
+                                          </p:stCondLst>
+                                        </p:cTn>
+                                        <p:tgtEl>
+                                          <p:spTgt spid="28"/>
+                                        </p:tgtEl>
+                                        <p:attrNameLst>
+                                          <p:attrName>style.visibility</p:attrName>
+                                        </p:attrNameLst>
+                                      </p:cBhvr>
+                                      <p:to>
+                                        <p:strVal val="visible"/>
+                                      </p:to>
+                                    </p:set>
+                                  </p:childTnLst>
+                                </p:cTn>
+                              </p:par>
+                            </p:childTnLst>
+                          </p:cTn>
+                        </p:par>
+                      </p:childTnLst>
+                    </p:cTn>
+                  </p:par>
+                  <p:par>
+                    <p:cTn id="71" fill="hold">
+                      <p:stCondLst>
+                        <p:cond delay="indefinite"/>
+                      </p:stCondLst>
+                      <p:childTnLst>
+                        <p:par>
+                          <p:cTn id="72" fill="hold">
+                            <p:stCondLst>
+                              <p:cond delay="0"/>
+                            </p:stCondLst>
+                            <p:childTnLst>
+                              <p:par>
+                                <p:cTn id="73" presetID="1" presetClass="entr" presetSubtype="0" fill="hold" grpId="0" nodeType="clickEffect">
+                                  <p:stCondLst>
+                                    <p:cond delay="0"/>
+                                  </p:stCondLst>
+                                  <p:childTnLst>
+                                    <p:set>
+                                      <p:cBhvr>
+                                        <p:cTn id="74" dur="1" fill="hold">
+                                          <p:stCondLst>
+                                            <p:cond delay="0"/>
+                                          </p:stCondLst>
+                                        </p:cTn>
+                                        <p:tgtEl>
+                                          <p:spTgt spid="33"/>
+                                        </p:tgtEl>
+                                        <p:attrNameLst>
+                                          <p:attrName>style.visibility</p:attrName>
+                                        </p:attrNameLst>
+                                      </p:cBhvr>
+                                      <p:to>
+                                        <p:strVal val="visible"/>
+                                      </p:to>
+                                    </p:set>
+                                  </p:childTnLst>
+                                </p:cTn>
+                              </p:par>
+                              <p:par>
+                                <p:cTn id="75" presetID="1" presetClass="entr" presetSubtype="0" fill="hold" nodeType="withEffect">
+                                  <p:stCondLst>
+                                    <p:cond delay="0"/>
+                                  </p:stCondLst>
+                                  <p:childTnLst>
+                                    <p:set>
+                                      <p:cBhvr>
+                                        <p:cTn id="76" dur="1" fill="hold">
+                                          <p:stCondLst>
+                                            <p:cond delay="0"/>
+                                          </p:stCondLst>
+                                        </p:cTn>
+                                        <p:tgtEl>
+                                          <p:spTgt spid="27"/>
+                                        </p:tgtEl>
+                                        <p:attrNameLst>
+                                          <p:attrName>style.visibility</p:attrName>
+                                        </p:attrNameLst>
+                                      </p:cBhvr>
+                                      <p:to>
+                                        <p:strVal val="visible"/>
+                                      </p:to>
+                                    </p:set>
+                                  </p:childTnLst>
+                                </p:cTn>
+                              </p:par>
+                            </p:childTnLst>
+                          </p:cTn>
+                        </p:par>
+                      </p:childTnLst>
+                    </p:cTn>
+                  </p:par>
+                  <p:par>
+                    <p:cTn id="77" fill="hold">
+                      <p:stCondLst>
+                        <p:cond delay="indefinite"/>
+                      </p:stCondLst>
+                      <p:childTnLst>
+                        <p:par>
+                          <p:cTn id="78" fill="hold">
+                            <p:stCondLst>
+                              <p:cond delay="0"/>
+                            </p:stCondLst>
+                            <p:childTnLst>
+                              <p:par>
+                                <p:cTn id="79" presetID="1" presetClass="exit" presetSubtype="0" fill="hold" grpId="1" nodeType="clickEffect">
+                                  <p:stCondLst>
+                                    <p:cond delay="0"/>
+                                  </p:stCondLst>
+                                  <p:childTnLst>
+                                    <p:set>
+                                      <p:cBhvr>
+                                        <p:cTn id="80" dur="1" fill="hold">
+                                          <p:stCondLst>
+                                            <p:cond delay="0"/>
+                                          </p:stCondLst>
+                                        </p:cTn>
+                                        <p:tgtEl>
+                                          <p:spTgt spid="33"/>
+                                        </p:tgtEl>
+                                        <p:attrNameLst>
+                                          <p:attrName>style.visibility</p:attrName>
+                                        </p:attrNameLst>
+                                      </p:cBhvr>
+                                      <p:to>
+                                        <p:strVal val="hidden"/>
+                                      </p:to>
+                                    </p:set>
+                                  </p:childTnLst>
+                                </p:cTn>
+                              </p:par>
+                              <p:par>
+                                <p:cTn id="81" presetID="1" presetClass="exit" presetSubtype="0" fill="hold" nodeType="withEffect">
+                                  <p:stCondLst>
+                                    <p:cond delay="0"/>
+                                  </p:stCondLst>
+                                  <p:childTnLst>
+                                    <p:set>
+                                      <p:cBhvr>
+                                        <p:cTn id="82" dur="1" fill="hold">
+                                          <p:stCondLst>
+                                            <p:cond delay="0"/>
+                                          </p:stCondLst>
+                                        </p:cTn>
+                                        <p:tgtEl>
+                                          <p:spTgt spid="27"/>
+                                        </p:tgtEl>
+                                        <p:attrNameLst>
+                                          <p:attrName>style.visibility</p:attrName>
+                                        </p:attrNameLst>
+                                      </p:cBhvr>
+                                      <p:to>
+                                        <p:strVal val="hidden"/>
+                                      </p:to>
+                                    </p:set>
+                                  </p:childTnLst>
+                                </p:cTn>
+                              </p:par>
+                            </p:childTnLst>
+                          </p:cTn>
+                        </p:par>
+                      </p:childTnLst>
+                    </p:cTn>
+                  </p:par>
+                  <p:par>
+                    <p:cTn id="83" fill="hold">
+                      <p:stCondLst>
+                        <p:cond delay="indefinite"/>
+                      </p:stCondLst>
+                      <p:childTnLst>
+                        <p:par>
+                          <p:cTn id="84" fill="hold">
+                            <p:stCondLst>
+                              <p:cond delay="0"/>
+                            </p:stCondLst>
+                            <p:childTnLst>
+                              <p:par>
+                                <p:cTn id="85" presetID="1" presetClass="entr" presetSubtype="0" fill="hold" nodeType="clickEffect">
+                                  <p:stCondLst>
+                                    <p:cond delay="0"/>
+                                  </p:stCondLst>
+                                  <p:childTnLst>
+                                    <p:set>
+                                      <p:cBhvr>
+                                        <p:cTn id="86" dur="1" fill="hold">
+                                          <p:stCondLst>
+                                            <p:cond delay="0"/>
+                                          </p:stCondLst>
+                                        </p:cTn>
+                                        <p:tgtEl>
+                                          <p:spTgt spid="81"/>
+                                        </p:tgtEl>
+                                        <p:attrNameLst>
+                                          <p:attrName>style.visibility</p:attrName>
+                                        </p:attrNameLst>
+                                      </p:cBhvr>
+                                      <p:to>
+                                        <p:strVal val="visible"/>
+                                      </p:to>
+                                    </p:set>
+                                  </p:childTnLst>
+                                </p:cTn>
+                              </p:par>
+                            </p:childTnLst>
+                          </p:cTn>
+                        </p:par>
+                      </p:childTnLst>
+                    </p:cTn>
+                  </p:par>
+                  <p:par>
+                    <p:cTn id="87" fill="hold">
+                      <p:stCondLst>
+                        <p:cond delay="indefinite"/>
+                      </p:stCondLst>
+                      <p:childTnLst>
+                        <p:par>
+                          <p:cTn id="88" fill="hold">
+                            <p:stCondLst>
+                              <p:cond delay="0"/>
+                            </p:stCondLst>
+                            <p:childTnLst>
+                              <p:par>
+                                <p:cTn id="89" presetID="1" presetClass="entr" presetSubtype="0" fill="hold" grpId="0" nodeType="clickEffect">
                                   <p:stCondLst>
                                     <p:cond delay="0"/>
                                   </p:stCondLst>
@@ -5554,14 +10700,14 @@
                                           </p:stCondLst>
                                         </p:cTn>
                                         <p:tgtEl>
-                                          <p:spTgt spid="51"/>
+                                          <p:spTgt spid="35"/>
                                         </p:tgtEl>
                                         <p:attrNameLst>
                                           <p:attrName>style.visibility</p:attrName>
                                         </p:attrNameLst>
                                       </p:cBhvr>
                                       <p:to>
-                                        <p:strVal val="hidden"/>
+                                        <p:strVal val="visible"/>
                                       </p:to>
                                     </p:set>
                                   </p:childTnLst>
@@ -5599,7 +10745,7 @@
                                           </p:stCondLst>
                                         </p:cTn>
                                         <p:tgtEl>
-                                          <p:spTgt spid="54"/>
+                                          <p:spTgt spid="79"/>
                                         </p:tgtEl>
                                         <p:attrNameLst>
                                           <p:attrName>style.visibility</p:attrName>
@@ -5644,7 +10790,7 @@
                                           </p:stCondLst>
                                         </p:cTn>
                                         <p:tgtEl>
-                                          <p:spTgt spid="53"/>
+                                          <p:spTgt spid="36"/>
                                         </p:tgtEl>
                                         <p:attrNameLst>
                                           <p:attrName>style.visibility</p:attrName>
@@ -5676,7 +10822,7 @@
                             </p:stCondLst>
                             <p:childTnLst>
                               <p:par>
-                                <p:cTn id="101" presetID="1" presetClass="entr" presetSubtype="0" fill="hold" grpId="0" nodeType="clickEffect">
+                                <p:cTn id="101" presetID="1" presetClass="entr" presetSubtype="0" fill="hold" nodeType="clickEffect">
                                   <p:stCondLst>
                                     <p:cond delay="0"/>
                                   </p:stCondLst>
@@ -5689,34 +10835,7 @@
                                           </p:stCondLst>
                                         </p:cTn>
                                         <p:tgtEl>
-                                          <p:spTgt spid="57"/>
-                                        </p:tgtEl>
-                                        <p:attrNameLst>
-                                          <p:attrName>style.visibility</p:attrName>
-                                        </p:attrNameLst>
-                                      </p:cBhvr>
-                                      <p:to>
-                                        <p:strVal val="visible"/>
-                                      </p:to>
-                                    </p:set>
-                                  </p:childTnLst>
-                                </p:cTn>
-                              </p:par>
-                              <p:par>
-                                <p:cTn id="103" presetID="1" presetClass="entr" presetSubtype="0" fill="hold" nodeType="withEffect">
-                                  <p:stCondLst>
-                                    <p:cond delay="0"/>
-                                  </p:stCondLst>
-                                  <p:childTnLst>
-                                    <p:set>
-                                      <p:cBhvr>
-                                        <p:cTn id="104" dur="1" fill="hold">
-                                          <p:stCondLst>
-                                            <p:cond delay="0"/>
-                                          </p:stCondLst>
-                                        </p:cTn>
-                                        <p:tgtEl>
-                                          <p:spTgt spid="59"/>
+                                          <p:spTgt spid="83"/>
                                         </p:tgtEl>
                                         <p:attrNameLst>
                                           <p:attrName>style.visibility</p:attrName>
@@ -5736,46 +10855,64 @@
                     </p:cTn>
                   </p:par>
                   <p:par>
-                    <p:cTn id="105" fill="hold">
+                    <p:cTn id="103" fill="hold">
                       <p:stCondLst>
                         <p:cond delay="indefinite"/>
                       </p:stCondLst>
                       <p:childTnLst>
                         <p:par>
-                          <p:cTn id="106" fill="hold">
+                          <p:cTn id="104" fill="hold">
                             <p:stCondLst>
                               <p:cond delay="0"/>
                             </p:stCondLst>
                             <p:childTnLst>
                               <p:par>
-                                <p:cTn id="107" presetID="1" presetClass="exit" presetSubtype="0" fill="hold" grpId="1" nodeType="clickEffect">
+                                <p:cTn id="105" presetID="1" presetClass="entr" presetSubtype="0" fill="hold" grpId="0" nodeType="clickEffect">
                                   <p:stCondLst>
                                     <p:cond delay="0"/>
                                   </p:stCondLst>
                                   <p:childTnLst>
                                     <p:set>
                                       <p:cBhvr>
-                                        <p:cTn id="108" dur="1" fill="hold">
+                                        <p:cTn id="106" dur="1" fill="hold">
                                           <p:stCondLst>
                                             <p:cond delay="0"/>
                                           </p:stCondLst>
                                         </p:cTn>
                                         <p:tgtEl>
-                                          <p:spTgt spid="57"/>
+                                          <p:spTgt spid="38"/>
                                         </p:tgtEl>
                                         <p:attrNameLst>
                                           <p:attrName>style.visibility</p:attrName>
                                         </p:attrNameLst>
                                       </p:cBhvr>
                                       <p:to>
-                                        <p:strVal val="hidden"/>
+                                        <p:strVal val="visible"/>
                                       </p:to>
                                     </p:set>
                                   </p:childTnLst>
                                 </p:cTn>
                               </p:par>
+                            </p:childTnLst>
+                          </p:cTn>
+                        </p:par>
+                      </p:childTnLst>
+                    </p:cTn>
+                  </p:par>
+                  <p:par>
+                    <p:cTn id="107" fill="hold">
+                      <p:stCondLst>
+                        <p:cond delay="indefinite"/>
+                      </p:stCondLst>
+                      <p:childTnLst>
+                        <p:par>
+                          <p:cTn id="108" fill="hold">
+                            <p:stCondLst>
+                              <p:cond delay="0"/>
+                            </p:stCondLst>
+                            <p:childTnLst>
                               <p:par>
-                                <p:cTn id="109" presetID="1" presetClass="exit" presetSubtype="0" fill="hold" nodeType="withEffect">
+                                <p:cTn id="109" presetID="1" presetClass="entr" presetSubtype="0" fill="hold" nodeType="clickEffect">
                                   <p:stCondLst>
                                     <p:cond delay="0"/>
                                   </p:stCondLst>
@@ -5788,14 +10925,14 @@
                                           </p:stCondLst>
                                         </p:cTn>
                                         <p:tgtEl>
-                                          <p:spTgt spid="59"/>
+                                          <p:spTgt spid="41"/>
                                         </p:tgtEl>
                                         <p:attrNameLst>
                                           <p:attrName>style.visibility</p:attrName>
                                         </p:attrNameLst>
                                       </p:cBhvr>
                                       <p:to>
-                                        <p:strVal val="hidden"/>
+                                        <p:strVal val="visible"/>
                                       </p:to>
                                     </p:set>
                                   </p:childTnLst>
@@ -5833,7 +10970,7 @@
                                           </p:stCondLst>
                                         </p:cTn>
                                         <p:tgtEl>
-                                          <p:spTgt spid="61"/>
+                                          <p:spTgt spid="39"/>
                                         </p:tgtEl>
                                         <p:attrNameLst>
                                           <p:attrName>style.visibility</p:attrName>
@@ -5878,7 +11015,7 @@
                                           </p:stCondLst>
                                         </p:cTn>
                                         <p:tgtEl>
-                                          <p:spTgt spid="60"/>
+                                          <p:spTgt spid="37"/>
                                         </p:tgtEl>
                                         <p:attrNameLst>
                                           <p:attrName>style.visibility</p:attrName>
@@ -5923,33 +11060,6 @@
                                           </p:stCondLst>
                                         </p:cTn>
                                         <p:tgtEl>
-                                          <p:spTgt spid="65"/>
-                                        </p:tgtEl>
-                                        <p:attrNameLst>
-                                          <p:attrName>style.visibility</p:attrName>
-                                        </p:attrNameLst>
-                                      </p:cBhvr>
-                                      <p:to>
-                                        <p:strVal val="visible"/>
-                                      </p:to>
-                                    </p:set>
-                                  </p:childTnLst>
-                                </p:cTn>
-                              </p:par>
-                              <p:par>
-                                <p:cTn id="123" presetID="1" presetClass="entr" presetSubtype="0" fill="hold" grpId="0" nodeType="withEffect">
-                                  <p:stCondLst>
-                                    <p:cond delay="0"/>
-                                  </p:stCondLst>
-                                  <p:childTnLst>
-                                    <p:set>
-                                      <p:cBhvr>
-                                        <p:cTn id="124" dur="1" fill="hold">
-                                          <p:stCondLst>
-                                            <p:cond delay="0"/>
-                                          </p:stCondLst>
-                                        </p:cTn>
-                                        <p:tgtEl>
                                           <p:spTgt spid="64"/>
                                         </p:tgtEl>
                                         <p:attrNameLst>
@@ -5970,32 +11080,149 @@
                     </p:cTn>
                   </p:par>
                   <p:par>
-                    <p:cTn id="125" fill="hold">
+                    <p:cTn id="123" fill="hold">
                       <p:stCondLst>
                         <p:cond delay="indefinite"/>
                       </p:stCondLst>
                       <p:childTnLst>
                         <p:par>
-                          <p:cTn id="126" fill="hold">
+                          <p:cTn id="124" fill="hold">
                             <p:stCondLst>
                               <p:cond delay="0"/>
                             </p:stCondLst>
                             <p:childTnLst>
                               <p:par>
-                                <p:cTn id="127" presetID="1" presetClass="exit" presetSubtype="0" fill="hold" nodeType="clickEffect">
+                                <p:cTn id="125" presetID="1" presetClass="entr" presetSubtype="0" fill="hold" grpId="0" nodeType="clickEffect">
                                   <p:stCondLst>
                                     <p:cond delay="0"/>
                                   </p:stCondLst>
                                   <p:childTnLst>
                                     <p:set>
                                       <p:cBhvr>
-                                        <p:cTn id="128" dur="1" fill="hold">
+                                        <p:cTn id="126" dur="1" fill="hold">
                                           <p:stCondLst>
                                             <p:cond delay="0"/>
                                           </p:stCondLst>
                                         </p:cTn>
                                         <p:tgtEl>
-                                          <p:spTgt spid="65"/>
+                                          <p:spTgt spid="63"/>
+                                        </p:tgtEl>
+                                        <p:attrNameLst>
+                                          <p:attrName>style.visibility</p:attrName>
+                                        </p:attrNameLst>
+                                      </p:cBhvr>
+                                      <p:to>
+                                        <p:strVal val="visible"/>
+                                      </p:to>
+                                    </p:set>
+                                  </p:childTnLst>
+                                </p:cTn>
+                              </p:par>
+                            </p:childTnLst>
+                          </p:cTn>
+                        </p:par>
+                      </p:childTnLst>
+                    </p:cTn>
+                  </p:par>
+                  <p:par>
+                    <p:cTn id="127" fill="hold">
+                      <p:stCondLst>
+                        <p:cond delay="indefinite"/>
+                      </p:stCondLst>
+                      <p:childTnLst>
+                        <p:par>
+                          <p:cTn id="128" fill="hold">
+                            <p:stCondLst>
+                              <p:cond delay="0"/>
+                            </p:stCondLst>
+                            <p:childTnLst>
+                              <p:par>
+                                <p:cTn id="129" presetID="1" presetClass="entr" presetSubtype="0" fill="hold" grpId="0" nodeType="clickEffect">
+                                  <p:stCondLst>
+                                    <p:cond delay="0"/>
+                                  </p:stCondLst>
+                                  <p:childTnLst>
+                                    <p:set>
+                                      <p:cBhvr>
+                                        <p:cTn id="130" dur="1" fill="hold">
+                                          <p:stCondLst>
+                                            <p:cond delay="0"/>
+                                          </p:stCondLst>
+                                        </p:cTn>
+                                        <p:tgtEl>
+                                          <p:spTgt spid="67"/>
+                                        </p:tgtEl>
+                                        <p:attrNameLst>
+                                          <p:attrName>style.visibility</p:attrName>
+                                        </p:attrNameLst>
+                                      </p:cBhvr>
+                                      <p:to>
+                                        <p:strVal val="visible"/>
+                                      </p:to>
+                                    </p:set>
+                                  </p:childTnLst>
+                                </p:cTn>
+                              </p:par>
+                              <p:par>
+                                <p:cTn id="131" presetID="1" presetClass="entr" presetSubtype="0" fill="hold" nodeType="withEffect">
+                                  <p:stCondLst>
+                                    <p:cond delay="0"/>
+                                  </p:stCondLst>
+                                  <p:childTnLst>
+                                    <p:set>
+                                      <p:cBhvr>
+                                        <p:cTn id="132" dur="1" fill="hold">
+                                          <p:stCondLst>
+                                            <p:cond delay="0"/>
+                                          </p:stCondLst>
+                                        </p:cTn>
+                                        <p:tgtEl>
+                                          <p:spTgt spid="72"/>
+                                        </p:tgtEl>
+                                        <p:attrNameLst>
+                                          <p:attrName>style.visibility</p:attrName>
+                                        </p:attrNameLst>
+                                      </p:cBhvr>
+                                      <p:to>
+                                        <p:strVal val="visible"/>
+                                      </p:to>
+                                    </p:set>
+                                  </p:childTnLst>
+                                </p:cTn>
+                              </p:par>
+                            </p:childTnLst>
+                          </p:cTn>
+                        </p:par>
+                      </p:childTnLst>
+                    </p:cTn>
+                  </p:par>
+                  <p:par>
+                    <p:cTn id="133" fill="hold">
+                      <p:stCondLst>
+                        <p:cond delay="indefinite"/>
+                      </p:stCondLst>
+                      <p:childTnLst>
+                        <p:par>
+                          <p:cTn id="134" fill="hold">
+                            <p:stCondLst>
+                              <p:cond delay="0"/>
+                            </p:stCondLst>
+                            <p:childTnLst>
+                              <p:par>
+                                <p:cTn id="135" presetID="1" presetClass="exit" presetSubtype="0" fill="hold" grpId="1" nodeType="clickEffect">
+                                  <p:stCondLst>
+                                    <p:cond delay="0"/>
+                                  </p:stCondLst>
+                                  <p:childTnLst>
+                                    <p:set>
+                                      <p:cBhvr>
+                                        <p:cTn id="136" dur="1" fill="hold">
+                                          <p:stCondLst>
+                                            <p:cond delay="0"/>
+                                          </p:stCondLst>
+                                        </p:cTn>
+                                        <p:tgtEl>
+                                          <p:spTgt spid="67"/>
                                         </p:tgtEl>
                                         <p:attrNameLst>
                                           <p:attrName>style.visibility</p:attrName>
@@ -6009,20 +11236,20 @@
                                 </p:cTn>
                               </p:par>
                               <p:par>
-                                <p:cTn id="129" presetID="1" presetClass="exit" presetSubtype="0" fill="hold" grpId="1" nodeType="withEffect">
+                                <p:cTn id="137" presetID="1" presetClass="exit" presetSubtype="0" fill="hold" nodeType="withEffect">
                                   <p:stCondLst>
                                     <p:cond delay="0"/>
                                   </p:stCondLst>
                                   <p:childTnLst>
                                     <p:set>
                                       <p:cBhvr>
-                                        <p:cTn id="130" dur="1" fill="hold">
+                                        <p:cTn id="138" dur="1" fill="hold">
                                           <p:stCondLst>
                                             <p:cond delay="0"/>
                                           </p:stCondLst>
                                         </p:cTn>
                                         <p:tgtEl>
-                                          <p:spTgt spid="64"/>
+                                          <p:spTgt spid="72"/>
                                         </p:tgtEl>
                                         <p:attrNameLst>
                                           <p:attrName>style.visibility</p:attrName>
@@ -6058,33 +11285,69 @@
                 </p:cond>
               </p:nextCondLst>
             </p:seq>
+            <p:audio isNarration="1">
+              <p:cMediaNode vol="80000" showWhenStopped="0">
+                <p:cTn id="139" fill="hold" display="0">
+                  <p:stCondLst>
+                    <p:cond delay="indefinite"/>
+                  </p:stCondLst>
+                  <p:endCondLst>
+                    <p:cond evt="onStopAudio" delay="0">
+                      <p:tgtEl>
+                        <p:sldTgt/>
+                      </p:tgtEl>
+                    </p:cond>
+                  </p:endCondLst>
+                </p:cTn>
+                <p:tgtEl>
+                  <p:spTgt spid="88"/>
+                </p:tgtEl>
+              </p:cMediaNode>
+            </p:audio>
           </p:childTnLst>
         </p:cTn>
       </p:par>
     </p:tnLst>
     <p:bldLst>
-      <p:bldP spid="5" grpId="0" animBg="1"/>
-      <p:bldP spid="8" grpId="0" animBg="1"/>
-      <p:bldP spid="10" grpId="0"/>
-      <p:bldP spid="10" grpId="1"/>
+      <p:bldP spid="4" grpId="0" animBg="1"/>
+      <p:bldP spid="12" grpId="0" animBg="1"/>
+      <p:bldP spid="14" grpId="0"/>
+      <p:bldP spid="14" grpId="1"/>
       <p:bldP spid="19" grpId="0" animBg="1"/>
+      <p:bldP spid="21" grpId="0" animBg="1"/>
+      <p:bldP spid="24" grpId="0"/>
+      <p:bldP spid="24" grpId="1"/>
+      <p:bldP spid="28" grpId="0" animBg="1"/>
       <p:bldP spid="33" grpId="0"/>
       <p:bldP spid="33" grpId="1"/>
+      <p:bldP spid="35" grpId="0" animBg="1"/>
+      <p:bldP spid="36" grpId="0" animBg="1"/>
+      <p:bldP spid="37" grpId="0" animBg="1"/>
       <p:bldP spid="38" grpId="0" animBg="1"/>
-      <p:bldP spid="42" grpId="0"/>
-      <p:bldP spid="42" grpId="1"/>
-      <p:bldP spid="47" grpId="0" animBg="1"/>
-      <p:bldP spid="50" grpId="0"/>
-      <p:bldP spid="50" grpId="1"/>
-      <p:bldP spid="53" grpId="0" animBg="1"/>
-      <p:bldP spid="57" grpId="0"/>
-      <p:bldP spid="57" grpId="1"/>
-      <p:bldP spid="60" grpId="0" animBg="1"/>
-      <p:bldP spid="64" grpId="0"/>
-      <p:bldP spid="64" grpId="1"/>
+      <p:bldP spid="63" grpId="0" animBg="1"/>
+      <p:bldP spid="67" grpId="0"/>
+      <p:bldP spid="67" grpId="1"/>
     </p:bldLst>
   </p:timing>
 </p:sld>
+</file>
+
+<file path=ppt/tags/tag1.xml><?xml version="1.0" encoding="utf-8"?>
+<p:tagLst xmlns:a="http://schemas.openxmlformats.org/drawingml/2006/main" xmlns:r="http://schemas.openxmlformats.org/officeDocument/2006/relationships" xmlns:p="http://schemas.openxmlformats.org/presentationml/2006/main">
+  <p:tag name="TIMING" val="|0.1|13.3|0.1|0.6|0.4|7.4|0.1|0.4|0.6|8.2|0.3|0.2|0.6|17.9|0.4|0.1|0.3|5.8|0.1|0.1|0.1"/>
+</p:tagLst>
+</file>
+
+<file path=ppt/tags/tag2.xml><?xml version="1.0" encoding="utf-8"?>
+<p:tagLst xmlns:a="http://schemas.openxmlformats.org/drawingml/2006/main" xmlns:r="http://schemas.openxmlformats.org/officeDocument/2006/relationships" xmlns:p="http://schemas.openxmlformats.org/presentationml/2006/main">
+  <p:tag name="TIMING" val="|0.7|1.2|1.7|2.4|0.5|0.5|4.9|0.5|5|0.3|3.9|0.2|0.4|0.6|6.7|0.2"/>
+</p:tagLst>
+</file>
+
+<file path=ppt/tags/tag3.xml><?xml version="1.0" encoding="utf-8"?>
+<p:tagLst xmlns:a="http://schemas.openxmlformats.org/drawingml/2006/main" xmlns:r="http://schemas.openxmlformats.org/officeDocument/2006/relationships" xmlns:p="http://schemas.openxmlformats.org/presentationml/2006/main">
+  <p:tag name="TIMING" val="|0.9|0.4|4.8|0.1|4.7|0.5|0.6|0.3|4.7|0.6|0.2|6.1|0.2|0.3|2.1|0.3|0.6|0.3|4.4|0.2|2.9|0.2|1.9|0.4|1.9|1.4|0.2|4.2|0.2"/>
+</p:tagLst>
 </file>
 
 <file path=ppt/theme/theme1.xml><?xml version="1.0" encoding="utf-8"?>
